--- a/data analysis/alpha_SNR.pptx
+++ b/data analysis/alpha_SNR.pptx
@@ -4,9 +4,15 @@
   <p:sldMasterIdLst>
     <p:sldMasterId id="2147483648" r:id="rId1"/>
   </p:sldMasterIdLst>
+  <p:notesMasterIdLst>
+    <p:notesMasterId r:id="rId7"/>
+  </p:notesMasterIdLst>
   <p:sldIdLst>
     <p:sldId id="256" r:id="rId2"/>
-    <p:sldId id="257" r:id="rId3"/>
+    <p:sldId id="260" r:id="rId3"/>
+    <p:sldId id="257" r:id="rId4"/>
+    <p:sldId id="259" r:id="rId5"/>
+    <p:sldId id="258" r:id="rId6"/>
   </p:sldIdLst>
   <p:sldSz cx="12192000" cy="6858000"/>
   <p:notesSz cx="6858000" cy="9144000"/>
@@ -105,6 +111,14 @@
       </a:defRPr>
     </a:lvl9pPr>
   </p:defaultTextStyle>
+  <p:extLst>
+    <p:ext uri="{EFAFB233-063F-42B5-8137-9DF3F51BA10A}">
+      <p15:sldGuideLst xmlns:p15="http://schemas.microsoft.com/office/powerpoint/2012/main"/>
+    </p:ext>
+    <p:ext uri="{2D200454-40CA-4A62-9FC3-DE9A4176ACB9}">
+      <p15:notesGuideLst xmlns:p15="http://schemas.microsoft.com/office/powerpoint/2012/main"/>
+    </p:ext>
+  </p:extLst>
 </p:presentation>
 </file>
 
@@ -142,9 +156,934 @@
               </a:defRPr>
             </a:pPr>
             <a:r>
-              <a:rPr lang="en-US"/>
-              <a:t>OZ Alpha power vs SNR 50</a:t>
+              <a:rPr lang="en-US" dirty="0" smtClean="0"/>
+              <a:t>Eyes closed </a:t>
             </a:r>
+            <a:r>
+              <a:rPr lang="en-US" baseline="0" dirty="0" smtClean="0"/>
+              <a:t>alpha </a:t>
+            </a:r>
+            <a:r>
+              <a:rPr lang="en-US" baseline="0" dirty="0"/>
+              <a:t>activity in occipital regions vs SNR 80</a:t>
+            </a:r>
+            <a:endParaRPr lang="en-US" dirty="0"/>
+          </a:p>
+        </c:rich>
+      </c:tx>
+      <c:layout/>
+      <c:overlay val="0"/>
+      <c:spPr>
+        <a:noFill/>
+        <a:ln>
+          <a:noFill/>
+        </a:ln>
+        <a:effectLst/>
+      </c:spPr>
+      <c:txPr>
+        <a:bodyPr rot="0" spcFirstLastPara="1" vertOverflow="ellipsis" vert="horz" wrap="square" anchor="ctr" anchorCtr="1"/>
+        <a:lstStyle/>
+        <a:p>
+          <a:pPr>
+            <a:defRPr sz="1400" b="0" i="0" u="none" strike="noStrike" kern="1200" spc="0" baseline="0">
+              <a:solidFill>
+                <a:schemeClr val="tx1">
+                  <a:lumMod val="65000"/>
+                  <a:lumOff val="35000"/>
+                </a:schemeClr>
+              </a:solidFill>
+              <a:latin typeface="+mn-lt"/>
+              <a:ea typeface="+mn-ea"/>
+              <a:cs typeface="+mn-cs"/>
+            </a:defRPr>
+          </a:pPr>
+          <a:endParaRPr lang="en-US"/>
+        </a:p>
+      </c:txPr>
+    </c:title>
+    <c:autoTitleDeleted val="0"/>
+    <c:plotArea>
+      <c:layout/>
+      <c:scatterChart>
+        <c:scatterStyle val="lineMarker"/>
+        <c:varyColors val="0"/>
+        <c:ser>
+          <c:idx val="0"/>
+          <c:order val="0"/>
+          <c:spPr>
+            <a:ln w="19050" cap="rnd">
+              <a:noFill/>
+              <a:round/>
+            </a:ln>
+            <a:effectLst/>
+          </c:spPr>
+          <c:marker>
+            <c:symbol val="circle"/>
+            <c:size val="5"/>
+            <c:spPr>
+              <a:solidFill>
+                <a:schemeClr val="accent1"/>
+              </a:solidFill>
+              <a:ln w="9525">
+                <a:solidFill>
+                  <a:schemeClr val="accent1"/>
+                </a:solidFill>
+              </a:ln>
+              <a:effectLst/>
+            </c:spPr>
+          </c:marker>
+          <c:xVal>
+            <c:numRef>
+              <c:f>'AAT added'!$E$2:$E$11</c:f>
+              <c:numCache>
+                <c:formatCode>General</c:formatCode>
+                <c:ptCount val="10"/>
+                <c:pt idx="0">
+                  <c:v>5.4856999999999996E-2</c:v>
+                </c:pt>
+                <c:pt idx="1">
+                  <c:v>3.606666666666667E-2</c:v>
+                </c:pt>
+                <c:pt idx="2">
+                  <c:v>5.9133333333333336E-2</c:v>
+                </c:pt>
+                <c:pt idx="3">
+                  <c:v>9.2366666666666652E-2</c:v>
+                </c:pt>
+                <c:pt idx="4">
+                  <c:v>3.2933333333333335E-2</c:v>
+                </c:pt>
+                <c:pt idx="5">
+                  <c:v>0.15076666666666669</c:v>
+                </c:pt>
+                <c:pt idx="6">
+                  <c:v>6.3800000000000009E-2</c:v>
+                </c:pt>
+                <c:pt idx="7">
+                  <c:v>0.17813333333333334</c:v>
+                </c:pt>
+                <c:pt idx="8">
+                  <c:v>0.16556666666666667</c:v>
+                </c:pt>
+                <c:pt idx="9">
+                  <c:v>0.10636666666666666</c:v>
+                </c:pt>
+              </c:numCache>
+            </c:numRef>
+          </c:xVal>
+          <c:yVal>
+            <c:numRef>
+              <c:f>'AAT added'!$G$2:$G$11</c:f>
+              <c:numCache>
+                <c:formatCode>General</c:formatCode>
+                <c:ptCount val="10"/>
+                <c:pt idx="0">
+                  <c:v>22</c:v>
+                </c:pt>
+                <c:pt idx="1">
+                  <c:v>24</c:v>
+                </c:pt>
+                <c:pt idx="2">
+                  <c:v>16.16</c:v>
+                </c:pt>
+                <c:pt idx="3">
+                  <c:v>7.23</c:v>
+                </c:pt>
+                <c:pt idx="4">
+                  <c:v>7.78</c:v>
+                </c:pt>
+                <c:pt idx="5">
+                  <c:v>4.68</c:v>
+                </c:pt>
+                <c:pt idx="6">
+                  <c:v>7.62</c:v>
+                </c:pt>
+                <c:pt idx="7">
+                  <c:v>6.33</c:v>
+                </c:pt>
+                <c:pt idx="8">
+                  <c:v>10.27</c:v>
+                </c:pt>
+                <c:pt idx="9">
+                  <c:v>11.41</c:v>
+                </c:pt>
+              </c:numCache>
+            </c:numRef>
+          </c:yVal>
+          <c:smooth val="0"/>
+        </c:ser>
+        <c:dLbls>
+          <c:showLegendKey val="0"/>
+          <c:showVal val="0"/>
+          <c:showCatName val="0"/>
+          <c:showSerName val="0"/>
+          <c:showPercent val="0"/>
+          <c:showBubbleSize val="0"/>
+        </c:dLbls>
+        <c:axId val="124190256"/>
+        <c:axId val="124190648"/>
+      </c:scatterChart>
+      <c:valAx>
+        <c:axId val="124190256"/>
+        <c:scaling>
+          <c:orientation val="minMax"/>
+        </c:scaling>
+        <c:delete val="0"/>
+        <c:axPos val="b"/>
+        <c:title>
+          <c:tx>
+            <c:rich>
+              <a:bodyPr rot="0" spcFirstLastPara="1" vertOverflow="ellipsis" vert="horz" wrap="square" anchor="ctr" anchorCtr="1"/>
+              <a:lstStyle/>
+              <a:p>
+                <a:pPr>
+                  <a:defRPr sz="1000" b="0" i="0" u="none" strike="noStrike" kern="1200" baseline="0">
+                    <a:solidFill>
+                      <a:schemeClr val="tx1">
+                        <a:lumMod val="65000"/>
+                        <a:lumOff val="35000"/>
+                      </a:schemeClr>
+                    </a:solidFill>
+                    <a:latin typeface="+mn-lt"/>
+                    <a:ea typeface="+mn-ea"/>
+                    <a:cs typeface="+mn-cs"/>
+                  </a:defRPr>
+                </a:pPr>
+                <a:r>
+                  <a:rPr lang="en-US"/>
+                  <a:t>Alpha power</a:t>
+                </a:r>
+              </a:p>
+            </c:rich>
+          </c:tx>
+          <c:layout>
+            <c:manualLayout>
+              <c:xMode val="edge"/>
+              <c:yMode val="edge"/>
+              <c:x val="0.46927614950908902"/>
+              <c:y val="0.88692221009385952"/>
+            </c:manualLayout>
+          </c:layout>
+          <c:overlay val="0"/>
+          <c:spPr>
+            <a:noFill/>
+            <a:ln>
+              <a:noFill/>
+            </a:ln>
+            <a:effectLst/>
+          </c:spPr>
+          <c:txPr>
+            <a:bodyPr rot="0" spcFirstLastPara="1" vertOverflow="ellipsis" vert="horz" wrap="square" anchor="ctr" anchorCtr="1"/>
+            <a:lstStyle/>
+            <a:p>
+              <a:pPr>
+                <a:defRPr sz="1000" b="0" i="0" u="none" strike="noStrike" kern="1200" baseline="0">
+                  <a:solidFill>
+                    <a:schemeClr val="tx1">
+                      <a:lumMod val="65000"/>
+                      <a:lumOff val="35000"/>
+                    </a:schemeClr>
+                  </a:solidFill>
+                  <a:latin typeface="+mn-lt"/>
+                  <a:ea typeface="+mn-ea"/>
+                  <a:cs typeface="+mn-cs"/>
+                </a:defRPr>
+              </a:pPr>
+              <a:endParaRPr lang="en-US"/>
+            </a:p>
+          </c:txPr>
+        </c:title>
+        <c:numFmt formatCode="General" sourceLinked="1"/>
+        <c:majorTickMark val="none"/>
+        <c:minorTickMark val="none"/>
+        <c:tickLblPos val="nextTo"/>
+        <c:spPr>
+          <a:noFill/>
+          <a:ln w="9525" cap="flat" cmpd="sng" algn="ctr">
+            <a:solidFill>
+              <a:schemeClr val="tx1">
+                <a:lumMod val="25000"/>
+                <a:lumOff val="75000"/>
+              </a:schemeClr>
+            </a:solidFill>
+            <a:round/>
+          </a:ln>
+          <a:effectLst/>
+        </c:spPr>
+        <c:txPr>
+          <a:bodyPr rot="-60000000" spcFirstLastPara="1" vertOverflow="ellipsis" vert="horz" wrap="square" anchor="ctr" anchorCtr="1"/>
+          <a:lstStyle/>
+          <a:p>
+            <a:pPr>
+              <a:defRPr sz="900" b="0" i="0" u="none" strike="noStrike" kern="1200" baseline="0">
+                <a:solidFill>
+                  <a:schemeClr val="tx1">
+                    <a:lumMod val="65000"/>
+                    <a:lumOff val="35000"/>
+                  </a:schemeClr>
+                </a:solidFill>
+                <a:latin typeface="+mn-lt"/>
+                <a:ea typeface="+mn-ea"/>
+                <a:cs typeface="+mn-cs"/>
+              </a:defRPr>
+            </a:pPr>
+            <a:endParaRPr lang="en-US"/>
+          </a:p>
+        </c:txPr>
+        <c:crossAx val="124190648"/>
+        <c:crosses val="autoZero"/>
+        <c:crossBetween val="midCat"/>
+      </c:valAx>
+      <c:valAx>
+        <c:axId val="124190648"/>
+        <c:scaling>
+          <c:orientation val="minMax"/>
+        </c:scaling>
+        <c:delete val="0"/>
+        <c:axPos val="l"/>
+        <c:title>
+          <c:tx>
+            <c:rich>
+              <a:bodyPr rot="-5400000" spcFirstLastPara="1" vertOverflow="ellipsis" vert="horz" wrap="square" anchor="ctr" anchorCtr="1"/>
+              <a:lstStyle/>
+              <a:p>
+                <a:pPr>
+                  <a:defRPr sz="1000" b="0" i="0" u="none" strike="noStrike" kern="1200" baseline="0">
+                    <a:solidFill>
+                      <a:schemeClr val="tx1">
+                        <a:lumMod val="65000"/>
+                        <a:lumOff val="35000"/>
+                      </a:schemeClr>
+                    </a:solidFill>
+                    <a:latin typeface="+mn-lt"/>
+                    <a:ea typeface="+mn-ea"/>
+                    <a:cs typeface="+mn-cs"/>
+                  </a:defRPr>
+                </a:pPr>
+                <a:r>
+                  <a:rPr lang="en-US"/>
+                  <a:t>SNR</a:t>
+                </a:r>
+                <a:r>
+                  <a:rPr lang="en-US" baseline="0"/>
+                  <a:t> 80 threshold (db SPL)</a:t>
+                </a:r>
+                <a:endParaRPr lang="en-US"/>
+              </a:p>
+            </c:rich>
+          </c:tx>
+          <c:layout/>
+          <c:overlay val="0"/>
+          <c:spPr>
+            <a:noFill/>
+            <a:ln>
+              <a:noFill/>
+            </a:ln>
+            <a:effectLst/>
+          </c:spPr>
+          <c:txPr>
+            <a:bodyPr rot="-5400000" spcFirstLastPara="1" vertOverflow="ellipsis" vert="horz" wrap="square" anchor="ctr" anchorCtr="1"/>
+            <a:lstStyle/>
+            <a:p>
+              <a:pPr>
+                <a:defRPr sz="1000" b="0" i="0" u="none" strike="noStrike" kern="1200" baseline="0">
+                  <a:solidFill>
+                    <a:schemeClr val="tx1">
+                      <a:lumMod val="65000"/>
+                      <a:lumOff val="35000"/>
+                    </a:schemeClr>
+                  </a:solidFill>
+                  <a:latin typeface="+mn-lt"/>
+                  <a:ea typeface="+mn-ea"/>
+                  <a:cs typeface="+mn-cs"/>
+                </a:defRPr>
+              </a:pPr>
+              <a:endParaRPr lang="en-US"/>
+            </a:p>
+          </c:txPr>
+        </c:title>
+        <c:numFmt formatCode="General" sourceLinked="1"/>
+        <c:majorTickMark val="none"/>
+        <c:minorTickMark val="none"/>
+        <c:tickLblPos val="nextTo"/>
+        <c:spPr>
+          <a:noFill/>
+          <a:ln w="9525" cap="flat" cmpd="sng" algn="ctr">
+            <a:solidFill>
+              <a:schemeClr val="tx1">
+                <a:lumMod val="25000"/>
+                <a:lumOff val="75000"/>
+              </a:schemeClr>
+            </a:solidFill>
+            <a:round/>
+          </a:ln>
+          <a:effectLst/>
+        </c:spPr>
+        <c:txPr>
+          <a:bodyPr rot="-60000000" spcFirstLastPara="1" vertOverflow="ellipsis" vert="horz" wrap="square" anchor="ctr" anchorCtr="1"/>
+          <a:lstStyle/>
+          <a:p>
+            <a:pPr>
+              <a:defRPr sz="900" b="0" i="0" u="none" strike="noStrike" kern="1200" baseline="0">
+                <a:solidFill>
+                  <a:schemeClr val="tx1">
+                    <a:lumMod val="65000"/>
+                    <a:lumOff val="35000"/>
+                  </a:schemeClr>
+                </a:solidFill>
+                <a:latin typeface="+mn-lt"/>
+                <a:ea typeface="+mn-ea"/>
+                <a:cs typeface="+mn-cs"/>
+              </a:defRPr>
+            </a:pPr>
+            <a:endParaRPr lang="en-US"/>
+          </a:p>
+        </c:txPr>
+        <c:crossAx val="124190256"/>
+        <c:crosses val="autoZero"/>
+        <c:crossBetween val="midCat"/>
+      </c:valAx>
+      <c:spPr>
+        <a:noFill/>
+        <a:ln>
+          <a:noFill/>
+        </a:ln>
+        <a:effectLst/>
+      </c:spPr>
+    </c:plotArea>
+    <c:plotVisOnly val="1"/>
+    <c:dispBlanksAs val="gap"/>
+    <c:showDLblsOverMax val="0"/>
+  </c:chart>
+  <c:spPr>
+    <a:noFill/>
+    <a:ln>
+      <a:noFill/>
+    </a:ln>
+    <a:effectLst/>
+  </c:spPr>
+  <c:txPr>
+    <a:bodyPr/>
+    <a:lstStyle/>
+    <a:p>
+      <a:pPr>
+        <a:defRPr/>
+      </a:pPr>
+      <a:endParaRPr lang="en-US"/>
+    </a:p>
+  </c:txPr>
+  <c:externalData r:id="rId3">
+    <c:autoUpdate val="0"/>
+  </c:externalData>
+</c:chartSpace>
+</file>
+
+<file path=ppt/charts/chart2.xml><?xml version="1.0" encoding="utf-8"?>
+<c:chartSpace xmlns:c="http://schemas.openxmlformats.org/drawingml/2006/chart" xmlns:a="http://schemas.openxmlformats.org/drawingml/2006/main" xmlns:r="http://schemas.openxmlformats.org/officeDocument/2006/relationships">
+  <c:date1904 val="0"/>
+  <c:lang val="en-US"/>
+  <c:roundedCorners val="0"/>
+  <mc:AlternateContent xmlns:mc="http://schemas.openxmlformats.org/markup-compatibility/2006">
+    <mc:Choice xmlns:c14="http://schemas.microsoft.com/office/drawing/2007/8/2/chart" Requires="c14">
+      <c14:style val="102"/>
+    </mc:Choice>
+    <mc:Fallback>
+      <c:style val="2"/>
+    </mc:Fallback>
+  </mc:AlternateContent>
+  <c:chart>
+    <c:title>
+      <c:tx>
+        <c:rich>
+          <a:bodyPr rot="0" spcFirstLastPara="1" vertOverflow="ellipsis" vert="horz" wrap="square" anchor="ctr" anchorCtr="1"/>
+          <a:lstStyle/>
+          <a:p>
+            <a:pPr>
+              <a:defRPr sz="1400" b="0" i="0" u="none" strike="noStrike" kern="1200" spc="0" baseline="0">
+                <a:solidFill>
+                  <a:schemeClr val="tx1">
+                    <a:lumMod val="65000"/>
+                    <a:lumOff val="35000"/>
+                  </a:schemeClr>
+                </a:solidFill>
+                <a:latin typeface="+mn-lt"/>
+                <a:ea typeface="+mn-ea"/>
+                <a:cs typeface="+mn-cs"/>
+              </a:defRPr>
+            </a:pPr>
+            <a:r>
+              <a:rPr lang="en-US" sz="1400" b="0" i="0" baseline="0" dirty="0" smtClean="0">
+                <a:effectLst/>
+              </a:rPr>
+              <a:t>Eyes closed alpha </a:t>
+            </a:r>
+            <a:r>
+              <a:rPr lang="en-US" sz="1400" b="0" i="0" baseline="0" dirty="0">
+                <a:effectLst/>
+              </a:rPr>
+              <a:t>activity in occipital regions vs SNR 50</a:t>
+            </a:r>
+            <a:endParaRPr lang="en-US" sz="1100" dirty="0">
+              <a:effectLst/>
+            </a:endParaRPr>
+          </a:p>
+        </c:rich>
+      </c:tx>
+      <c:layout/>
+      <c:overlay val="0"/>
+      <c:spPr>
+        <a:noFill/>
+        <a:ln>
+          <a:noFill/>
+        </a:ln>
+        <a:effectLst/>
+      </c:spPr>
+      <c:txPr>
+        <a:bodyPr rot="0" spcFirstLastPara="1" vertOverflow="ellipsis" vert="horz" wrap="square" anchor="ctr" anchorCtr="1"/>
+        <a:lstStyle/>
+        <a:p>
+          <a:pPr>
+            <a:defRPr sz="1400" b="0" i="0" u="none" strike="noStrike" kern="1200" spc="0" baseline="0">
+              <a:solidFill>
+                <a:schemeClr val="tx1">
+                  <a:lumMod val="65000"/>
+                  <a:lumOff val="35000"/>
+                </a:schemeClr>
+              </a:solidFill>
+              <a:latin typeface="+mn-lt"/>
+              <a:ea typeface="+mn-ea"/>
+              <a:cs typeface="+mn-cs"/>
+            </a:defRPr>
+          </a:pPr>
+          <a:endParaRPr lang="en-US"/>
+        </a:p>
+      </c:txPr>
+    </c:title>
+    <c:autoTitleDeleted val="0"/>
+    <c:plotArea>
+      <c:layout/>
+      <c:scatterChart>
+        <c:scatterStyle val="lineMarker"/>
+        <c:varyColors val="0"/>
+        <c:ser>
+          <c:idx val="0"/>
+          <c:order val="0"/>
+          <c:spPr>
+            <a:ln w="19050" cap="rnd">
+              <a:noFill/>
+              <a:round/>
+            </a:ln>
+            <a:effectLst/>
+          </c:spPr>
+          <c:marker>
+            <c:symbol val="circle"/>
+            <c:size val="5"/>
+            <c:spPr>
+              <a:solidFill>
+                <a:schemeClr val="accent1"/>
+              </a:solidFill>
+              <a:ln w="9525">
+                <a:solidFill>
+                  <a:schemeClr val="accent1"/>
+                </a:solidFill>
+              </a:ln>
+              <a:effectLst/>
+            </c:spPr>
+          </c:marker>
+          <c:xVal>
+            <c:numRef>
+              <c:f>'AAT added'!$E$2:$E$11</c:f>
+              <c:numCache>
+                <c:formatCode>General</c:formatCode>
+                <c:ptCount val="10"/>
+                <c:pt idx="0">
+                  <c:v>5.4856999999999996E-2</c:v>
+                </c:pt>
+                <c:pt idx="1">
+                  <c:v>3.606666666666667E-2</c:v>
+                </c:pt>
+                <c:pt idx="2">
+                  <c:v>5.9133333333333336E-2</c:v>
+                </c:pt>
+                <c:pt idx="3">
+                  <c:v>9.2366666666666652E-2</c:v>
+                </c:pt>
+                <c:pt idx="4">
+                  <c:v>3.2933333333333335E-2</c:v>
+                </c:pt>
+                <c:pt idx="5">
+                  <c:v>0.15076666666666669</c:v>
+                </c:pt>
+                <c:pt idx="6">
+                  <c:v>6.3800000000000009E-2</c:v>
+                </c:pt>
+                <c:pt idx="7">
+                  <c:v>0.17813333333333334</c:v>
+                </c:pt>
+                <c:pt idx="8">
+                  <c:v>0.16556666666666667</c:v>
+                </c:pt>
+                <c:pt idx="9">
+                  <c:v>0.10636666666666666</c:v>
+                </c:pt>
+              </c:numCache>
+            </c:numRef>
+          </c:xVal>
+          <c:yVal>
+            <c:numRef>
+              <c:f>'AAT added'!$F$2:$F$11</c:f>
+              <c:numCache>
+                <c:formatCode>General</c:formatCode>
+                <c:ptCount val="10"/>
+                <c:pt idx="0">
+                  <c:v>18.82</c:v>
+                </c:pt>
+                <c:pt idx="1">
+                  <c:v>20.3</c:v>
+                </c:pt>
+                <c:pt idx="2">
+                  <c:v>12.32</c:v>
+                </c:pt>
+                <c:pt idx="3">
+                  <c:v>3.52</c:v>
+                </c:pt>
+                <c:pt idx="4">
+                  <c:v>3.6</c:v>
+                </c:pt>
+                <c:pt idx="5">
+                  <c:v>2.76</c:v>
+                </c:pt>
+                <c:pt idx="6">
+                  <c:v>5.59</c:v>
+                </c:pt>
+                <c:pt idx="7">
+                  <c:v>3.84</c:v>
+                </c:pt>
+                <c:pt idx="8">
+                  <c:v>5.94</c:v>
+                </c:pt>
+                <c:pt idx="9">
+                  <c:v>5.63</c:v>
+                </c:pt>
+              </c:numCache>
+            </c:numRef>
+          </c:yVal>
+          <c:smooth val="0"/>
+        </c:ser>
+        <c:dLbls>
+          <c:showLegendKey val="0"/>
+          <c:showVal val="0"/>
+          <c:showCatName val="0"/>
+          <c:showSerName val="0"/>
+          <c:showPercent val="0"/>
+          <c:showBubbleSize val="0"/>
+        </c:dLbls>
+        <c:axId val="124201192"/>
+        <c:axId val="6368256"/>
+      </c:scatterChart>
+      <c:valAx>
+        <c:axId val="124201192"/>
+        <c:scaling>
+          <c:orientation val="minMax"/>
+        </c:scaling>
+        <c:delete val="0"/>
+        <c:axPos val="b"/>
+        <c:title>
+          <c:tx>
+            <c:rich>
+              <a:bodyPr rot="0" spcFirstLastPara="1" vertOverflow="ellipsis" vert="horz" wrap="square" anchor="ctr" anchorCtr="1"/>
+              <a:lstStyle/>
+              <a:p>
+                <a:pPr>
+                  <a:defRPr sz="1000" b="0" i="0" u="none" strike="noStrike" kern="1200" baseline="0">
+                    <a:solidFill>
+                      <a:schemeClr val="tx1">
+                        <a:lumMod val="65000"/>
+                        <a:lumOff val="35000"/>
+                      </a:schemeClr>
+                    </a:solidFill>
+                    <a:latin typeface="+mn-lt"/>
+                    <a:ea typeface="+mn-ea"/>
+                    <a:cs typeface="+mn-cs"/>
+                  </a:defRPr>
+                </a:pPr>
+                <a:r>
+                  <a:rPr lang="en-US"/>
+                  <a:t>Alpha</a:t>
+                </a:r>
+                <a:r>
+                  <a:rPr lang="en-US" baseline="0"/>
+                  <a:t> power</a:t>
+                </a:r>
+                <a:endParaRPr lang="en-US"/>
+              </a:p>
+            </c:rich>
+          </c:tx>
+          <c:layout/>
+          <c:overlay val="0"/>
+          <c:spPr>
+            <a:noFill/>
+            <a:ln>
+              <a:noFill/>
+            </a:ln>
+            <a:effectLst/>
+          </c:spPr>
+          <c:txPr>
+            <a:bodyPr rot="0" spcFirstLastPara="1" vertOverflow="ellipsis" vert="horz" wrap="square" anchor="ctr" anchorCtr="1"/>
+            <a:lstStyle/>
+            <a:p>
+              <a:pPr>
+                <a:defRPr sz="1000" b="0" i="0" u="none" strike="noStrike" kern="1200" baseline="0">
+                  <a:solidFill>
+                    <a:schemeClr val="tx1">
+                      <a:lumMod val="65000"/>
+                      <a:lumOff val="35000"/>
+                    </a:schemeClr>
+                  </a:solidFill>
+                  <a:latin typeface="+mn-lt"/>
+                  <a:ea typeface="+mn-ea"/>
+                  <a:cs typeface="+mn-cs"/>
+                </a:defRPr>
+              </a:pPr>
+              <a:endParaRPr lang="en-US"/>
+            </a:p>
+          </c:txPr>
+        </c:title>
+        <c:numFmt formatCode="General" sourceLinked="1"/>
+        <c:majorTickMark val="none"/>
+        <c:minorTickMark val="none"/>
+        <c:tickLblPos val="nextTo"/>
+        <c:spPr>
+          <a:noFill/>
+          <a:ln w="9525" cap="flat" cmpd="sng" algn="ctr">
+            <a:solidFill>
+              <a:schemeClr val="tx1">
+                <a:lumMod val="25000"/>
+                <a:lumOff val="75000"/>
+              </a:schemeClr>
+            </a:solidFill>
+            <a:round/>
+          </a:ln>
+          <a:effectLst/>
+        </c:spPr>
+        <c:txPr>
+          <a:bodyPr rot="-60000000" spcFirstLastPara="1" vertOverflow="ellipsis" vert="horz" wrap="square" anchor="ctr" anchorCtr="1"/>
+          <a:lstStyle/>
+          <a:p>
+            <a:pPr>
+              <a:defRPr sz="900" b="0" i="0" u="none" strike="noStrike" kern="1200" baseline="0">
+                <a:solidFill>
+                  <a:schemeClr val="tx1">
+                    <a:lumMod val="65000"/>
+                    <a:lumOff val="35000"/>
+                  </a:schemeClr>
+                </a:solidFill>
+                <a:latin typeface="+mn-lt"/>
+                <a:ea typeface="+mn-ea"/>
+                <a:cs typeface="+mn-cs"/>
+              </a:defRPr>
+            </a:pPr>
+            <a:endParaRPr lang="en-US"/>
+          </a:p>
+        </c:txPr>
+        <c:crossAx val="6368256"/>
+        <c:crosses val="autoZero"/>
+        <c:crossBetween val="midCat"/>
+      </c:valAx>
+      <c:valAx>
+        <c:axId val="6368256"/>
+        <c:scaling>
+          <c:orientation val="minMax"/>
+        </c:scaling>
+        <c:delete val="0"/>
+        <c:axPos val="l"/>
+        <c:title>
+          <c:tx>
+            <c:rich>
+              <a:bodyPr rot="-5400000" spcFirstLastPara="1" vertOverflow="ellipsis" vert="horz" wrap="square" anchor="ctr" anchorCtr="1"/>
+              <a:lstStyle/>
+              <a:p>
+                <a:pPr>
+                  <a:defRPr sz="1000" b="0" i="0" u="none" strike="noStrike" kern="1200" baseline="0">
+                    <a:solidFill>
+                      <a:schemeClr val="tx1">
+                        <a:lumMod val="65000"/>
+                        <a:lumOff val="35000"/>
+                      </a:schemeClr>
+                    </a:solidFill>
+                    <a:latin typeface="+mn-lt"/>
+                    <a:ea typeface="+mn-ea"/>
+                    <a:cs typeface="+mn-cs"/>
+                  </a:defRPr>
+                </a:pPr>
+                <a:r>
+                  <a:rPr lang="en-US"/>
+                  <a:t>SNR</a:t>
+                </a:r>
+                <a:r>
+                  <a:rPr lang="en-US" baseline="0"/>
+                  <a:t> 50 threshold (db SPL)</a:t>
+                </a:r>
+                <a:endParaRPr lang="en-US"/>
+              </a:p>
+            </c:rich>
+          </c:tx>
+          <c:layout/>
+          <c:overlay val="0"/>
+          <c:spPr>
+            <a:noFill/>
+            <a:ln>
+              <a:noFill/>
+            </a:ln>
+            <a:effectLst/>
+          </c:spPr>
+          <c:txPr>
+            <a:bodyPr rot="-5400000" spcFirstLastPara="1" vertOverflow="ellipsis" vert="horz" wrap="square" anchor="ctr" anchorCtr="1"/>
+            <a:lstStyle/>
+            <a:p>
+              <a:pPr>
+                <a:defRPr sz="1000" b="0" i="0" u="none" strike="noStrike" kern="1200" baseline="0">
+                  <a:solidFill>
+                    <a:schemeClr val="tx1">
+                      <a:lumMod val="65000"/>
+                      <a:lumOff val="35000"/>
+                    </a:schemeClr>
+                  </a:solidFill>
+                  <a:latin typeface="+mn-lt"/>
+                  <a:ea typeface="+mn-ea"/>
+                  <a:cs typeface="+mn-cs"/>
+                </a:defRPr>
+              </a:pPr>
+              <a:endParaRPr lang="en-US"/>
+            </a:p>
+          </c:txPr>
+        </c:title>
+        <c:numFmt formatCode="General" sourceLinked="1"/>
+        <c:majorTickMark val="none"/>
+        <c:minorTickMark val="none"/>
+        <c:tickLblPos val="nextTo"/>
+        <c:spPr>
+          <a:noFill/>
+          <a:ln w="9525" cap="flat" cmpd="sng" algn="ctr">
+            <a:solidFill>
+              <a:schemeClr val="tx1">
+                <a:lumMod val="25000"/>
+                <a:lumOff val="75000"/>
+              </a:schemeClr>
+            </a:solidFill>
+            <a:round/>
+          </a:ln>
+          <a:effectLst/>
+        </c:spPr>
+        <c:txPr>
+          <a:bodyPr rot="-60000000" spcFirstLastPara="1" vertOverflow="ellipsis" vert="horz" wrap="square" anchor="ctr" anchorCtr="1"/>
+          <a:lstStyle/>
+          <a:p>
+            <a:pPr>
+              <a:defRPr sz="900" b="0" i="0" u="none" strike="noStrike" kern="1200" baseline="0">
+                <a:solidFill>
+                  <a:schemeClr val="tx1">
+                    <a:lumMod val="65000"/>
+                    <a:lumOff val="35000"/>
+                  </a:schemeClr>
+                </a:solidFill>
+                <a:latin typeface="+mn-lt"/>
+                <a:ea typeface="+mn-ea"/>
+                <a:cs typeface="+mn-cs"/>
+              </a:defRPr>
+            </a:pPr>
+            <a:endParaRPr lang="en-US"/>
+          </a:p>
+        </c:txPr>
+        <c:crossAx val="124201192"/>
+        <c:crosses val="autoZero"/>
+        <c:crossBetween val="midCat"/>
+      </c:valAx>
+      <c:spPr>
+        <a:noFill/>
+        <a:ln>
+          <a:noFill/>
+        </a:ln>
+        <a:effectLst/>
+      </c:spPr>
+    </c:plotArea>
+    <c:plotVisOnly val="1"/>
+    <c:dispBlanksAs val="gap"/>
+    <c:showDLblsOverMax val="0"/>
+  </c:chart>
+  <c:spPr>
+    <a:noFill/>
+    <a:ln>
+      <a:noFill/>
+    </a:ln>
+    <a:effectLst/>
+  </c:spPr>
+  <c:txPr>
+    <a:bodyPr/>
+    <a:lstStyle/>
+    <a:p>
+      <a:pPr>
+        <a:defRPr/>
+      </a:pPr>
+      <a:endParaRPr lang="en-US"/>
+    </a:p>
+  </c:txPr>
+  <c:externalData r:id="rId3">
+    <c:autoUpdate val="0"/>
+  </c:externalData>
+</c:chartSpace>
+</file>
+
+<file path=ppt/charts/chart3.xml><?xml version="1.0" encoding="utf-8"?>
+<c:chartSpace xmlns:c="http://schemas.openxmlformats.org/drawingml/2006/chart" xmlns:a="http://schemas.openxmlformats.org/drawingml/2006/main" xmlns:r="http://schemas.openxmlformats.org/officeDocument/2006/relationships">
+  <c:date1904 val="0"/>
+  <c:lang val="en-US"/>
+  <c:roundedCorners val="0"/>
+  <mc:AlternateContent xmlns:mc="http://schemas.openxmlformats.org/markup-compatibility/2006">
+    <mc:Choice xmlns:c14="http://schemas.microsoft.com/office/drawing/2007/8/2/chart" Requires="c14">
+      <c14:style val="102"/>
+    </mc:Choice>
+    <mc:Fallback>
+      <c:style val="2"/>
+    </mc:Fallback>
+  </mc:AlternateContent>
+  <c:chart>
+    <c:title>
+      <c:tx>
+        <c:rich>
+          <a:bodyPr rot="0" spcFirstLastPara="1" vertOverflow="ellipsis" vert="horz" wrap="square" anchor="ctr" anchorCtr="1"/>
+          <a:lstStyle/>
+          <a:p>
+            <a:pPr>
+              <a:defRPr sz="1400" b="0" i="0" u="none" strike="noStrike" kern="1200" spc="0" baseline="0">
+                <a:solidFill>
+                  <a:schemeClr val="tx1">
+                    <a:lumMod val="65000"/>
+                    <a:lumOff val="35000"/>
+                  </a:schemeClr>
+                </a:solidFill>
+                <a:latin typeface="+mn-lt"/>
+                <a:ea typeface="+mn-ea"/>
+                <a:cs typeface="+mn-cs"/>
+              </a:defRPr>
+            </a:pPr>
+            <a:r>
+              <a:rPr lang="en-US" dirty="0" smtClean="0"/>
+              <a:t> Eyes open Alpha</a:t>
+            </a:r>
+            <a:r>
+              <a:rPr lang="en-US" baseline="0" dirty="0" smtClean="0"/>
+              <a:t> </a:t>
+            </a:r>
+            <a:r>
+              <a:rPr lang="en-US" baseline="0" dirty="0"/>
+              <a:t>Occipital regions vs Degree of hearing </a:t>
+            </a:r>
+            <a:r>
+              <a:rPr lang="en-US" baseline="0" dirty="0" smtClean="0"/>
+              <a:t>difficulty (SADL)</a:t>
+            </a:r>
+            <a:endParaRPr lang="en-US" dirty="0"/>
           </a:p>
         </c:rich>
       </c:tx>
@@ -211,48 +1150,78 @@
           </c:marker>
           <c:xVal>
             <c:numRef>
-              <c:f>Sheet1!$B$8:$F$8</c:f>
+              <c:f>'AAT added'!$I$3:$I$12</c:f>
               <c:numCache>
                 <c:formatCode>General</c:formatCode>
-                <c:ptCount val="5"/>
+                <c:ptCount val="10"/>
                 <c:pt idx="0">
-                  <c:v>18.82</c:v>
+                  <c:v>6.6566666666666663E-2</c:v>
                 </c:pt>
                 <c:pt idx="1">
-                  <c:v>12.02</c:v>
+                  <c:v>3.6200000000000003E-2</c:v>
                 </c:pt>
                 <c:pt idx="2">
-                  <c:v>3.84</c:v>
+                  <c:v>4.5333333333333337E-2</c:v>
                 </c:pt>
                 <c:pt idx="3">
-                  <c:v>5.94</c:v>
+                  <c:v>9.8900000000000002E-2</c:v>
                 </c:pt>
                 <c:pt idx="4">
-                  <c:v>5.63</c:v>
+                  <c:v>6.1466666666666669E-2</c:v>
+                </c:pt>
+                <c:pt idx="5">
+                  <c:v>8.5000000000000006E-2</c:v>
+                </c:pt>
+                <c:pt idx="6">
+                  <c:v>3.7199999999999997E-2</c:v>
+                </c:pt>
+                <c:pt idx="7">
+                  <c:v>0.17449999999999999</c:v>
+                </c:pt>
+                <c:pt idx="8">
+                  <c:v>0.13573333333333334</c:v>
+                </c:pt>
+                <c:pt idx="9">
+                  <c:v>0.11286666666666667</c:v>
                 </c:pt>
               </c:numCache>
             </c:numRef>
           </c:xVal>
           <c:yVal>
             <c:numRef>
-              <c:f>Sheet1!$B$2:$F$2</c:f>
+              <c:f>'AAT added'!$R$3:$R$12</c:f>
               <c:numCache>
                 <c:formatCode>General</c:formatCode>
-                <c:ptCount val="5"/>
+                <c:ptCount val="10"/>
                 <c:pt idx="0">
-                  <c:v>1.77E-2</c:v>
+                  <c:v>3</c:v>
                 </c:pt>
                 <c:pt idx="1">
-                  <c:v>2.9700000000000001E-2</c:v>
+                  <c:v>3</c:v>
                 </c:pt>
                 <c:pt idx="2">
-                  <c:v>0.128</c:v>
+                  <c:v>3</c:v>
                 </c:pt>
                 <c:pt idx="3">
-                  <c:v>3.7900000000000003E-2</c:v>
+                  <c:v>1</c:v>
                 </c:pt>
                 <c:pt idx="4">
-                  <c:v>4.4900000000000002E-2</c:v>
+                  <c:v>2</c:v>
+                </c:pt>
+                <c:pt idx="5">
+                  <c:v>2</c:v>
+                </c:pt>
+                <c:pt idx="6">
+                  <c:v>4</c:v>
+                </c:pt>
+                <c:pt idx="7">
+                  <c:v>2</c:v>
+                </c:pt>
+                <c:pt idx="8">
+                  <c:v>2</c:v>
+                </c:pt>
+                <c:pt idx="9">
+                  <c:v>2</c:v>
                 </c:pt>
               </c:numCache>
             </c:numRef>
@@ -267,30 +1236,72 @@
           <c:showPercent val="0"/>
           <c:showBubbleSize val="0"/>
         </c:dLbls>
-        <c:axId val="413594144"/>
-        <c:axId val="413592968"/>
+        <c:axId val="127008464"/>
+        <c:axId val="127008856"/>
       </c:scatterChart>
       <c:valAx>
-        <c:axId val="413594144"/>
+        <c:axId val="127008464"/>
         <c:scaling>
           <c:orientation val="minMax"/>
         </c:scaling>
         <c:delete val="0"/>
         <c:axPos val="b"/>
-        <c:majorGridlines>
+        <c:title>
+          <c:tx>
+            <c:rich>
+              <a:bodyPr rot="0" spcFirstLastPara="1" vertOverflow="ellipsis" vert="horz" wrap="square" anchor="ctr" anchorCtr="1"/>
+              <a:lstStyle/>
+              <a:p>
+                <a:pPr>
+                  <a:defRPr sz="1000" b="0" i="0" u="none" strike="noStrike" kern="1200" baseline="0">
+                    <a:solidFill>
+                      <a:schemeClr val="tx1">
+                        <a:lumMod val="65000"/>
+                        <a:lumOff val="35000"/>
+                      </a:schemeClr>
+                    </a:solidFill>
+                    <a:latin typeface="+mn-lt"/>
+                    <a:ea typeface="+mn-ea"/>
+                    <a:cs typeface="+mn-cs"/>
+                  </a:defRPr>
+                </a:pPr>
+                <a:r>
+                  <a:rPr lang="en-US"/>
+                  <a:t>Alpha power</a:t>
+                </a:r>
+              </a:p>
+            </c:rich>
+          </c:tx>
+          <c:layout/>
+          <c:overlay val="0"/>
           <c:spPr>
-            <a:ln w="9525" cap="flat" cmpd="sng" algn="ctr">
-              <a:solidFill>
-                <a:schemeClr val="tx1">
-                  <a:lumMod val="15000"/>
-                  <a:lumOff val="85000"/>
-                </a:schemeClr>
-              </a:solidFill>
-              <a:round/>
+            <a:noFill/>
+            <a:ln>
+              <a:noFill/>
             </a:ln>
             <a:effectLst/>
           </c:spPr>
-        </c:majorGridlines>
+          <c:txPr>
+            <a:bodyPr rot="0" spcFirstLastPara="1" vertOverflow="ellipsis" vert="horz" wrap="square" anchor="ctr" anchorCtr="1"/>
+            <a:lstStyle/>
+            <a:p>
+              <a:pPr>
+                <a:defRPr sz="1000" b="0" i="0" u="none" strike="noStrike" kern="1200" baseline="0">
+                  <a:solidFill>
+                    <a:schemeClr val="tx1">
+                      <a:lumMod val="65000"/>
+                      <a:lumOff val="35000"/>
+                    </a:schemeClr>
+                  </a:solidFill>
+                  <a:latin typeface="+mn-lt"/>
+                  <a:ea typeface="+mn-ea"/>
+                  <a:cs typeface="+mn-cs"/>
+                </a:defRPr>
+              </a:pPr>
+              <a:endParaRPr lang="en-US"/>
+            </a:p>
+          </c:txPr>
+        </c:title>
         <c:numFmt formatCode="General" sourceLinked="1"/>
         <c:majorTickMark val="none"/>
         <c:minorTickMark val="none"/>
@@ -328,31 +1339,78 @@
             <a:endParaRPr lang="en-US"/>
           </a:p>
         </c:txPr>
-        <c:crossAx val="413592968"/>
+        <c:crossAx val="127008856"/>
         <c:crosses val="autoZero"/>
         <c:crossBetween val="midCat"/>
       </c:valAx>
       <c:valAx>
-        <c:axId val="413592968"/>
+        <c:axId val="127008856"/>
         <c:scaling>
           <c:orientation val="minMax"/>
         </c:scaling>
         <c:delete val="0"/>
         <c:axPos val="l"/>
-        <c:majorGridlines>
+        <c:title>
+          <c:tx>
+            <c:rich>
+              <a:bodyPr rot="-5400000" spcFirstLastPara="1" vertOverflow="ellipsis" vert="horz" wrap="square" anchor="ctr" anchorCtr="1"/>
+              <a:lstStyle/>
+              <a:p>
+                <a:pPr>
+                  <a:defRPr sz="1000" b="0" i="0" u="none" strike="noStrike" kern="1200" baseline="0">
+                    <a:solidFill>
+                      <a:schemeClr val="tx1">
+                        <a:lumMod val="65000"/>
+                        <a:lumOff val="35000"/>
+                      </a:schemeClr>
+                    </a:solidFill>
+                    <a:latin typeface="+mn-lt"/>
+                    <a:ea typeface="+mn-ea"/>
+                    <a:cs typeface="+mn-cs"/>
+                  </a:defRPr>
+                </a:pPr>
+                <a:r>
+                  <a:rPr lang="en-US"/>
+                  <a:t>Hearing</a:t>
+                </a:r>
+                <a:r>
+                  <a:rPr lang="en-US" baseline="0"/>
+                  <a:t> difficulty</a:t>
+                </a:r>
+                <a:endParaRPr lang="en-US"/>
+              </a:p>
+            </c:rich>
+          </c:tx>
+          <c:layout/>
+          <c:overlay val="0"/>
           <c:spPr>
-            <a:ln w="9525" cap="flat" cmpd="sng" algn="ctr">
-              <a:solidFill>
-                <a:schemeClr val="tx1">
-                  <a:lumMod val="15000"/>
-                  <a:lumOff val="85000"/>
-                </a:schemeClr>
-              </a:solidFill>
-              <a:round/>
+            <a:noFill/>
+            <a:ln>
+              <a:noFill/>
             </a:ln>
             <a:effectLst/>
           </c:spPr>
-        </c:majorGridlines>
+          <c:txPr>
+            <a:bodyPr rot="-5400000" spcFirstLastPara="1" vertOverflow="ellipsis" vert="horz" wrap="square" anchor="ctr" anchorCtr="1"/>
+            <a:lstStyle/>
+            <a:p>
+              <a:pPr>
+                <a:defRPr sz="1000" b="0" i="0" u="none" strike="noStrike" kern="1200" baseline="0">
+                  <a:solidFill>
+                    <a:schemeClr val="tx1">
+                      <a:lumMod val="65000"/>
+                      <a:lumOff val="35000"/>
+                    </a:schemeClr>
+                  </a:solidFill>
+                  <a:latin typeface="+mn-lt"/>
+                  <a:ea typeface="+mn-ea"/>
+                  <a:cs typeface="+mn-cs"/>
+                </a:defRPr>
+              </a:pPr>
+              <a:endParaRPr lang="en-US"/>
+            </a:p>
+          </c:txPr>
+        </c:title>
         <c:numFmt formatCode="General" sourceLinked="1"/>
         <c:majorTickMark val="none"/>
         <c:minorTickMark val="none"/>
@@ -390,7 +1448,7 @@
             <a:endParaRPr lang="en-US"/>
           </a:p>
         </c:txPr>
-        <c:crossAx val="413594144"/>
+        <c:crossAx val="127008464"/>
         <c:crosses val="autoZero"/>
         <c:crossBetween val="midCat"/>
       </c:valAx>
@@ -429,7 +1487,7 @@
 </c:chartSpace>
 </file>
 
-<file path=ppt/charts/chart2.xml><?xml version="1.0" encoding="utf-8"?>
+<file path=ppt/charts/chart4.xml><?xml version="1.0" encoding="utf-8"?>
 <c:chartSpace xmlns:c="http://schemas.openxmlformats.org/drawingml/2006/chart" xmlns:a="http://schemas.openxmlformats.org/drawingml/2006/main" xmlns:r="http://schemas.openxmlformats.org/officeDocument/2006/relationships">
   <c:date1904 val="0"/>
   <c:lang val="en-US"/>
@@ -464,7 +1522,923 @@
             </a:pPr>
             <a:r>
               <a:rPr lang="en-US"/>
-              <a:t>Alpha power vs SNR 50</a:t>
+              <a:t>Occipital alpha eyes closed vs ALDQ score</a:t>
+            </a:r>
+          </a:p>
+        </c:rich>
+      </c:tx>
+      <c:layout>
+        <c:manualLayout>
+          <c:xMode val="edge"/>
+          <c:yMode val="edge"/>
+          <c:x val="0.15127777777777776"/>
+          <c:y val="2.7777777777777776E-2"/>
+        </c:manualLayout>
+      </c:layout>
+      <c:overlay val="0"/>
+      <c:spPr>
+        <a:noFill/>
+        <a:ln>
+          <a:noFill/>
+        </a:ln>
+        <a:effectLst/>
+      </c:spPr>
+      <c:txPr>
+        <a:bodyPr rot="0" spcFirstLastPara="1" vertOverflow="ellipsis" vert="horz" wrap="square" anchor="ctr" anchorCtr="1"/>
+        <a:lstStyle/>
+        <a:p>
+          <a:pPr>
+            <a:defRPr sz="1400" b="0" i="0" u="none" strike="noStrike" kern="1200" spc="0" baseline="0">
+              <a:solidFill>
+                <a:schemeClr val="tx1">
+                  <a:lumMod val="65000"/>
+                  <a:lumOff val="35000"/>
+                </a:schemeClr>
+              </a:solidFill>
+              <a:latin typeface="+mn-lt"/>
+              <a:ea typeface="+mn-ea"/>
+              <a:cs typeface="+mn-cs"/>
+            </a:defRPr>
+          </a:pPr>
+          <a:endParaRPr lang="en-US"/>
+        </a:p>
+      </c:txPr>
+    </c:title>
+    <c:autoTitleDeleted val="0"/>
+    <c:plotArea>
+      <c:layout/>
+      <c:scatterChart>
+        <c:scatterStyle val="lineMarker"/>
+        <c:varyColors val="0"/>
+        <c:ser>
+          <c:idx val="0"/>
+          <c:order val="0"/>
+          <c:spPr>
+            <a:ln w="25400" cap="rnd">
+              <a:noFill/>
+              <a:round/>
+            </a:ln>
+            <a:effectLst/>
+          </c:spPr>
+          <c:marker>
+            <c:symbol val="circle"/>
+            <c:size val="5"/>
+            <c:spPr>
+              <a:solidFill>
+                <a:schemeClr val="accent1"/>
+              </a:solidFill>
+              <a:ln w="9525">
+                <a:solidFill>
+                  <a:schemeClr val="accent1"/>
+                </a:solidFill>
+              </a:ln>
+              <a:effectLst/>
+            </c:spPr>
+          </c:marker>
+          <c:xVal>
+            <c:numRef>
+              <c:f>'AAT added'!$E$3:$E$12</c:f>
+              <c:numCache>
+                <c:formatCode>General</c:formatCode>
+                <c:ptCount val="10"/>
+                <c:pt idx="0">
+                  <c:v>5.4856999999999996E-2</c:v>
+                </c:pt>
+                <c:pt idx="1">
+                  <c:v>3.606666666666667E-2</c:v>
+                </c:pt>
+                <c:pt idx="2">
+                  <c:v>5.9133333333333336E-2</c:v>
+                </c:pt>
+                <c:pt idx="3">
+                  <c:v>9.2366666666666652E-2</c:v>
+                </c:pt>
+                <c:pt idx="4">
+                  <c:v>3.2933333333333335E-2</c:v>
+                </c:pt>
+                <c:pt idx="5">
+                  <c:v>0.15076666666666669</c:v>
+                </c:pt>
+                <c:pt idx="6">
+                  <c:v>6.3800000000000009E-2</c:v>
+                </c:pt>
+                <c:pt idx="7">
+                  <c:v>0.17813333333333334</c:v>
+                </c:pt>
+                <c:pt idx="8">
+                  <c:v>0.16556666666666667</c:v>
+                </c:pt>
+                <c:pt idx="9">
+                  <c:v>0.10636666666666666</c:v>
+                </c:pt>
+              </c:numCache>
+            </c:numRef>
+          </c:xVal>
+          <c:yVal>
+            <c:numRef>
+              <c:f>'AAT added'!$X$3:$X$12</c:f>
+              <c:numCache>
+                <c:formatCode>General</c:formatCode>
+                <c:ptCount val="10"/>
+                <c:pt idx="0">
+                  <c:v>50</c:v>
+                </c:pt>
+                <c:pt idx="1">
+                  <c:v>33</c:v>
+                </c:pt>
+                <c:pt idx="2">
+                  <c:v>56</c:v>
+                </c:pt>
+                <c:pt idx="3">
+                  <c:v>31</c:v>
+                </c:pt>
+                <c:pt idx="4">
+                  <c:v>43</c:v>
+                </c:pt>
+                <c:pt idx="5">
+                  <c:v>67</c:v>
+                </c:pt>
+                <c:pt idx="6">
+                  <c:v>58</c:v>
+                </c:pt>
+                <c:pt idx="7">
+                  <c:v>74</c:v>
+                </c:pt>
+                <c:pt idx="8">
+                  <c:v>53</c:v>
+                </c:pt>
+                <c:pt idx="9">
+                  <c:v>51</c:v>
+                </c:pt>
+              </c:numCache>
+            </c:numRef>
+          </c:yVal>
+          <c:smooth val="0"/>
+        </c:ser>
+        <c:dLbls>
+          <c:showLegendKey val="0"/>
+          <c:showVal val="0"/>
+          <c:showCatName val="0"/>
+          <c:showSerName val="0"/>
+          <c:showPercent val="0"/>
+          <c:showBubbleSize val="0"/>
+        </c:dLbls>
+        <c:axId val="127009640"/>
+        <c:axId val="127010032"/>
+      </c:scatterChart>
+      <c:valAx>
+        <c:axId val="127009640"/>
+        <c:scaling>
+          <c:orientation val="minMax"/>
+        </c:scaling>
+        <c:delete val="0"/>
+        <c:axPos val="b"/>
+        <c:title>
+          <c:tx>
+            <c:rich>
+              <a:bodyPr rot="0" spcFirstLastPara="1" vertOverflow="ellipsis" vert="horz" wrap="square" anchor="ctr" anchorCtr="1"/>
+              <a:lstStyle/>
+              <a:p>
+                <a:pPr>
+                  <a:defRPr sz="1000" b="0" i="0" u="none" strike="noStrike" kern="1200" baseline="0">
+                    <a:solidFill>
+                      <a:schemeClr val="tx1">
+                        <a:lumMod val="65000"/>
+                        <a:lumOff val="35000"/>
+                      </a:schemeClr>
+                    </a:solidFill>
+                    <a:latin typeface="+mn-lt"/>
+                    <a:ea typeface="+mn-ea"/>
+                    <a:cs typeface="+mn-cs"/>
+                  </a:defRPr>
+                </a:pPr>
+                <a:r>
+                  <a:rPr lang="en-US"/>
+                  <a:t>Alpha power</a:t>
+                </a:r>
+              </a:p>
+            </c:rich>
+          </c:tx>
+          <c:layout/>
+          <c:overlay val="0"/>
+          <c:spPr>
+            <a:noFill/>
+            <a:ln>
+              <a:noFill/>
+            </a:ln>
+            <a:effectLst/>
+          </c:spPr>
+          <c:txPr>
+            <a:bodyPr rot="0" spcFirstLastPara="1" vertOverflow="ellipsis" vert="horz" wrap="square" anchor="ctr" anchorCtr="1"/>
+            <a:lstStyle/>
+            <a:p>
+              <a:pPr>
+                <a:defRPr sz="1000" b="0" i="0" u="none" strike="noStrike" kern="1200" baseline="0">
+                  <a:solidFill>
+                    <a:schemeClr val="tx1">
+                      <a:lumMod val="65000"/>
+                      <a:lumOff val="35000"/>
+                    </a:schemeClr>
+                  </a:solidFill>
+                  <a:latin typeface="+mn-lt"/>
+                  <a:ea typeface="+mn-ea"/>
+                  <a:cs typeface="+mn-cs"/>
+                </a:defRPr>
+              </a:pPr>
+              <a:endParaRPr lang="en-US"/>
+            </a:p>
+          </c:txPr>
+        </c:title>
+        <c:numFmt formatCode="General" sourceLinked="1"/>
+        <c:majorTickMark val="none"/>
+        <c:minorTickMark val="none"/>
+        <c:tickLblPos val="nextTo"/>
+        <c:spPr>
+          <a:noFill/>
+          <a:ln w="9525" cap="flat" cmpd="sng" algn="ctr">
+            <a:solidFill>
+              <a:schemeClr val="tx1">
+                <a:lumMod val="25000"/>
+                <a:lumOff val="75000"/>
+              </a:schemeClr>
+            </a:solidFill>
+            <a:round/>
+          </a:ln>
+          <a:effectLst/>
+        </c:spPr>
+        <c:txPr>
+          <a:bodyPr rot="-60000000" spcFirstLastPara="1" vertOverflow="ellipsis" vert="horz" wrap="square" anchor="ctr" anchorCtr="1"/>
+          <a:lstStyle/>
+          <a:p>
+            <a:pPr>
+              <a:defRPr sz="900" b="0" i="0" u="none" strike="noStrike" kern="1200" baseline="0">
+                <a:solidFill>
+                  <a:schemeClr val="tx1">
+                    <a:lumMod val="65000"/>
+                    <a:lumOff val="35000"/>
+                  </a:schemeClr>
+                </a:solidFill>
+                <a:latin typeface="+mn-lt"/>
+                <a:ea typeface="+mn-ea"/>
+                <a:cs typeface="+mn-cs"/>
+              </a:defRPr>
+            </a:pPr>
+            <a:endParaRPr lang="en-US"/>
+          </a:p>
+        </c:txPr>
+        <c:crossAx val="127010032"/>
+        <c:crosses val="autoZero"/>
+        <c:crossBetween val="midCat"/>
+      </c:valAx>
+      <c:valAx>
+        <c:axId val="127010032"/>
+        <c:scaling>
+          <c:orientation val="minMax"/>
+        </c:scaling>
+        <c:delete val="0"/>
+        <c:axPos val="l"/>
+        <c:title>
+          <c:tx>
+            <c:rich>
+              <a:bodyPr rot="-5400000" spcFirstLastPara="1" vertOverflow="ellipsis" vert="horz" wrap="square" anchor="ctr" anchorCtr="1"/>
+              <a:lstStyle/>
+              <a:p>
+                <a:pPr>
+                  <a:defRPr sz="1000" b="0" i="0" u="none" strike="noStrike" kern="1200" baseline="0">
+                    <a:solidFill>
+                      <a:schemeClr val="tx1">
+                        <a:lumMod val="65000"/>
+                        <a:lumOff val="35000"/>
+                      </a:schemeClr>
+                    </a:solidFill>
+                    <a:latin typeface="+mn-lt"/>
+                    <a:ea typeface="+mn-ea"/>
+                    <a:cs typeface="+mn-cs"/>
+                  </a:defRPr>
+                </a:pPr>
+                <a:r>
+                  <a:rPr lang="en-US"/>
+                  <a:t>Demand Score (ALDQ)</a:t>
+                </a:r>
+              </a:p>
+            </c:rich>
+          </c:tx>
+          <c:layout/>
+          <c:overlay val="0"/>
+          <c:spPr>
+            <a:noFill/>
+            <a:ln>
+              <a:noFill/>
+            </a:ln>
+            <a:effectLst/>
+          </c:spPr>
+          <c:txPr>
+            <a:bodyPr rot="-5400000" spcFirstLastPara="1" vertOverflow="ellipsis" vert="horz" wrap="square" anchor="ctr" anchorCtr="1"/>
+            <a:lstStyle/>
+            <a:p>
+              <a:pPr>
+                <a:defRPr sz="1000" b="0" i="0" u="none" strike="noStrike" kern="1200" baseline="0">
+                  <a:solidFill>
+                    <a:schemeClr val="tx1">
+                      <a:lumMod val="65000"/>
+                      <a:lumOff val="35000"/>
+                    </a:schemeClr>
+                  </a:solidFill>
+                  <a:latin typeface="+mn-lt"/>
+                  <a:ea typeface="+mn-ea"/>
+                  <a:cs typeface="+mn-cs"/>
+                </a:defRPr>
+              </a:pPr>
+              <a:endParaRPr lang="en-US"/>
+            </a:p>
+          </c:txPr>
+        </c:title>
+        <c:numFmt formatCode="General" sourceLinked="1"/>
+        <c:majorTickMark val="none"/>
+        <c:minorTickMark val="none"/>
+        <c:tickLblPos val="nextTo"/>
+        <c:spPr>
+          <a:noFill/>
+          <a:ln w="9525" cap="flat" cmpd="sng" algn="ctr">
+            <a:solidFill>
+              <a:schemeClr val="tx1">
+                <a:lumMod val="25000"/>
+                <a:lumOff val="75000"/>
+              </a:schemeClr>
+            </a:solidFill>
+            <a:round/>
+          </a:ln>
+          <a:effectLst/>
+        </c:spPr>
+        <c:txPr>
+          <a:bodyPr rot="-60000000" spcFirstLastPara="1" vertOverflow="ellipsis" vert="horz" wrap="square" anchor="ctr" anchorCtr="1"/>
+          <a:lstStyle/>
+          <a:p>
+            <a:pPr>
+              <a:defRPr sz="900" b="0" i="0" u="none" strike="noStrike" kern="1200" baseline="0">
+                <a:solidFill>
+                  <a:schemeClr val="tx1">
+                    <a:lumMod val="65000"/>
+                    <a:lumOff val="35000"/>
+                  </a:schemeClr>
+                </a:solidFill>
+                <a:latin typeface="+mn-lt"/>
+                <a:ea typeface="+mn-ea"/>
+                <a:cs typeface="+mn-cs"/>
+              </a:defRPr>
+            </a:pPr>
+            <a:endParaRPr lang="en-US"/>
+          </a:p>
+        </c:txPr>
+        <c:crossAx val="127009640"/>
+        <c:crosses val="autoZero"/>
+        <c:crossBetween val="midCat"/>
+      </c:valAx>
+      <c:spPr>
+        <a:noFill/>
+        <a:ln>
+          <a:noFill/>
+        </a:ln>
+        <a:effectLst/>
+      </c:spPr>
+    </c:plotArea>
+    <c:plotVisOnly val="1"/>
+    <c:dispBlanksAs val="gap"/>
+    <c:showDLblsOverMax val="0"/>
+  </c:chart>
+  <c:spPr>
+    <a:noFill/>
+    <a:ln>
+      <a:noFill/>
+    </a:ln>
+    <a:effectLst/>
+  </c:spPr>
+  <c:txPr>
+    <a:bodyPr/>
+    <a:lstStyle/>
+    <a:p>
+      <a:pPr>
+        <a:defRPr/>
+      </a:pPr>
+      <a:endParaRPr lang="en-US"/>
+    </a:p>
+  </c:txPr>
+  <c:externalData r:id="rId3">
+    <c:autoUpdate val="0"/>
+  </c:externalData>
+</c:chartSpace>
+</file>
+
+<file path=ppt/charts/chart5.xml><?xml version="1.0" encoding="utf-8"?>
+<c:chartSpace xmlns:c="http://schemas.openxmlformats.org/drawingml/2006/chart" xmlns:a="http://schemas.openxmlformats.org/drawingml/2006/main" xmlns:r="http://schemas.openxmlformats.org/officeDocument/2006/relationships">
+  <c:date1904 val="0"/>
+  <c:lang val="en-US"/>
+  <c:roundedCorners val="0"/>
+  <mc:AlternateContent xmlns:mc="http://schemas.openxmlformats.org/markup-compatibility/2006">
+    <mc:Choice xmlns:c14="http://schemas.microsoft.com/office/drawing/2007/8/2/chart" Requires="c14">
+      <c14:style val="102"/>
+    </mc:Choice>
+    <mc:Fallback>
+      <c:style val="2"/>
+    </mc:Fallback>
+  </mc:AlternateContent>
+  <c:chart>
+    <c:title>
+      <c:tx>
+        <c:rich>
+          <a:bodyPr rot="0" spcFirstLastPara="1" vertOverflow="ellipsis" vert="horz" wrap="square" anchor="ctr" anchorCtr="1"/>
+          <a:lstStyle/>
+          <a:p>
+            <a:pPr>
+              <a:defRPr sz="1400" b="0" i="0" u="none" strike="noStrike" kern="1200" spc="0" baseline="0">
+                <a:solidFill>
+                  <a:schemeClr val="tx1">
+                    <a:lumMod val="65000"/>
+                    <a:lumOff val="35000"/>
+                  </a:schemeClr>
+                </a:solidFill>
+                <a:latin typeface="+mn-lt"/>
+                <a:ea typeface="+mn-ea"/>
+                <a:cs typeface="+mn-cs"/>
+              </a:defRPr>
+            </a:pPr>
+            <a:r>
+              <a:rPr lang="en-US"/>
+              <a:t>PTA vs SNR 80</a:t>
+            </a:r>
+          </a:p>
+        </c:rich>
+      </c:tx>
+      <c:layout>
+        <c:manualLayout>
+          <c:xMode val="edge"/>
+          <c:yMode val="edge"/>
+          <c:x val="0.40949300087489071"/>
+          <c:y val="1.3888888888888888E-2"/>
+        </c:manualLayout>
+      </c:layout>
+      <c:overlay val="0"/>
+      <c:spPr>
+        <a:noFill/>
+        <a:ln>
+          <a:noFill/>
+        </a:ln>
+        <a:effectLst/>
+      </c:spPr>
+      <c:txPr>
+        <a:bodyPr rot="0" spcFirstLastPara="1" vertOverflow="ellipsis" vert="horz" wrap="square" anchor="ctr" anchorCtr="1"/>
+        <a:lstStyle/>
+        <a:p>
+          <a:pPr>
+            <a:defRPr sz="1400" b="0" i="0" u="none" strike="noStrike" kern="1200" spc="0" baseline="0">
+              <a:solidFill>
+                <a:schemeClr val="tx1">
+                  <a:lumMod val="65000"/>
+                  <a:lumOff val="35000"/>
+                </a:schemeClr>
+              </a:solidFill>
+              <a:latin typeface="+mn-lt"/>
+              <a:ea typeface="+mn-ea"/>
+              <a:cs typeface="+mn-cs"/>
+            </a:defRPr>
+          </a:pPr>
+          <a:endParaRPr lang="en-US"/>
+        </a:p>
+      </c:txPr>
+    </c:title>
+    <c:autoTitleDeleted val="0"/>
+    <c:plotArea>
+      <c:layout/>
+      <c:scatterChart>
+        <c:scatterStyle val="lineMarker"/>
+        <c:varyColors val="0"/>
+        <c:ser>
+          <c:idx val="0"/>
+          <c:order val="0"/>
+          <c:spPr>
+            <a:ln w="25400" cap="rnd">
+              <a:noFill/>
+              <a:round/>
+            </a:ln>
+            <a:effectLst/>
+          </c:spPr>
+          <c:marker>
+            <c:symbol val="circle"/>
+            <c:size val="5"/>
+            <c:spPr>
+              <a:solidFill>
+                <a:schemeClr val="accent1"/>
+              </a:solidFill>
+              <a:ln w="9525">
+                <a:solidFill>
+                  <a:schemeClr val="accent1"/>
+                </a:solidFill>
+              </a:ln>
+              <a:effectLst/>
+            </c:spPr>
+          </c:marker>
+          <c:xVal>
+            <c:numRef>
+              <c:f>'AAT added'!$H$2:$H$11</c:f>
+              <c:numCache>
+                <c:formatCode>General</c:formatCode>
+                <c:ptCount val="10"/>
+                <c:pt idx="0">
+                  <c:v>70</c:v>
+                </c:pt>
+                <c:pt idx="1">
+                  <c:v>39.200000000000003</c:v>
+                </c:pt>
+                <c:pt idx="2">
+                  <c:v>35.83</c:v>
+                </c:pt>
+                <c:pt idx="3">
+                  <c:v>30.83</c:v>
+                </c:pt>
+                <c:pt idx="4">
+                  <c:v>32.5</c:v>
+                </c:pt>
+                <c:pt idx="5">
+                  <c:v>27.5</c:v>
+                </c:pt>
+                <c:pt idx="6">
+                  <c:v>34.17</c:v>
+                </c:pt>
+                <c:pt idx="7">
+                  <c:v>38.299999999999997</c:v>
+                </c:pt>
+                <c:pt idx="8">
+                  <c:v>34.200000000000003</c:v>
+                </c:pt>
+                <c:pt idx="9">
+                  <c:v>40</c:v>
+                </c:pt>
+              </c:numCache>
+            </c:numRef>
+          </c:xVal>
+          <c:yVal>
+            <c:numRef>
+              <c:f>'AAT added'!$G$2:$G$11</c:f>
+              <c:numCache>
+                <c:formatCode>General</c:formatCode>
+                <c:ptCount val="10"/>
+                <c:pt idx="0">
+                  <c:v>22</c:v>
+                </c:pt>
+                <c:pt idx="1">
+                  <c:v>24</c:v>
+                </c:pt>
+                <c:pt idx="2">
+                  <c:v>16.16</c:v>
+                </c:pt>
+                <c:pt idx="3">
+                  <c:v>7.23</c:v>
+                </c:pt>
+                <c:pt idx="4">
+                  <c:v>7.78</c:v>
+                </c:pt>
+                <c:pt idx="5">
+                  <c:v>4.68</c:v>
+                </c:pt>
+                <c:pt idx="6">
+                  <c:v>7.62</c:v>
+                </c:pt>
+                <c:pt idx="7">
+                  <c:v>6.33</c:v>
+                </c:pt>
+                <c:pt idx="8">
+                  <c:v>10.27</c:v>
+                </c:pt>
+                <c:pt idx="9">
+                  <c:v>11.41</c:v>
+                </c:pt>
+              </c:numCache>
+            </c:numRef>
+          </c:yVal>
+          <c:smooth val="0"/>
+        </c:ser>
+        <c:dLbls>
+          <c:showLegendKey val="0"/>
+          <c:showVal val="0"/>
+          <c:showCatName val="0"/>
+          <c:showSerName val="0"/>
+          <c:showPercent val="0"/>
+          <c:showBubbleSize val="0"/>
+        </c:dLbls>
+        <c:axId val="127010816"/>
+        <c:axId val="127011208"/>
+      </c:scatterChart>
+      <c:valAx>
+        <c:axId val="127010816"/>
+        <c:scaling>
+          <c:orientation val="minMax"/>
+        </c:scaling>
+        <c:delete val="0"/>
+        <c:axPos val="b"/>
+        <c:title>
+          <c:tx>
+            <c:rich>
+              <a:bodyPr rot="0" spcFirstLastPara="1" vertOverflow="ellipsis" vert="horz" wrap="square" anchor="ctr" anchorCtr="1"/>
+              <a:lstStyle/>
+              <a:p>
+                <a:pPr>
+                  <a:defRPr sz="1000" b="0" i="0" u="none" strike="noStrike" kern="1200" baseline="0">
+                    <a:solidFill>
+                      <a:schemeClr val="tx1">
+                        <a:lumMod val="65000"/>
+                        <a:lumOff val="35000"/>
+                      </a:schemeClr>
+                    </a:solidFill>
+                    <a:latin typeface="+mn-lt"/>
+                    <a:ea typeface="+mn-ea"/>
+                    <a:cs typeface="+mn-cs"/>
+                  </a:defRPr>
+                </a:pPr>
+                <a:r>
+                  <a:rPr lang="en-US"/>
+                  <a:t>PTA</a:t>
+                </a:r>
+              </a:p>
+            </c:rich>
+          </c:tx>
+          <c:layout/>
+          <c:overlay val="0"/>
+          <c:spPr>
+            <a:noFill/>
+            <a:ln>
+              <a:noFill/>
+            </a:ln>
+            <a:effectLst/>
+          </c:spPr>
+          <c:txPr>
+            <a:bodyPr rot="0" spcFirstLastPara="1" vertOverflow="ellipsis" vert="horz" wrap="square" anchor="ctr" anchorCtr="1"/>
+            <a:lstStyle/>
+            <a:p>
+              <a:pPr>
+                <a:defRPr sz="1000" b="0" i="0" u="none" strike="noStrike" kern="1200" baseline="0">
+                  <a:solidFill>
+                    <a:schemeClr val="tx1">
+                      <a:lumMod val="65000"/>
+                      <a:lumOff val="35000"/>
+                    </a:schemeClr>
+                  </a:solidFill>
+                  <a:latin typeface="+mn-lt"/>
+                  <a:ea typeface="+mn-ea"/>
+                  <a:cs typeface="+mn-cs"/>
+                </a:defRPr>
+              </a:pPr>
+              <a:endParaRPr lang="en-US"/>
+            </a:p>
+          </c:txPr>
+        </c:title>
+        <c:numFmt formatCode="General" sourceLinked="1"/>
+        <c:majorTickMark val="none"/>
+        <c:minorTickMark val="none"/>
+        <c:tickLblPos val="nextTo"/>
+        <c:spPr>
+          <a:noFill/>
+          <a:ln w="9525" cap="flat" cmpd="sng" algn="ctr">
+            <a:solidFill>
+              <a:schemeClr val="tx1">
+                <a:lumMod val="25000"/>
+                <a:lumOff val="75000"/>
+              </a:schemeClr>
+            </a:solidFill>
+            <a:round/>
+          </a:ln>
+          <a:effectLst/>
+        </c:spPr>
+        <c:txPr>
+          <a:bodyPr rot="-60000000" spcFirstLastPara="1" vertOverflow="ellipsis" vert="horz" wrap="square" anchor="ctr" anchorCtr="1"/>
+          <a:lstStyle/>
+          <a:p>
+            <a:pPr>
+              <a:defRPr sz="900" b="0" i="0" u="none" strike="noStrike" kern="1200" baseline="0">
+                <a:solidFill>
+                  <a:schemeClr val="tx1">
+                    <a:lumMod val="65000"/>
+                    <a:lumOff val="35000"/>
+                  </a:schemeClr>
+                </a:solidFill>
+                <a:latin typeface="+mn-lt"/>
+                <a:ea typeface="+mn-ea"/>
+                <a:cs typeface="+mn-cs"/>
+              </a:defRPr>
+            </a:pPr>
+            <a:endParaRPr lang="en-US"/>
+          </a:p>
+        </c:txPr>
+        <c:crossAx val="127011208"/>
+        <c:crosses val="autoZero"/>
+        <c:crossBetween val="midCat"/>
+      </c:valAx>
+      <c:valAx>
+        <c:axId val="127011208"/>
+        <c:scaling>
+          <c:orientation val="minMax"/>
+        </c:scaling>
+        <c:delete val="0"/>
+        <c:axPos val="l"/>
+        <c:title>
+          <c:tx>
+            <c:rich>
+              <a:bodyPr rot="-5400000" spcFirstLastPara="1" vertOverflow="ellipsis" vert="horz" wrap="square" anchor="ctr" anchorCtr="1"/>
+              <a:lstStyle/>
+              <a:p>
+                <a:pPr>
+                  <a:defRPr sz="1000" b="0" i="0" u="none" strike="noStrike" kern="1200" baseline="0">
+                    <a:solidFill>
+                      <a:schemeClr val="tx1">
+                        <a:lumMod val="65000"/>
+                        <a:lumOff val="35000"/>
+                      </a:schemeClr>
+                    </a:solidFill>
+                    <a:latin typeface="+mn-lt"/>
+                    <a:ea typeface="+mn-ea"/>
+                    <a:cs typeface="+mn-cs"/>
+                  </a:defRPr>
+                </a:pPr>
+                <a:r>
+                  <a:rPr lang="en-US"/>
+                  <a:t>SNR 80</a:t>
+                </a:r>
+              </a:p>
+            </c:rich>
+          </c:tx>
+          <c:layout/>
+          <c:overlay val="0"/>
+          <c:spPr>
+            <a:noFill/>
+            <a:ln>
+              <a:noFill/>
+            </a:ln>
+            <a:effectLst/>
+          </c:spPr>
+          <c:txPr>
+            <a:bodyPr rot="-5400000" spcFirstLastPara="1" vertOverflow="ellipsis" vert="horz" wrap="square" anchor="ctr" anchorCtr="1"/>
+            <a:lstStyle/>
+            <a:p>
+              <a:pPr>
+                <a:defRPr sz="1000" b="0" i="0" u="none" strike="noStrike" kern="1200" baseline="0">
+                  <a:solidFill>
+                    <a:schemeClr val="tx1">
+                      <a:lumMod val="65000"/>
+                      <a:lumOff val="35000"/>
+                    </a:schemeClr>
+                  </a:solidFill>
+                  <a:latin typeface="+mn-lt"/>
+                  <a:ea typeface="+mn-ea"/>
+                  <a:cs typeface="+mn-cs"/>
+                </a:defRPr>
+              </a:pPr>
+              <a:endParaRPr lang="en-US"/>
+            </a:p>
+          </c:txPr>
+        </c:title>
+        <c:numFmt formatCode="General" sourceLinked="1"/>
+        <c:majorTickMark val="none"/>
+        <c:minorTickMark val="none"/>
+        <c:tickLblPos val="nextTo"/>
+        <c:spPr>
+          <a:noFill/>
+          <a:ln w="9525" cap="flat" cmpd="sng" algn="ctr">
+            <a:solidFill>
+              <a:schemeClr val="tx1">
+                <a:lumMod val="25000"/>
+                <a:lumOff val="75000"/>
+              </a:schemeClr>
+            </a:solidFill>
+            <a:round/>
+          </a:ln>
+          <a:effectLst/>
+        </c:spPr>
+        <c:txPr>
+          <a:bodyPr rot="-60000000" spcFirstLastPara="1" vertOverflow="ellipsis" vert="horz" wrap="square" anchor="ctr" anchorCtr="1"/>
+          <a:lstStyle/>
+          <a:p>
+            <a:pPr>
+              <a:defRPr sz="900" b="0" i="0" u="none" strike="noStrike" kern="1200" baseline="0">
+                <a:solidFill>
+                  <a:schemeClr val="tx1">
+                    <a:lumMod val="65000"/>
+                    <a:lumOff val="35000"/>
+                  </a:schemeClr>
+                </a:solidFill>
+                <a:latin typeface="+mn-lt"/>
+                <a:ea typeface="+mn-ea"/>
+                <a:cs typeface="+mn-cs"/>
+              </a:defRPr>
+            </a:pPr>
+            <a:endParaRPr lang="en-US"/>
+          </a:p>
+        </c:txPr>
+        <c:crossAx val="127010816"/>
+        <c:crosses val="autoZero"/>
+        <c:crossBetween val="midCat"/>
+      </c:valAx>
+      <c:spPr>
+        <a:noFill/>
+        <a:ln>
+          <a:noFill/>
+        </a:ln>
+        <a:effectLst/>
+      </c:spPr>
+    </c:plotArea>
+    <c:legend>
+      <c:legendPos val="r"/>
+      <c:layout/>
+      <c:overlay val="0"/>
+      <c:spPr>
+        <a:noFill/>
+        <a:ln>
+          <a:noFill/>
+        </a:ln>
+        <a:effectLst/>
+      </c:spPr>
+      <c:txPr>
+        <a:bodyPr rot="0" spcFirstLastPara="1" vertOverflow="ellipsis" vert="horz" wrap="square" anchor="ctr" anchorCtr="1"/>
+        <a:lstStyle/>
+        <a:p>
+          <a:pPr>
+            <a:defRPr sz="900" b="0" i="0" u="none" strike="noStrike" kern="1200" baseline="0">
+              <a:solidFill>
+                <a:schemeClr val="tx1">
+                  <a:lumMod val="65000"/>
+                  <a:lumOff val="35000"/>
+                </a:schemeClr>
+              </a:solidFill>
+              <a:latin typeface="+mn-lt"/>
+              <a:ea typeface="+mn-ea"/>
+              <a:cs typeface="+mn-cs"/>
+            </a:defRPr>
+          </a:pPr>
+          <a:endParaRPr lang="en-US"/>
+        </a:p>
+      </c:txPr>
+    </c:legend>
+    <c:plotVisOnly val="1"/>
+    <c:dispBlanksAs val="gap"/>
+    <c:showDLblsOverMax val="0"/>
+  </c:chart>
+  <c:spPr>
+    <a:noFill/>
+    <a:ln>
+      <a:noFill/>
+    </a:ln>
+    <a:effectLst/>
+  </c:spPr>
+  <c:txPr>
+    <a:bodyPr/>
+    <a:lstStyle/>
+    <a:p>
+      <a:pPr>
+        <a:defRPr/>
+      </a:pPr>
+      <a:endParaRPr lang="en-US"/>
+    </a:p>
+  </c:txPr>
+  <c:externalData r:id="rId3">
+    <c:autoUpdate val="0"/>
+  </c:externalData>
+</c:chartSpace>
+</file>
+
+<file path=ppt/charts/chart6.xml><?xml version="1.0" encoding="utf-8"?>
+<c:chartSpace xmlns:c="http://schemas.openxmlformats.org/drawingml/2006/chart" xmlns:a="http://schemas.openxmlformats.org/drawingml/2006/main" xmlns:r="http://schemas.openxmlformats.org/officeDocument/2006/relationships">
+  <c:date1904 val="0"/>
+  <c:lang val="en-US"/>
+  <c:roundedCorners val="0"/>
+  <mc:AlternateContent xmlns:mc="http://schemas.openxmlformats.org/markup-compatibility/2006">
+    <mc:Choice xmlns:c14="http://schemas.microsoft.com/office/drawing/2007/8/2/chart" Requires="c14">
+      <c14:style val="102"/>
+    </mc:Choice>
+    <mc:Fallback>
+      <c:style val="2"/>
+    </mc:Fallback>
+  </mc:AlternateContent>
+  <c:chart>
+    <c:title>
+      <c:tx>
+        <c:rich>
+          <a:bodyPr rot="0" spcFirstLastPara="1" vertOverflow="ellipsis" vert="horz" wrap="square" anchor="ctr" anchorCtr="1"/>
+          <a:lstStyle/>
+          <a:p>
+            <a:pPr>
+              <a:defRPr sz="1400" b="0" i="0" u="none" strike="noStrike" kern="1200" spc="0" baseline="0">
+                <a:solidFill>
+                  <a:schemeClr val="tx1">
+                    <a:lumMod val="65000"/>
+                    <a:lumOff val="35000"/>
+                  </a:schemeClr>
+                </a:solidFill>
+                <a:latin typeface="+mn-lt"/>
+                <a:ea typeface="+mn-ea"/>
+                <a:cs typeface="+mn-cs"/>
+              </a:defRPr>
+            </a:pPr>
+            <a:r>
+              <a:rPr lang="en-US"/>
+              <a:t>PTA vs SNR 50</a:t>
             </a:r>
           </a:p>
         </c:rich>
@@ -532,198 +2506,78 @@
           </c:marker>
           <c:xVal>
             <c:numRef>
-              <c:f>Sheet1!$B$8:$F$8</c:f>
+              <c:f>'AAT added'!$H$2:$H$11</c:f>
               <c:numCache>
                 <c:formatCode>General</c:formatCode>
-                <c:ptCount val="5"/>
+                <c:ptCount val="10"/>
                 <c:pt idx="0">
-                  <c:v>18.82</c:v>
+                  <c:v>70</c:v>
                 </c:pt>
                 <c:pt idx="1">
-                  <c:v>12.02</c:v>
+                  <c:v>39.200000000000003</c:v>
                 </c:pt>
                 <c:pt idx="2">
-                  <c:v>3.84</c:v>
+                  <c:v>35.83</c:v>
                 </c:pt>
                 <c:pt idx="3">
-                  <c:v>5.94</c:v>
+                  <c:v>30.83</c:v>
                 </c:pt>
                 <c:pt idx="4">
-                  <c:v>5.63</c:v>
+                  <c:v>32.5</c:v>
+                </c:pt>
+                <c:pt idx="5">
+                  <c:v>27.5</c:v>
+                </c:pt>
+                <c:pt idx="6">
+                  <c:v>34.17</c:v>
+                </c:pt>
+                <c:pt idx="7">
+                  <c:v>38.299999999999997</c:v>
+                </c:pt>
+                <c:pt idx="8">
+                  <c:v>34.200000000000003</c:v>
+                </c:pt>
+                <c:pt idx="9">
+                  <c:v>40</c:v>
                 </c:pt>
               </c:numCache>
             </c:numRef>
           </c:xVal>
           <c:yVal>
             <c:numRef>
-              <c:f>Sheet1!$B$3:$F$3</c:f>
+              <c:f>'AAT added'!$F$2:$F$11</c:f>
               <c:numCache>
                 <c:formatCode>General</c:formatCode>
-                <c:ptCount val="5"/>
-                <c:pt idx="0">
-                  <c:v>6.7199999999999996E-2</c:v>
-                </c:pt>
-                <c:pt idx="1">
-                  <c:v>7.9100000000000004E-2</c:v>
-                </c:pt>
-                <c:pt idx="2">
-                  <c:v>0.18770000000000001</c:v>
-                </c:pt>
-                <c:pt idx="3">
-                  <c:v>0.21590000000000001</c:v>
-                </c:pt>
-                <c:pt idx="4">
-                  <c:v>0.14549999999999999</c:v>
-                </c:pt>
-              </c:numCache>
-            </c:numRef>
-          </c:yVal>
-          <c:smooth val="0"/>
-        </c:ser>
-        <c:ser>
-          <c:idx val="1"/>
-          <c:order val="1"/>
-          <c:spPr>
-            <a:ln w="25400" cap="rnd">
-              <a:noFill/>
-              <a:round/>
-            </a:ln>
-            <a:effectLst/>
-          </c:spPr>
-          <c:marker>
-            <c:symbol val="circle"/>
-            <c:size val="5"/>
-            <c:spPr>
-              <a:solidFill>
-                <a:schemeClr val="accent2"/>
-              </a:solidFill>
-              <a:ln w="9525">
-                <a:solidFill>
-                  <a:schemeClr val="accent2"/>
-                </a:solidFill>
-              </a:ln>
-              <a:effectLst/>
-            </c:spPr>
-          </c:marker>
-          <c:xVal>
-            <c:numRef>
-              <c:f>Sheet1!$B$8:$F$8</c:f>
-              <c:numCache>
-                <c:formatCode>General</c:formatCode>
-                <c:ptCount val="5"/>
+                <c:ptCount val="10"/>
                 <c:pt idx="0">
                   <c:v>18.82</c:v>
                 </c:pt>
                 <c:pt idx="1">
-                  <c:v>12.02</c:v>
+                  <c:v>20.3</c:v>
                 </c:pt>
                 <c:pt idx="2">
+                  <c:v>12.32</c:v>
+                </c:pt>
+                <c:pt idx="3">
+                  <c:v>3.52</c:v>
+                </c:pt>
+                <c:pt idx="4">
+                  <c:v>3.6</c:v>
+                </c:pt>
+                <c:pt idx="5">
+                  <c:v>2.76</c:v>
+                </c:pt>
+                <c:pt idx="6">
+                  <c:v>5.59</c:v>
+                </c:pt>
+                <c:pt idx="7">
                   <c:v>3.84</c:v>
                 </c:pt>
-                <c:pt idx="3">
+                <c:pt idx="8">
                   <c:v>5.94</c:v>
                 </c:pt>
-                <c:pt idx="4">
+                <c:pt idx="9">
                   <c:v>5.63</c:v>
-                </c:pt>
-              </c:numCache>
-            </c:numRef>
-          </c:xVal>
-          <c:yVal>
-            <c:numRef>
-              <c:f>Sheet1!$B$4:$F$4</c:f>
-              <c:numCache>
-                <c:formatCode>General</c:formatCode>
-                <c:ptCount val="5"/>
-                <c:pt idx="0">
-                  <c:v>9.01E-2</c:v>
-                </c:pt>
-                <c:pt idx="1">
-                  <c:v>8.2500000000000004E-2</c:v>
-                </c:pt>
-                <c:pt idx="2">
-                  <c:v>0.2099</c:v>
-                </c:pt>
-                <c:pt idx="3">
-                  <c:v>0.2419</c:v>
-                </c:pt>
-                <c:pt idx="4">
-                  <c:v>0.13389999999999999</c:v>
-                </c:pt>
-              </c:numCache>
-            </c:numRef>
-          </c:yVal>
-          <c:smooth val="0"/>
-        </c:ser>
-        <c:ser>
-          <c:idx val="2"/>
-          <c:order val="2"/>
-          <c:spPr>
-            <a:ln w="25400" cap="rnd">
-              <a:noFill/>
-              <a:round/>
-            </a:ln>
-            <a:effectLst/>
-          </c:spPr>
-          <c:marker>
-            <c:symbol val="circle"/>
-            <c:size val="5"/>
-            <c:spPr>
-              <a:solidFill>
-                <a:schemeClr val="accent3"/>
-              </a:solidFill>
-              <a:ln w="9525">
-                <a:solidFill>
-                  <a:schemeClr val="accent3"/>
-                </a:solidFill>
-              </a:ln>
-              <a:effectLst/>
-            </c:spPr>
-          </c:marker>
-          <c:xVal>
-            <c:numRef>
-              <c:f>Sheet1!$B$8:$F$8</c:f>
-              <c:numCache>
-                <c:formatCode>General</c:formatCode>
-                <c:ptCount val="5"/>
-                <c:pt idx="0">
-                  <c:v>18.82</c:v>
-                </c:pt>
-                <c:pt idx="1">
-                  <c:v>12.02</c:v>
-                </c:pt>
-                <c:pt idx="2">
-                  <c:v>3.84</c:v>
-                </c:pt>
-                <c:pt idx="3">
-                  <c:v>5.94</c:v>
-                </c:pt>
-                <c:pt idx="4">
-                  <c:v>5.63</c:v>
-                </c:pt>
-              </c:numCache>
-            </c:numRef>
-          </c:xVal>
-          <c:yVal>
-            <c:numRef>
-              <c:f>Sheet1!$B$2:$F$2</c:f>
-              <c:numCache>
-                <c:formatCode>General</c:formatCode>
-                <c:ptCount val="5"/>
-                <c:pt idx="0">
-                  <c:v>1.77E-2</c:v>
-                </c:pt>
-                <c:pt idx="1">
-                  <c:v>2.9700000000000001E-2</c:v>
-                </c:pt>
-                <c:pt idx="2">
-                  <c:v>0.128</c:v>
-                </c:pt>
-                <c:pt idx="3">
-                  <c:v>3.7900000000000003E-2</c:v>
-                </c:pt>
-                <c:pt idx="4">
-                  <c:v>4.4900000000000002E-2</c:v>
                 </c:pt>
               </c:numCache>
             </c:numRef>
@@ -738,30 +2592,72 @@
           <c:showPercent val="0"/>
           <c:showBubbleSize val="0"/>
         </c:dLbls>
-        <c:axId val="475364968"/>
-        <c:axId val="475361832"/>
+        <c:axId val="127461832"/>
+        <c:axId val="127462224"/>
       </c:scatterChart>
       <c:valAx>
-        <c:axId val="475364968"/>
+        <c:axId val="127461832"/>
         <c:scaling>
           <c:orientation val="minMax"/>
         </c:scaling>
         <c:delete val="0"/>
         <c:axPos val="b"/>
-        <c:majorGridlines>
+        <c:title>
+          <c:tx>
+            <c:rich>
+              <a:bodyPr rot="0" spcFirstLastPara="1" vertOverflow="ellipsis" vert="horz" wrap="square" anchor="ctr" anchorCtr="1"/>
+              <a:lstStyle/>
+              <a:p>
+                <a:pPr>
+                  <a:defRPr sz="1000" b="0" i="0" u="none" strike="noStrike" kern="1200" baseline="0">
+                    <a:solidFill>
+                      <a:schemeClr val="tx1">
+                        <a:lumMod val="65000"/>
+                        <a:lumOff val="35000"/>
+                      </a:schemeClr>
+                    </a:solidFill>
+                    <a:latin typeface="+mn-lt"/>
+                    <a:ea typeface="+mn-ea"/>
+                    <a:cs typeface="+mn-cs"/>
+                  </a:defRPr>
+                </a:pPr>
+                <a:r>
+                  <a:rPr lang="en-US"/>
+                  <a:t>PTA</a:t>
+                </a:r>
+              </a:p>
+            </c:rich>
+          </c:tx>
+          <c:layout/>
+          <c:overlay val="0"/>
           <c:spPr>
-            <a:ln w="9525" cap="flat" cmpd="sng" algn="ctr">
-              <a:solidFill>
-                <a:schemeClr val="tx1">
-                  <a:lumMod val="15000"/>
-                  <a:lumOff val="85000"/>
-                </a:schemeClr>
-              </a:solidFill>
-              <a:round/>
+            <a:noFill/>
+            <a:ln>
+              <a:noFill/>
             </a:ln>
             <a:effectLst/>
           </c:spPr>
-        </c:majorGridlines>
+          <c:txPr>
+            <a:bodyPr rot="0" spcFirstLastPara="1" vertOverflow="ellipsis" vert="horz" wrap="square" anchor="ctr" anchorCtr="1"/>
+            <a:lstStyle/>
+            <a:p>
+              <a:pPr>
+                <a:defRPr sz="1000" b="0" i="0" u="none" strike="noStrike" kern="1200" baseline="0">
+                  <a:solidFill>
+                    <a:schemeClr val="tx1">
+                      <a:lumMod val="65000"/>
+                      <a:lumOff val="35000"/>
+                    </a:schemeClr>
+                  </a:solidFill>
+                  <a:latin typeface="+mn-lt"/>
+                  <a:ea typeface="+mn-ea"/>
+                  <a:cs typeface="+mn-cs"/>
+                </a:defRPr>
+              </a:pPr>
+              <a:endParaRPr lang="en-US"/>
+            </a:p>
+          </c:txPr>
+        </c:title>
         <c:numFmt formatCode="General" sourceLinked="1"/>
         <c:majorTickMark val="none"/>
         <c:minorTickMark val="none"/>
@@ -799,31 +2695,78 @@
             <a:endParaRPr lang="en-US"/>
           </a:p>
         </c:txPr>
-        <c:crossAx val="475361832"/>
+        <c:crossAx val="127462224"/>
         <c:crosses val="autoZero"/>
         <c:crossBetween val="midCat"/>
       </c:valAx>
       <c:valAx>
-        <c:axId val="475361832"/>
+        <c:axId val="127462224"/>
         <c:scaling>
           <c:orientation val="minMax"/>
         </c:scaling>
         <c:delete val="0"/>
         <c:axPos val="l"/>
-        <c:majorGridlines>
+        <c:title>
+          <c:tx>
+            <c:rich>
+              <a:bodyPr rot="-5400000" spcFirstLastPara="1" vertOverflow="ellipsis" vert="horz" wrap="square" anchor="ctr" anchorCtr="1"/>
+              <a:lstStyle/>
+              <a:p>
+                <a:pPr>
+                  <a:defRPr sz="1000" b="0" i="0" u="none" strike="noStrike" kern="1200" baseline="0">
+                    <a:solidFill>
+                      <a:schemeClr val="tx1">
+                        <a:lumMod val="65000"/>
+                        <a:lumOff val="35000"/>
+                      </a:schemeClr>
+                    </a:solidFill>
+                    <a:latin typeface="+mn-lt"/>
+                    <a:ea typeface="+mn-ea"/>
+                    <a:cs typeface="+mn-cs"/>
+                  </a:defRPr>
+                </a:pPr>
+                <a:r>
+                  <a:rPr lang="en-US"/>
+                  <a:t>SNR</a:t>
+                </a:r>
+                <a:r>
+                  <a:rPr lang="en-US" baseline="0"/>
+                  <a:t> 80</a:t>
+                </a:r>
+                <a:endParaRPr lang="en-US"/>
+              </a:p>
+            </c:rich>
+          </c:tx>
+          <c:layout/>
+          <c:overlay val="0"/>
           <c:spPr>
-            <a:ln w="9525" cap="flat" cmpd="sng" algn="ctr">
-              <a:solidFill>
-                <a:schemeClr val="tx1">
-                  <a:lumMod val="15000"/>
-                  <a:lumOff val="85000"/>
-                </a:schemeClr>
-              </a:solidFill>
-              <a:round/>
+            <a:noFill/>
+            <a:ln>
+              <a:noFill/>
             </a:ln>
             <a:effectLst/>
           </c:spPr>
-        </c:majorGridlines>
+          <c:txPr>
+            <a:bodyPr rot="-5400000" spcFirstLastPara="1" vertOverflow="ellipsis" vert="horz" wrap="square" anchor="ctr" anchorCtr="1"/>
+            <a:lstStyle/>
+            <a:p>
+              <a:pPr>
+                <a:defRPr sz="1000" b="0" i="0" u="none" strike="noStrike" kern="1200" baseline="0">
+                  <a:solidFill>
+                    <a:schemeClr val="tx1">
+                      <a:lumMod val="65000"/>
+                      <a:lumOff val="35000"/>
+                    </a:schemeClr>
+                  </a:solidFill>
+                  <a:latin typeface="+mn-lt"/>
+                  <a:ea typeface="+mn-ea"/>
+                  <a:cs typeface="+mn-cs"/>
+                </a:defRPr>
+              </a:pPr>
+              <a:endParaRPr lang="en-US"/>
+            </a:p>
+          </c:txPr>
+        </c:title>
         <c:numFmt formatCode="General" sourceLinked="1"/>
         <c:majorTickMark val="none"/>
         <c:minorTickMark val="none"/>
@@ -861,7 +2804,7 @@
             <a:endParaRPr lang="en-US"/>
           </a:p>
         </c:txPr>
-        <c:crossAx val="475364968"/>
+        <c:crossAx val="127461832"/>
         <c:crosses val="autoZero"/>
         <c:crossBetween val="midCat"/>
       </c:valAx>
@@ -873,38 +2816,6 @@
         <a:effectLst/>
       </c:spPr>
     </c:plotArea>
-    <c:legend>
-      <c:legendPos val="b"/>
-      <c:layout/>
-      <c:overlay val="0"/>
-      <c:spPr>
-        <a:noFill/>
-        <a:ln>
-          <a:noFill/>
-        </a:ln>
-        <a:effectLst/>
-      </c:spPr>
-      <c:txPr>
-        <a:bodyPr rot="0" spcFirstLastPara="1" vertOverflow="ellipsis" vert="horz" wrap="square" anchor="ctr" anchorCtr="1"/>
-        <a:lstStyle/>
-        <a:p>
-          <a:pPr>
-            <a:defRPr sz="900" b="0" i="0" u="none" strike="noStrike" kern="1200" baseline="0">
-              <a:solidFill>
-                <a:schemeClr val="tx1">
-                  <a:lumMod val="65000"/>
-                  <a:lumOff val="35000"/>
-                </a:schemeClr>
-              </a:solidFill>
-              <a:latin typeface="+mn-lt"/>
-              <a:ea typeface="+mn-ea"/>
-              <a:cs typeface="+mn-cs"/>
-            </a:defRPr>
-          </a:pPr>
-          <a:endParaRPr lang="en-US"/>
-        </a:p>
-      </c:txPr>
-    </c:legend>
     <c:plotVisOnly val="1"/>
     <c:dispBlanksAs val="gap"/>
     <c:showDLblsOverMax val="0"/>
@@ -932,7 +2843,7 @@
 </c:chartSpace>
 </file>
 
-<file path=ppt/charts/chart3.xml><?xml version="1.0" encoding="utf-8"?>
+<file path=ppt/charts/chart7.xml><?xml version="1.0" encoding="utf-8"?>
 <c:chartSpace xmlns:c="http://schemas.openxmlformats.org/drawingml/2006/chart" xmlns:a="http://schemas.openxmlformats.org/drawingml/2006/main" xmlns:r="http://schemas.openxmlformats.org/officeDocument/2006/relationships">
   <c:date1904 val="0"/>
   <c:lang val="en-US"/>
@@ -967,11 +2878,11 @@
             </a:pPr>
             <a:r>
               <a:rPr lang="en-US"/>
-              <a:t> Alpha power vs SNR</a:t>
+              <a:t>02</a:t>
             </a:r>
             <a:r>
               <a:rPr lang="en-US" baseline="0"/>
-              <a:t> 80 </a:t>
+              <a:t> Alpha AAT ratio vs HHIE (unaided)</a:t>
             </a:r>
             <a:endParaRPr lang="en-US"/>
           </a:p>
@@ -1040,198 +2951,78 @@
           </c:marker>
           <c:xVal>
             <c:numRef>
-              <c:f>Sheet1!$B$9:$F$9</c:f>
+              <c:f>'AAT added'!$J$3:$J$12</c:f>
               <c:numCache>
                 <c:formatCode>General</c:formatCode>
-                <c:ptCount val="5"/>
+                <c:ptCount val="10"/>
                 <c:pt idx="0">
-                  <c:v>22</c:v>
+                  <c:v>1.5053260869565217</c:v>
                 </c:pt>
                 <c:pt idx="1">
-                  <c:v>16.16</c:v>
+                  <c:v>0.91891891891891908</c:v>
                 </c:pt>
                 <c:pt idx="2">
-                  <c:v>6.33</c:v>
+                  <c:v>1.6229166666666666</c:v>
                 </c:pt>
                 <c:pt idx="3">
-                  <c:v>10.27</c:v>
+                  <c:v>0.90800794176042343</c:v>
                 </c:pt>
                 <c:pt idx="4">
-                  <c:v>11.41</c:v>
+                  <c:v>0.57708628005657714</c:v>
+                </c:pt>
+                <c:pt idx="5">
+                  <c:v>1.747195858498706</c:v>
+                </c:pt>
+                <c:pt idx="6">
+                  <c:v>1.7504798464491362</c:v>
+                </c:pt>
+                <c:pt idx="7">
+                  <c:v>0.95983935742971893</c:v>
+                </c:pt>
+                <c:pt idx="8">
+                  <c:v>1.4573317307692308</c:v>
+                </c:pt>
+                <c:pt idx="9">
+                  <c:v>0.93285714285714272</c:v>
                 </c:pt>
               </c:numCache>
             </c:numRef>
           </c:xVal>
           <c:yVal>
             <c:numRef>
-              <c:f>Sheet1!$B$3:$F$3</c:f>
+              <c:f>'AAT added'!$AC$3:$AC$12</c:f>
               <c:numCache>
                 <c:formatCode>General</c:formatCode>
-                <c:ptCount val="5"/>
+                <c:ptCount val="10"/>
                 <c:pt idx="0">
-                  <c:v>6.7199999999999996E-2</c:v>
+                  <c:v>70</c:v>
                 </c:pt>
                 <c:pt idx="1">
-                  <c:v>7.9100000000000004E-2</c:v>
+                  <c:v>42</c:v>
                 </c:pt>
                 <c:pt idx="2">
-                  <c:v>0.18770000000000001</c:v>
+                  <c:v>74</c:v>
                 </c:pt>
                 <c:pt idx="3">
-                  <c:v>0.21590000000000001</c:v>
+                  <c:v>16</c:v>
                 </c:pt>
                 <c:pt idx="4">
-                  <c:v>0.14549999999999999</c:v>
-                </c:pt>
-              </c:numCache>
-            </c:numRef>
-          </c:yVal>
-          <c:smooth val="0"/>
-        </c:ser>
-        <c:ser>
-          <c:idx val="1"/>
-          <c:order val="1"/>
-          <c:spPr>
-            <a:ln w="25400" cap="rnd">
-              <a:noFill/>
-              <a:round/>
-            </a:ln>
-            <a:effectLst/>
-          </c:spPr>
-          <c:marker>
-            <c:symbol val="circle"/>
-            <c:size val="5"/>
-            <c:spPr>
-              <a:solidFill>
-                <a:schemeClr val="accent2"/>
-              </a:solidFill>
-              <a:ln w="9525">
-                <a:solidFill>
-                  <a:schemeClr val="accent2"/>
-                </a:solidFill>
-              </a:ln>
-              <a:effectLst/>
-            </c:spPr>
-          </c:marker>
-          <c:xVal>
-            <c:numRef>
-              <c:f>Sheet1!$B$9:$F$9</c:f>
-              <c:numCache>
-                <c:formatCode>General</c:formatCode>
-                <c:ptCount val="5"/>
-                <c:pt idx="0">
-                  <c:v>22</c:v>
-                </c:pt>
-                <c:pt idx="1">
-                  <c:v>16.16</c:v>
-                </c:pt>
-                <c:pt idx="2">
-                  <c:v>6.33</c:v>
-                </c:pt>
-                <c:pt idx="3">
-                  <c:v>10.27</c:v>
-                </c:pt>
-                <c:pt idx="4">
-                  <c:v>11.41</c:v>
-                </c:pt>
-              </c:numCache>
-            </c:numRef>
-          </c:xVal>
-          <c:yVal>
-            <c:numRef>
-              <c:f>Sheet1!$B$4:$F$4</c:f>
-              <c:numCache>
-                <c:formatCode>General</c:formatCode>
-                <c:ptCount val="5"/>
-                <c:pt idx="0">
-                  <c:v>9.01E-2</c:v>
-                </c:pt>
-                <c:pt idx="1">
-                  <c:v>8.2500000000000004E-2</c:v>
-                </c:pt>
-                <c:pt idx="2">
-                  <c:v>0.2099</c:v>
-                </c:pt>
-                <c:pt idx="3">
-                  <c:v>0.2419</c:v>
-                </c:pt>
-                <c:pt idx="4">
-                  <c:v>0.13389999999999999</c:v>
-                </c:pt>
-              </c:numCache>
-            </c:numRef>
-          </c:yVal>
-          <c:smooth val="0"/>
-        </c:ser>
-        <c:ser>
-          <c:idx val="2"/>
-          <c:order val="2"/>
-          <c:spPr>
-            <a:ln w="25400" cap="rnd">
-              <a:noFill/>
-              <a:round/>
-            </a:ln>
-            <a:effectLst/>
-          </c:spPr>
-          <c:marker>
-            <c:symbol val="circle"/>
-            <c:size val="5"/>
-            <c:spPr>
-              <a:solidFill>
-                <a:schemeClr val="accent3"/>
-              </a:solidFill>
-              <a:ln w="9525">
-                <a:solidFill>
-                  <a:schemeClr val="accent3"/>
-                </a:solidFill>
-              </a:ln>
-              <a:effectLst/>
-            </c:spPr>
-          </c:marker>
-          <c:xVal>
-            <c:numRef>
-              <c:f>Sheet1!$B$9:$F$9</c:f>
-              <c:numCache>
-                <c:formatCode>General</c:formatCode>
-                <c:ptCount val="5"/>
-                <c:pt idx="0">
-                  <c:v>22</c:v>
-                </c:pt>
-                <c:pt idx="1">
-                  <c:v>16.16</c:v>
-                </c:pt>
-                <c:pt idx="2">
-                  <c:v>6.33</c:v>
-                </c:pt>
-                <c:pt idx="3">
-                  <c:v>10.27</c:v>
-                </c:pt>
-                <c:pt idx="4">
-                  <c:v>11.41</c:v>
-                </c:pt>
-              </c:numCache>
-            </c:numRef>
-          </c:xVal>
-          <c:yVal>
-            <c:numRef>
-              <c:f>Sheet1!$B$2:$F$2</c:f>
-              <c:numCache>
-                <c:formatCode>General</c:formatCode>
-                <c:ptCount val="5"/>
-                <c:pt idx="0">
-                  <c:v>1.77E-2</c:v>
-                </c:pt>
-                <c:pt idx="1">
-                  <c:v>2.9700000000000001E-2</c:v>
-                </c:pt>
-                <c:pt idx="2">
-                  <c:v>0.128</c:v>
-                </c:pt>
-                <c:pt idx="3">
-                  <c:v>3.7900000000000003E-2</c:v>
-                </c:pt>
-                <c:pt idx="4">
-                  <c:v>4.4900000000000002E-2</c:v>
+                  <c:v>20</c:v>
+                </c:pt>
+                <c:pt idx="5">
+                  <c:v>48</c:v>
+                </c:pt>
+                <c:pt idx="6">
+                  <c:v>94</c:v>
+                </c:pt>
+                <c:pt idx="7">
+                  <c:v>50</c:v>
+                </c:pt>
+                <c:pt idx="8">
+                  <c:v>52</c:v>
+                </c:pt>
+                <c:pt idx="9">
+                  <c:v>16</c:v>
                 </c:pt>
               </c:numCache>
             </c:numRef>
@@ -1246,30 +3037,79 @@
           <c:showPercent val="0"/>
           <c:showBubbleSize val="0"/>
         </c:dLbls>
-        <c:axId val="419561752"/>
-        <c:axId val="419564104"/>
+        <c:axId val="127463008"/>
+        <c:axId val="127463400"/>
       </c:scatterChart>
       <c:valAx>
-        <c:axId val="419561752"/>
+        <c:axId val="127463008"/>
         <c:scaling>
           <c:orientation val="minMax"/>
         </c:scaling>
         <c:delete val="0"/>
         <c:axPos val="b"/>
-        <c:majorGridlines>
+        <c:title>
+          <c:tx>
+            <c:rich>
+              <a:bodyPr rot="0" spcFirstLastPara="1" vertOverflow="ellipsis" vert="horz" wrap="square" anchor="ctr" anchorCtr="1"/>
+              <a:lstStyle/>
+              <a:p>
+                <a:pPr>
+                  <a:defRPr sz="1000" b="0" i="0" u="none" strike="noStrike" kern="1200" baseline="0">
+                    <a:solidFill>
+                      <a:schemeClr val="tx1">
+                        <a:lumMod val="65000"/>
+                        <a:lumOff val="35000"/>
+                      </a:schemeClr>
+                    </a:solidFill>
+                    <a:latin typeface="+mn-lt"/>
+                    <a:ea typeface="+mn-ea"/>
+                    <a:cs typeface="+mn-cs"/>
+                  </a:defRPr>
+                </a:pPr>
+                <a:r>
+                  <a:rPr lang="en-US"/>
+                  <a:t>Alpha ratio</a:t>
+                </a:r>
+              </a:p>
+            </c:rich>
+          </c:tx>
+          <c:layout>
+            <c:manualLayout>
+              <c:xMode val="edge"/>
+              <c:yMode val="edge"/>
+              <c:x val="0.46760301837270329"/>
+              <c:y val="0.87868037328667248"/>
+            </c:manualLayout>
+          </c:layout>
+          <c:overlay val="0"/>
           <c:spPr>
-            <a:ln w="9525" cap="flat" cmpd="sng" algn="ctr">
-              <a:solidFill>
-                <a:schemeClr val="tx1">
-                  <a:lumMod val="15000"/>
-                  <a:lumOff val="85000"/>
-                </a:schemeClr>
-              </a:solidFill>
-              <a:round/>
+            <a:noFill/>
+            <a:ln>
+              <a:noFill/>
             </a:ln>
             <a:effectLst/>
           </c:spPr>
-        </c:majorGridlines>
+          <c:txPr>
+            <a:bodyPr rot="0" spcFirstLastPara="1" vertOverflow="ellipsis" vert="horz" wrap="square" anchor="ctr" anchorCtr="1"/>
+            <a:lstStyle/>
+            <a:p>
+              <a:pPr>
+                <a:defRPr sz="1000" b="0" i="0" u="none" strike="noStrike" kern="1200" baseline="0">
+                  <a:solidFill>
+                    <a:schemeClr val="tx1">
+                      <a:lumMod val="65000"/>
+                      <a:lumOff val="35000"/>
+                    </a:schemeClr>
+                  </a:solidFill>
+                  <a:latin typeface="+mn-lt"/>
+                  <a:ea typeface="+mn-ea"/>
+                  <a:cs typeface="+mn-cs"/>
+                </a:defRPr>
+              </a:pPr>
+              <a:endParaRPr lang="en-US"/>
+            </a:p>
+          </c:txPr>
+        </c:title>
         <c:numFmt formatCode="General" sourceLinked="1"/>
         <c:majorTickMark val="none"/>
         <c:minorTickMark val="none"/>
@@ -1307,31 +3147,73 @@
             <a:endParaRPr lang="en-US"/>
           </a:p>
         </c:txPr>
-        <c:crossAx val="419564104"/>
+        <c:crossAx val="127463400"/>
         <c:crosses val="autoZero"/>
         <c:crossBetween val="midCat"/>
       </c:valAx>
       <c:valAx>
-        <c:axId val="419564104"/>
+        <c:axId val="127463400"/>
         <c:scaling>
           <c:orientation val="minMax"/>
         </c:scaling>
         <c:delete val="0"/>
         <c:axPos val="l"/>
-        <c:majorGridlines>
+        <c:title>
+          <c:tx>
+            <c:rich>
+              <a:bodyPr rot="-5400000" spcFirstLastPara="1" vertOverflow="ellipsis" vert="horz" wrap="square" anchor="ctr" anchorCtr="1"/>
+              <a:lstStyle/>
+              <a:p>
+                <a:pPr>
+                  <a:defRPr sz="1000" b="0" i="0" u="none" strike="noStrike" kern="1200" baseline="0">
+                    <a:solidFill>
+                      <a:schemeClr val="tx1">
+                        <a:lumMod val="65000"/>
+                        <a:lumOff val="35000"/>
+                      </a:schemeClr>
+                    </a:solidFill>
+                    <a:latin typeface="+mn-lt"/>
+                    <a:ea typeface="+mn-ea"/>
+                    <a:cs typeface="+mn-cs"/>
+                  </a:defRPr>
+                </a:pPr>
+                <a:r>
+                  <a:rPr lang="en-US"/>
+                  <a:t>HHIE score</a:t>
+                </a:r>
+              </a:p>
+            </c:rich>
+          </c:tx>
+          <c:layout/>
+          <c:overlay val="0"/>
           <c:spPr>
-            <a:ln w="9525" cap="flat" cmpd="sng" algn="ctr">
-              <a:solidFill>
-                <a:schemeClr val="tx1">
-                  <a:lumMod val="15000"/>
-                  <a:lumOff val="85000"/>
-                </a:schemeClr>
-              </a:solidFill>
-              <a:round/>
+            <a:noFill/>
+            <a:ln>
+              <a:noFill/>
             </a:ln>
             <a:effectLst/>
           </c:spPr>
-        </c:majorGridlines>
+          <c:txPr>
+            <a:bodyPr rot="-5400000" spcFirstLastPara="1" vertOverflow="ellipsis" vert="horz" wrap="square" anchor="ctr" anchorCtr="1"/>
+            <a:lstStyle/>
+            <a:p>
+              <a:pPr>
+                <a:defRPr sz="1000" b="0" i="0" u="none" strike="noStrike" kern="1200" baseline="0">
+                  <a:solidFill>
+                    <a:schemeClr val="tx1">
+                      <a:lumMod val="65000"/>
+                      <a:lumOff val="35000"/>
+                    </a:schemeClr>
+                  </a:solidFill>
+                  <a:latin typeface="+mn-lt"/>
+                  <a:ea typeface="+mn-ea"/>
+                  <a:cs typeface="+mn-cs"/>
+                </a:defRPr>
+              </a:pPr>
+              <a:endParaRPr lang="en-US"/>
+            </a:p>
+          </c:txPr>
+        </c:title>
         <c:numFmt formatCode="General" sourceLinked="1"/>
         <c:majorTickMark val="none"/>
         <c:minorTickMark val="none"/>
@@ -1369,7 +3251,7 @@
             <a:endParaRPr lang="en-US"/>
           </a:p>
         </c:txPr>
-        <c:crossAx val="419561752"/>
+        <c:crossAx val="127463008"/>
         <c:crosses val="autoZero"/>
         <c:crossBetween val="midCat"/>
       </c:valAx>
@@ -1381,8 +3263,78 @@
         <a:effectLst/>
       </c:spPr>
     </c:plotArea>
-    <c:legend>
-      <c:legendPos val="b"/>
+    <c:plotVisOnly val="1"/>
+    <c:dispBlanksAs val="gap"/>
+    <c:showDLblsOverMax val="0"/>
+  </c:chart>
+  <c:spPr>
+    <a:noFill/>
+    <a:ln>
+      <a:noFill/>
+    </a:ln>
+    <a:effectLst/>
+  </c:spPr>
+  <c:txPr>
+    <a:bodyPr/>
+    <a:lstStyle/>
+    <a:p>
+      <a:pPr>
+        <a:defRPr/>
+      </a:pPr>
+      <a:endParaRPr lang="en-US"/>
+    </a:p>
+  </c:txPr>
+  <c:externalData r:id="rId3">
+    <c:autoUpdate val="0"/>
+  </c:externalData>
+</c:chartSpace>
+</file>
+
+<file path=ppt/charts/chart8.xml><?xml version="1.0" encoding="utf-8"?>
+<c:chartSpace xmlns:c="http://schemas.openxmlformats.org/drawingml/2006/chart" xmlns:a="http://schemas.openxmlformats.org/drawingml/2006/main" xmlns:r="http://schemas.openxmlformats.org/officeDocument/2006/relationships">
+  <c:date1904 val="0"/>
+  <c:lang val="en-US"/>
+  <c:roundedCorners val="0"/>
+  <mc:AlternateContent xmlns:mc="http://schemas.openxmlformats.org/markup-compatibility/2006">
+    <mc:Choice xmlns:c14="http://schemas.microsoft.com/office/drawing/2007/8/2/chart" Requires="c14">
+      <c14:style val="102"/>
+    </mc:Choice>
+    <mc:Fallback>
+      <c:style val="2"/>
+    </mc:Fallback>
+  </mc:AlternateContent>
+  <c:chart>
+    <c:title>
+      <c:tx>
+        <c:rich>
+          <a:bodyPr rot="0" spcFirstLastPara="1" vertOverflow="ellipsis" vert="horz" wrap="square" anchor="ctr" anchorCtr="1"/>
+          <a:lstStyle/>
+          <a:p>
+            <a:pPr>
+              <a:defRPr sz="1400" b="0" i="0" u="none" strike="noStrike" kern="1200" spc="0" baseline="0">
+                <a:solidFill>
+                  <a:schemeClr val="tx1">
+                    <a:lumMod val="65000"/>
+                    <a:lumOff val="35000"/>
+                  </a:schemeClr>
+                </a:solidFill>
+                <a:latin typeface="+mn-lt"/>
+                <a:ea typeface="+mn-ea"/>
+                <a:cs typeface="+mn-cs"/>
+              </a:defRPr>
+            </a:pPr>
+            <a:r>
+              <a:rPr lang="en-US" baseline="0" dirty="0" smtClean="0"/>
+              <a:t>Occipital Alpha </a:t>
+            </a:r>
+            <a:r>
+              <a:rPr lang="en-US" baseline="0" dirty="0"/>
+              <a:t>AAT ratio vs HHIE (unaided)</a:t>
+            </a:r>
+            <a:endParaRPr lang="en-US" dirty="0"/>
+          </a:p>
+        </c:rich>
+      </c:tx>
       <c:layout/>
       <c:overlay val="0"/>
       <c:spPr>
@@ -1397,7 +3349,7 @@
         <a:lstStyle/>
         <a:p>
           <a:pPr>
-            <a:defRPr sz="900" b="0" i="0" u="none" strike="noStrike" kern="1200" baseline="0">
+            <a:defRPr sz="1400" b="0" i="0" u="none" strike="noStrike" kern="1200" spc="0" baseline="0">
               <a:solidFill>
                 <a:schemeClr val="tx1">
                   <a:lumMod val="65000"/>
@@ -1412,7 +3364,352 @@
           <a:endParaRPr lang="en-US"/>
         </a:p>
       </c:txPr>
-    </c:legend>
+    </c:title>
+    <c:autoTitleDeleted val="0"/>
+    <c:plotArea>
+      <c:layout/>
+      <c:scatterChart>
+        <c:scatterStyle val="lineMarker"/>
+        <c:varyColors val="0"/>
+        <c:ser>
+          <c:idx val="0"/>
+          <c:order val="0"/>
+          <c:spPr>
+            <a:ln w="25400" cap="rnd">
+              <a:noFill/>
+              <a:round/>
+            </a:ln>
+            <a:effectLst/>
+          </c:spPr>
+          <c:marker>
+            <c:symbol val="circle"/>
+            <c:size val="5"/>
+            <c:spPr>
+              <a:solidFill>
+                <a:schemeClr val="accent1"/>
+              </a:solidFill>
+              <a:ln w="9525">
+                <a:solidFill>
+                  <a:schemeClr val="accent1"/>
+                </a:solidFill>
+              </a:ln>
+              <a:effectLst/>
+            </c:spPr>
+          </c:marker>
+          <c:xVal>
+            <c:numRef>
+              <c:f>'AAT added'!$M$3:$M$12</c:f>
+              <c:numCache>
+                <c:formatCode>General</c:formatCode>
+                <c:ptCount val="10"/>
+                <c:pt idx="0">
+                  <c:v>0.82409113670505763</c:v>
+                </c:pt>
+                <c:pt idx="1">
+                  <c:v>0.99631675874769798</c:v>
+                </c:pt>
+                <c:pt idx="2">
+                  <c:v>1.3044117647058824</c:v>
+                </c:pt>
+                <c:pt idx="3">
+                  <c:v>0.93394000674081545</c:v>
+                </c:pt>
+                <c:pt idx="4">
+                  <c:v>0.53579175704989157</c:v>
+                </c:pt>
+                <c:pt idx="5">
+                  <c:v>1.7737254901960786</c:v>
+                </c:pt>
+                <c:pt idx="6">
+                  <c:v>1.7150537634408607</c:v>
+                </c:pt>
+                <c:pt idx="7">
+                  <c:v>1.020821394460363</c:v>
+                </c:pt>
+                <c:pt idx="8">
+                  <c:v>1.2197937131630647</c:v>
+                </c:pt>
+                <c:pt idx="9">
+                  <c:v>0.94240992321323092</c:v>
+                </c:pt>
+              </c:numCache>
+            </c:numRef>
+          </c:xVal>
+          <c:yVal>
+            <c:numRef>
+              <c:f>'AAT added'!$AC$3:$AC$12</c:f>
+              <c:numCache>
+                <c:formatCode>General</c:formatCode>
+                <c:ptCount val="10"/>
+                <c:pt idx="0">
+                  <c:v>70</c:v>
+                </c:pt>
+                <c:pt idx="1">
+                  <c:v>42</c:v>
+                </c:pt>
+                <c:pt idx="2">
+                  <c:v>74</c:v>
+                </c:pt>
+                <c:pt idx="3">
+                  <c:v>16</c:v>
+                </c:pt>
+                <c:pt idx="4">
+                  <c:v>20</c:v>
+                </c:pt>
+                <c:pt idx="5">
+                  <c:v>48</c:v>
+                </c:pt>
+                <c:pt idx="6">
+                  <c:v>94</c:v>
+                </c:pt>
+                <c:pt idx="7">
+                  <c:v>50</c:v>
+                </c:pt>
+                <c:pt idx="8">
+                  <c:v>52</c:v>
+                </c:pt>
+                <c:pt idx="9">
+                  <c:v>16</c:v>
+                </c:pt>
+              </c:numCache>
+            </c:numRef>
+          </c:yVal>
+          <c:smooth val="0"/>
+        </c:ser>
+        <c:dLbls>
+          <c:showLegendKey val="0"/>
+          <c:showVal val="0"/>
+          <c:showCatName val="0"/>
+          <c:showSerName val="0"/>
+          <c:showPercent val="0"/>
+          <c:showBubbleSize val="0"/>
+        </c:dLbls>
+        <c:axId val="127464184"/>
+        <c:axId val="127464576"/>
+      </c:scatterChart>
+      <c:valAx>
+        <c:axId val="127464184"/>
+        <c:scaling>
+          <c:orientation val="minMax"/>
+        </c:scaling>
+        <c:delete val="0"/>
+        <c:axPos val="b"/>
+        <c:title>
+          <c:tx>
+            <c:rich>
+              <a:bodyPr rot="0" spcFirstLastPara="1" vertOverflow="ellipsis" vert="horz" wrap="square" anchor="ctr" anchorCtr="1"/>
+              <a:lstStyle/>
+              <a:p>
+                <a:pPr>
+                  <a:defRPr sz="1000" b="0" i="0" u="none" strike="noStrike" kern="1200" baseline="0">
+                    <a:solidFill>
+                      <a:schemeClr val="tx1">
+                        <a:lumMod val="65000"/>
+                        <a:lumOff val="35000"/>
+                      </a:schemeClr>
+                    </a:solidFill>
+                    <a:latin typeface="+mn-lt"/>
+                    <a:ea typeface="+mn-ea"/>
+                    <a:cs typeface="+mn-cs"/>
+                  </a:defRPr>
+                </a:pPr>
+                <a:r>
+                  <a:rPr lang="en-US"/>
+                  <a:t>Alpha ratio</a:t>
+                </a:r>
+              </a:p>
+            </c:rich>
+          </c:tx>
+          <c:layout>
+            <c:manualLayout>
+              <c:xMode val="edge"/>
+              <c:yMode val="edge"/>
+              <c:x val="0.46760301837270329"/>
+              <c:y val="0.87868037328667248"/>
+            </c:manualLayout>
+          </c:layout>
+          <c:overlay val="0"/>
+          <c:spPr>
+            <a:noFill/>
+            <a:ln>
+              <a:noFill/>
+            </a:ln>
+            <a:effectLst/>
+          </c:spPr>
+          <c:txPr>
+            <a:bodyPr rot="0" spcFirstLastPara="1" vertOverflow="ellipsis" vert="horz" wrap="square" anchor="ctr" anchorCtr="1"/>
+            <a:lstStyle/>
+            <a:p>
+              <a:pPr>
+                <a:defRPr sz="1000" b="0" i="0" u="none" strike="noStrike" kern="1200" baseline="0">
+                  <a:solidFill>
+                    <a:schemeClr val="tx1">
+                      <a:lumMod val="65000"/>
+                      <a:lumOff val="35000"/>
+                    </a:schemeClr>
+                  </a:solidFill>
+                  <a:latin typeface="+mn-lt"/>
+                  <a:ea typeface="+mn-ea"/>
+                  <a:cs typeface="+mn-cs"/>
+                </a:defRPr>
+              </a:pPr>
+              <a:endParaRPr lang="en-US"/>
+            </a:p>
+          </c:txPr>
+        </c:title>
+        <c:numFmt formatCode="General" sourceLinked="1"/>
+        <c:majorTickMark val="none"/>
+        <c:minorTickMark val="none"/>
+        <c:tickLblPos val="nextTo"/>
+        <c:spPr>
+          <a:noFill/>
+          <a:ln w="9525" cap="flat" cmpd="sng" algn="ctr">
+            <a:solidFill>
+              <a:schemeClr val="tx1">
+                <a:lumMod val="25000"/>
+                <a:lumOff val="75000"/>
+              </a:schemeClr>
+            </a:solidFill>
+            <a:round/>
+          </a:ln>
+          <a:effectLst/>
+        </c:spPr>
+        <c:txPr>
+          <a:bodyPr rot="-60000000" spcFirstLastPara="1" vertOverflow="ellipsis" vert="horz" wrap="square" anchor="ctr" anchorCtr="1"/>
+          <a:lstStyle/>
+          <a:p>
+            <a:pPr>
+              <a:defRPr sz="900" b="0" i="0" u="none" strike="noStrike" kern="1200" baseline="0">
+                <a:solidFill>
+                  <a:schemeClr val="tx1">
+                    <a:lumMod val="65000"/>
+                    <a:lumOff val="35000"/>
+                  </a:schemeClr>
+                </a:solidFill>
+                <a:latin typeface="+mn-lt"/>
+                <a:ea typeface="+mn-ea"/>
+                <a:cs typeface="+mn-cs"/>
+              </a:defRPr>
+            </a:pPr>
+            <a:endParaRPr lang="en-US"/>
+          </a:p>
+        </c:txPr>
+        <c:crossAx val="127464576"/>
+        <c:crosses val="autoZero"/>
+        <c:crossBetween val="midCat"/>
+      </c:valAx>
+      <c:valAx>
+        <c:axId val="127464576"/>
+        <c:scaling>
+          <c:orientation val="minMax"/>
+        </c:scaling>
+        <c:delete val="0"/>
+        <c:axPos val="l"/>
+        <c:title>
+          <c:tx>
+            <c:rich>
+              <a:bodyPr rot="-5400000" spcFirstLastPara="1" vertOverflow="ellipsis" vert="horz" wrap="square" anchor="ctr" anchorCtr="1"/>
+              <a:lstStyle/>
+              <a:p>
+                <a:pPr>
+                  <a:defRPr sz="1000" b="0" i="0" u="none" strike="noStrike" kern="1200" baseline="0">
+                    <a:solidFill>
+                      <a:schemeClr val="tx1">
+                        <a:lumMod val="65000"/>
+                        <a:lumOff val="35000"/>
+                      </a:schemeClr>
+                    </a:solidFill>
+                    <a:latin typeface="+mn-lt"/>
+                    <a:ea typeface="+mn-ea"/>
+                    <a:cs typeface="+mn-cs"/>
+                  </a:defRPr>
+                </a:pPr>
+                <a:r>
+                  <a:rPr lang="en-US"/>
+                  <a:t>HHIE score</a:t>
+                </a:r>
+              </a:p>
+            </c:rich>
+          </c:tx>
+          <c:layout/>
+          <c:overlay val="0"/>
+          <c:spPr>
+            <a:noFill/>
+            <a:ln>
+              <a:noFill/>
+            </a:ln>
+            <a:effectLst/>
+          </c:spPr>
+          <c:txPr>
+            <a:bodyPr rot="-5400000" spcFirstLastPara="1" vertOverflow="ellipsis" vert="horz" wrap="square" anchor="ctr" anchorCtr="1"/>
+            <a:lstStyle/>
+            <a:p>
+              <a:pPr>
+                <a:defRPr sz="1000" b="0" i="0" u="none" strike="noStrike" kern="1200" baseline="0">
+                  <a:solidFill>
+                    <a:schemeClr val="tx1">
+                      <a:lumMod val="65000"/>
+                      <a:lumOff val="35000"/>
+                    </a:schemeClr>
+                  </a:solidFill>
+                  <a:latin typeface="+mn-lt"/>
+                  <a:ea typeface="+mn-ea"/>
+                  <a:cs typeface="+mn-cs"/>
+                </a:defRPr>
+              </a:pPr>
+              <a:endParaRPr lang="en-US"/>
+            </a:p>
+          </c:txPr>
+        </c:title>
+        <c:numFmt formatCode="General" sourceLinked="1"/>
+        <c:majorTickMark val="none"/>
+        <c:minorTickMark val="none"/>
+        <c:tickLblPos val="nextTo"/>
+        <c:spPr>
+          <a:noFill/>
+          <a:ln w="9525" cap="flat" cmpd="sng" algn="ctr">
+            <a:solidFill>
+              <a:schemeClr val="tx1">
+                <a:lumMod val="25000"/>
+                <a:lumOff val="75000"/>
+              </a:schemeClr>
+            </a:solidFill>
+            <a:round/>
+          </a:ln>
+          <a:effectLst/>
+        </c:spPr>
+        <c:txPr>
+          <a:bodyPr rot="-60000000" spcFirstLastPara="1" vertOverflow="ellipsis" vert="horz" wrap="square" anchor="ctr" anchorCtr="1"/>
+          <a:lstStyle/>
+          <a:p>
+            <a:pPr>
+              <a:defRPr sz="900" b="0" i="0" u="none" strike="noStrike" kern="1200" baseline="0">
+                <a:solidFill>
+                  <a:schemeClr val="tx1">
+                    <a:lumMod val="65000"/>
+                    <a:lumOff val="35000"/>
+                  </a:schemeClr>
+                </a:solidFill>
+                <a:latin typeface="+mn-lt"/>
+                <a:ea typeface="+mn-ea"/>
+                <a:cs typeface="+mn-cs"/>
+              </a:defRPr>
+            </a:pPr>
+            <a:endParaRPr lang="en-US"/>
+          </a:p>
+        </c:txPr>
+        <c:crossAx val="127464184"/>
+        <c:crosses val="autoZero"/>
+        <c:crossBetween val="midCat"/>
+      </c:valAx>
+      <c:spPr>
+        <a:noFill/>
+        <a:ln>
+          <a:noFill/>
+        </a:ln>
+        <a:effectLst/>
+      </c:spPr>
+    </c:plotArea>
     <c:plotVisOnly val="1"/>
     <c:dispBlanksAs val="gap"/>
     <c:showDLblsOverMax val="0"/>
@@ -1560,6 +3857,206 @@
 </cs:colorStyle>
 </file>
 
+<file path=ppt/charts/colors4.xml><?xml version="1.0" encoding="utf-8"?>
+<cs:colorStyle xmlns:cs="http://schemas.microsoft.com/office/drawing/2012/chartStyle" xmlns:a="http://schemas.openxmlformats.org/drawingml/2006/main" meth="cycle" id="10">
+  <a:schemeClr val="accent1"/>
+  <a:schemeClr val="accent2"/>
+  <a:schemeClr val="accent3"/>
+  <a:schemeClr val="accent4"/>
+  <a:schemeClr val="accent5"/>
+  <a:schemeClr val="accent6"/>
+  <cs:variation/>
+  <cs:variation>
+    <a:lumMod val="60000"/>
+  </cs:variation>
+  <cs:variation>
+    <a:lumMod val="80000"/>
+    <a:lumOff val="20000"/>
+  </cs:variation>
+  <cs:variation>
+    <a:lumMod val="80000"/>
+  </cs:variation>
+  <cs:variation>
+    <a:lumMod val="60000"/>
+    <a:lumOff val="40000"/>
+  </cs:variation>
+  <cs:variation>
+    <a:lumMod val="50000"/>
+  </cs:variation>
+  <cs:variation>
+    <a:lumMod val="70000"/>
+    <a:lumOff val="30000"/>
+  </cs:variation>
+  <cs:variation>
+    <a:lumMod val="70000"/>
+  </cs:variation>
+  <cs:variation>
+    <a:lumMod val="50000"/>
+    <a:lumOff val="50000"/>
+  </cs:variation>
+</cs:colorStyle>
+</file>
+
+<file path=ppt/charts/colors5.xml><?xml version="1.0" encoding="utf-8"?>
+<cs:colorStyle xmlns:cs="http://schemas.microsoft.com/office/drawing/2012/chartStyle" xmlns:a="http://schemas.openxmlformats.org/drawingml/2006/main" meth="cycle" id="10">
+  <a:schemeClr val="accent1"/>
+  <a:schemeClr val="accent2"/>
+  <a:schemeClr val="accent3"/>
+  <a:schemeClr val="accent4"/>
+  <a:schemeClr val="accent5"/>
+  <a:schemeClr val="accent6"/>
+  <cs:variation/>
+  <cs:variation>
+    <a:lumMod val="60000"/>
+  </cs:variation>
+  <cs:variation>
+    <a:lumMod val="80000"/>
+    <a:lumOff val="20000"/>
+  </cs:variation>
+  <cs:variation>
+    <a:lumMod val="80000"/>
+  </cs:variation>
+  <cs:variation>
+    <a:lumMod val="60000"/>
+    <a:lumOff val="40000"/>
+  </cs:variation>
+  <cs:variation>
+    <a:lumMod val="50000"/>
+  </cs:variation>
+  <cs:variation>
+    <a:lumMod val="70000"/>
+    <a:lumOff val="30000"/>
+  </cs:variation>
+  <cs:variation>
+    <a:lumMod val="70000"/>
+  </cs:variation>
+  <cs:variation>
+    <a:lumMod val="50000"/>
+    <a:lumOff val="50000"/>
+  </cs:variation>
+</cs:colorStyle>
+</file>
+
+<file path=ppt/charts/colors6.xml><?xml version="1.0" encoding="utf-8"?>
+<cs:colorStyle xmlns:cs="http://schemas.microsoft.com/office/drawing/2012/chartStyle" xmlns:a="http://schemas.openxmlformats.org/drawingml/2006/main" meth="cycle" id="10">
+  <a:schemeClr val="accent1"/>
+  <a:schemeClr val="accent2"/>
+  <a:schemeClr val="accent3"/>
+  <a:schemeClr val="accent4"/>
+  <a:schemeClr val="accent5"/>
+  <a:schemeClr val="accent6"/>
+  <cs:variation/>
+  <cs:variation>
+    <a:lumMod val="60000"/>
+  </cs:variation>
+  <cs:variation>
+    <a:lumMod val="80000"/>
+    <a:lumOff val="20000"/>
+  </cs:variation>
+  <cs:variation>
+    <a:lumMod val="80000"/>
+  </cs:variation>
+  <cs:variation>
+    <a:lumMod val="60000"/>
+    <a:lumOff val="40000"/>
+  </cs:variation>
+  <cs:variation>
+    <a:lumMod val="50000"/>
+  </cs:variation>
+  <cs:variation>
+    <a:lumMod val="70000"/>
+    <a:lumOff val="30000"/>
+  </cs:variation>
+  <cs:variation>
+    <a:lumMod val="70000"/>
+  </cs:variation>
+  <cs:variation>
+    <a:lumMod val="50000"/>
+    <a:lumOff val="50000"/>
+  </cs:variation>
+</cs:colorStyle>
+</file>
+
+<file path=ppt/charts/colors7.xml><?xml version="1.0" encoding="utf-8"?>
+<cs:colorStyle xmlns:cs="http://schemas.microsoft.com/office/drawing/2012/chartStyle" xmlns:a="http://schemas.openxmlformats.org/drawingml/2006/main" meth="cycle" id="10">
+  <a:schemeClr val="accent1"/>
+  <a:schemeClr val="accent2"/>
+  <a:schemeClr val="accent3"/>
+  <a:schemeClr val="accent4"/>
+  <a:schemeClr val="accent5"/>
+  <a:schemeClr val="accent6"/>
+  <cs:variation/>
+  <cs:variation>
+    <a:lumMod val="60000"/>
+  </cs:variation>
+  <cs:variation>
+    <a:lumMod val="80000"/>
+    <a:lumOff val="20000"/>
+  </cs:variation>
+  <cs:variation>
+    <a:lumMod val="80000"/>
+  </cs:variation>
+  <cs:variation>
+    <a:lumMod val="60000"/>
+    <a:lumOff val="40000"/>
+  </cs:variation>
+  <cs:variation>
+    <a:lumMod val="50000"/>
+  </cs:variation>
+  <cs:variation>
+    <a:lumMod val="70000"/>
+    <a:lumOff val="30000"/>
+  </cs:variation>
+  <cs:variation>
+    <a:lumMod val="70000"/>
+  </cs:variation>
+  <cs:variation>
+    <a:lumMod val="50000"/>
+    <a:lumOff val="50000"/>
+  </cs:variation>
+</cs:colorStyle>
+</file>
+
+<file path=ppt/charts/colors8.xml><?xml version="1.0" encoding="utf-8"?>
+<cs:colorStyle xmlns:cs="http://schemas.microsoft.com/office/drawing/2012/chartStyle" xmlns:a="http://schemas.openxmlformats.org/drawingml/2006/main" meth="cycle" id="10">
+  <a:schemeClr val="accent1"/>
+  <a:schemeClr val="accent2"/>
+  <a:schemeClr val="accent3"/>
+  <a:schemeClr val="accent4"/>
+  <a:schemeClr val="accent5"/>
+  <a:schemeClr val="accent6"/>
+  <cs:variation/>
+  <cs:variation>
+    <a:lumMod val="60000"/>
+  </cs:variation>
+  <cs:variation>
+    <a:lumMod val="80000"/>
+    <a:lumOff val="20000"/>
+  </cs:variation>
+  <cs:variation>
+    <a:lumMod val="80000"/>
+  </cs:variation>
+  <cs:variation>
+    <a:lumMod val="60000"/>
+    <a:lumOff val="40000"/>
+  </cs:variation>
+  <cs:variation>
+    <a:lumMod val="50000"/>
+  </cs:variation>
+  <cs:variation>
+    <a:lumMod val="70000"/>
+    <a:lumOff val="30000"/>
+  </cs:variation>
+  <cs:variation>
+    <a:lumMod val="70000"/>
+  </cs:variation>
+  <cs:variation>
+    <a:lumMod val="50000"/>
+    <a:lumOff val="50000"/>
+  </cs:variation>
+</cs:colorStyle>
+</file>
+
 <file path=ppt/charts/style1.xml><?xml version="1.0" encoding="utf-8"?>
 <cs:chartStyle xmlns:cs="http://schemas.microsoft.com/office/drawing/2012/chartStyle" xmlns:a="http://schemas.openxmlformats.org/drawingml/2006/main" id="240">
   <cs:axisTitle>
@@ -3106,6 +5603,3308 @@
     </cs:spPr>
   </cs:wall>
 </cs:chartStyle>
+</file>
+
+<file path=ppt/charts/style4.xml><?xml version="1.0" encoding="utf-8"?>
+<cs:chartStyle xmlns:cs="http://schemas.microsoft.com/office/drawing/2012/chartStyle" xmlns:a="http://schemas.openxmlformats.org/drawingml/2006/main" id="240">
+  <cs:axisTitle>
+    <cs:lnRef idx="0"/>
+    <cs:fillRef idx="0"/>
+    <cs:effectRef idx="0"/>
+    <cs:fontRef idx="minor">
+      <a:schemeClr val="tx1">
+        <a:lumMod val="65000"/>
+        <a:lumOff val="35000"/>
+      </a:schemeClr>
+    </cs:fontRef>
+    <cs:defRPr sz="1000" kern="1200"/>
+  </cs:axisTitle>
+  <cs:categoryAxis>
+    <cs:lnRef idx="0"/>
+    <cs:fillRef idx="0"/>
+    <cs:effectRef idx="0"/>
+    <cs:fontRef idx="minor">
+      <a:schemeClr val="tx1">
+        <a:lumMod val="65000"/>
+        <a:lumOff val="35000"/>
+      </a:schemeClr>
+    </cs:fontRef>
+    <cs:spPr>
+      <a:ln w="9525" cap="flat" cmpd="sng" algn="ctr">
+        <a:solidFill>
+          <a:schemeClr val="tx1">
+            <a:lumMod val="25000"/>
+            <a:lumOff val="75000"/>
+          </a:schemeClr>
+        </a:solidFill>
+        <a:round/>
+      </a:ln>
+    </cs:spPr>
+    <cs:defRPr sz="900" kern="1200"/>
+  </cs:categoryAxis>
+  <cs:chartArea mods="allowNoFillOverride allowNoLineOverride">
+    <cs:lnRef idx="0"/>
+    <cs:fillRef idx="0"/>
+    <cs:effectRef idx="0"/>
+    <cs:fontRef idx="minor">
+      <a:schemeClr val="tx1"/>
+    </cs:fontRef>
+    <cs:spPr>
+      <a:solidFill>
+        <a:schemeClr val="bg1"/>
+      </a:solidFill>
+      <a:ln w="9525" cap="flat" cmpd="sng" algn="ctr">
+        <a:solidFill>
+          <a:schemeClr val="tx1">
+            <a:lumMod val="15000"/>
+            <a:lumOff val="85000"/>
+          </a:schemeClr>
+        </a:solidFill>
+        <a:round/>
+      </a:ln>
+    </cs:spPr>
+    <cs:defRPr sz="1000" kern="1200"/>
+  </cs:chartArea>
+  <cs:dataLabel>
+    <cs:lnRef idx="0"/>
+    <cs:fillRef idx="0"/>
+    <cs:effectRef idx="0"/>
+    <cs:fontRef idx="minor">
+      <a:schemeClr val="tx1">
+        <a:lumMod val="75000"/>
+        <a:lumOff val="25000"/>
+      </a:schemeClr>
+    </cs:fontRef>
+    <cs:defRPr sz="900" kern="1200"/>
+  </cs:dataLabel>
+  <cs:dataLabelCallout>
+    <cs:lnRef idx="0"/>
+    <cs:fillRef idx="0"/>
+    <cs:effectRef idx="0"/>
+    <cs:fontRef idx="minor">
+      <a:schemeClr val="dk1">
+        <a:lumMod val="65000"/>
+        <a:lumOff val="35000"/>
+      </a:schemeClr>
+    </cs:fontRef>
+    <cs:spPr>
+      <a:solidFill>
+        <a:schemeClr val="lt1"/>
+      </a:solidFill>
+      <a:ln>
+        <a:solidFill>
+          <a:schemeClr val="dk1">
+            <a:lumMod val="25000"/>
+            <a:lumOff val="75000"/>
+          </a:schemeClr>
+        </a:solidFill>
+      </a:ln>
+    </cs:spPr>
+    <cs:defRPr sz="900" kern="1200"/>
+    <cs:bodyPr rot="0" spcFirstLastPara="1" vertOverflow="clip" horzOverflow="clip" vert="horz" wrap="square" lIns="36576" tIns="18288" rIns="36576" bIns="18288" anchor="ctr" anchorCtr="1">
+      <a:spAutoFit/>
+    </cs:bodyPr>
+  </cs:dataLabelCallout>
+  <cs:dataPoint>
+    <cs:lnRef idx="0"/>
+    <cs:fillRef idx="1">
+      <cs:styleClr val="auto"/>
+    </cs:fillRef>
+    <cs:effectRef idx="0"/>
+    <cs:fontRef idx="minor">
+      <a:schemeClr val="tx1"/>
+    </cs:fontRef>
+  </cs:dataPoint>
+  <cs:dataPoint3D>
+    <cs:lnRef idx="0"/>
+    <cs:fillRef idx="1">
+      <cs:styleClr val="auto"/>
+    </cs:fillRef>
+    <cs:effectRef idx="0"/>
+    <cs:fontRef idx="minor">
+      <a:schemeClr val="tx1"/>
+    </cs:fontRef>
+  </cs:dataPoint3D>
+  <cs:dataPointLine>
+    <cs:lnRef idx="0">
+      <cs:styleClr val="auto"/>
+    </cs:lnRef>
+    <cs:fillRef idx="1"/>
+    <cs:effectRef idx="0"/>
+    <cs:fontRef idx="minor">
+      <a:schemeClr val="tx1"/>
+    </cs:fontRef>
+    <cs:spPr>
+      <a:ln w="19050" cap="rnd">
+        <a:solidFill>
+          <a:schemeClr val="phClr"/>
+        </a:solidFill>
+        <a:round/>
+      </a:ln>
+    </cs:spPr>
+  </cs:dataPointLine>
+  <cs:dataPointMarker>
+    <cs:lnRef idx="0">
+      <cs:styleClr val="auto"/>
+    </cs:lnRef>
+    <cs:fillRef idx="1">
+      <cs:styleClr val="auto"/>
+    </cs:fillRef>
+    <cs:effectRef idx="0"/>
+    <cs:fontRef idx="minor">
+      <a:schemeClr val="tx1"/>
+    </cs:fontRef>
+    <cs:spPr>
+      <a:ln w="9525">
+        <a:solidFill>
+          <a:schemeClr val="phClr"/>
+        </a:solidFill>
+      </a:ln>
+    </cs:spPr>
+  </cs:dataPointMarker>
+  <cs:dataPointMarkerLayout symbol="circle" size="5"/>
+  <cs:dataPointWireframe>
+    <cs:lnRef idx="0">
+      <cs:styleClr val="auto"/>
+    </cs:lnRef>
+    <cs:fillRef idx="0"/>
+    <cs:effectRef idx="0"/>
+    <cs:fontRef idx="minor">
+      <a:schemeClr val="dk1"/>
+    </cs:fontRef>
+    <cs:spPr>
+      <a:ln w="9525" cap="rnd">
+        <a:solidFill>
+          <a:schemeClr val="phClr"/>
+        </a:solidFill>
+        <a:round/>
+      </a:ln>
+    </cs:spPr>
+  </cs:dataPointWireframe>
+  <cs:dataTable>
+    <cs:lnRef idx="0"/>
+    <cs:fillRef idx="0"/>
+    <cs:effectRef idx="0"/>
+    <cs:fontRef idx="minor">
+      <a:schemeClr val="tx1">
+        <a:lumMod val="65000"/>
+        <a:lumOff val="35000"/>
+      </a:schemeClr>
+    </cs:fontRef>
+    <cs:spPr>
+      <a:noFill/>
+      <a:ln w="9525" cap="flat" cmpd="sng" algn="ctr">
+        <a:solidFill>
+          <a:schemeClr val="tx1">
+            <a:lumMod val="15000"/>
+            <a:lumOff val="85000"/>
+          </a:schemeClr>
+        </a:solidFill>
+        <a:round/>
+      </a:ln>
+    </cs:spPr>
+    <cs:defRPr sz="900" kern="1200"/>
+  </cs:dataTable>
+  <cs:downBar>
+    <cs:lnRef idx="0"/>
+    <cs:fillRef idx="0"/>
+    <cs:effectRef idx="0"/>
+    <cs:fontRef idx="minor">
+      <a:schemeClr val="tx1"/>
+    </cs:fontRef>
+    <cs:spPr>
+      <a:solidFill>
+        <a:schemeClr val="dk1">
+          <a:lumMod val="75000"/>
+          <a:lumOff val="25000"/>
+        </a:schemeClr>
+      </a:solidFill>
+      <a:ln w="9525" cap="flat" cmpd="sng" algn="ctr">
+        <a:solidFill>
+          <a:schemeClr val="tx1">
+            <a:lumMod val="65000"/>
+            <a:lumOff val="35000"/>
+          </a:schemeClr>
+        </a:solidFill>
+        <a:round/>
+      </a:ln>
+    </cs:spPr>
+  </cs:downBar>
+  <cs:dropLine>
+    <cs:lnRef idx="0"/>
+    <cs:fillRef idx="0"/>
+    <cs:effectRef idx="0"/>
+    <cs:fontRef idx="minor">
+      <a:schemeClr val="tx1"/>
+    </cs:fontRef>
+    <cs:spPr>
+      <a:ln w="9525" cap="flat" cmpd="sng" algn="ctr">
+        <a:solidFill>
+          <a:schemeClr val="tx1">
+            <a:lumMod val="35000"/>
+            <a:lumOff val="65000"/>
+          </a:schemeClr>
+        </a:solidFill>
+        <a:round/>
+      </a:ln>
+    </cs:spPr>
+  </cs:dropLine>
+  <cs:errorBar>
+    <cs:lnRef idx="0"/>
+    <cs:fillRef idx="0"/>
+    <cs:effectRef idx="0"/>
+    <cs:fontRef idx="minor">
+      <a:schemeClr val="tx1"/>
+    </cs:fontRef>
+    <cs:spPr>
+      <a:ln w="9525" cap="flat" cmpd="sng" algn="ctr">
+        <a:solidFill>
+          <a:schemeClr val="tx1">
+            <a:lumMod val="65000"/>
+            <a:lumOff val="35000"/>
+          </a:schemeClr>
+        </a:solidFill>
+        <a:round/>
+      </a:ln>
+    </cs:spPr>
+  </cs:errorBar>
+  <cs:floor>
+    <cs:lnRef idx="0"/>
+    <cs:fillRef idx="0"/>
+    <cs:effectRef idx="0"/>
+    <cs:fontRef idx="minor">
+      <a:schemeClr val="tx1"/>
+    </cs:fontRef>
+    <cs:spPr>
+      <a:noFill/>
+      <a:ln>
+        <a:noFill/>
+      </a:ln>
+    </cs:spPr>
+  </cs:floor>
+  <cs:gridlineMajor>
+    <cs:lnRef idx="0"/>
+    <cs:fillRef idx="0"/>
+    <cs:effectRef idx="0"/>
+    <cs:fontRef idx="minor">
+      <a:schemeClr val="tx1"/>
+    </cs:fontRef>
+    <cs:spPr>
+      <a:ln w="9525" cap="flat" cmpd="sng" algn="ctr">
+        <a:solidFill>
+          <a:schemeClr val="tx1">
+            <a:lumMod val="15000"/>
+            <a:lumOff val="85000"/>
+          </a:schemeClr>
+        </a:solidFill>
+        <a:round/>
+      </a:ln>
+    </cs:spPr>
+  </cs:gridlineMajor>
+  <cs:gridlineMinor>
+    <cs:lnRef idx="0"/>
+    <cs:fillRef idx="0"/>
+    <cs:effectRef idx="0"/>
+    <cs:fontRef idx="minor">
+      <a:schemeClr val="tx1"/>
+    </cs:fontRef>
+    <cs:spPr>
+      <a:ln w="9525" cap="flat" cmpd="sng" algn="ctr">
+        <a:solidFill>
+          <a:schemeClr val="tx1">
+            <a:lumMod val="5000"/>
+            <a:lumOff val="95000"/>
+          </a:schemeClr>
+        </a:solidFill>
+        <a:round/>
+      </a:ln>
+    </cs:spPr>
+  </cs:gridlineMinor>
+  <cs:hiLoLine>
+    <cs:lnRef idx="0"/>
+    <cs:fillRef idx="0"/>
+    <cs:effectRef idx="0"/>
+    <cs:fontRef idx="minor">
+      <a:schemeClr val="tx1"/>
+    </cs:fontRef>
+    <cs:spPr>
+      <a:ln w="9525" cap="flat" cmpd="sng" algn="ctr">
+        <a:solidFill>
+          <a:schemeClr val="tx1">
+            <a:lumMod val="50000"/>
+            <a:lumOff val="50000"/>
+          </a:schemeClr>
+        </a:solidFill>
+        <a:round/>
+      </a:ln>
+    </cs:spPr>
+  </cs:hiLoLine>
+  <cs:leaderLine>
+    <cs:lnRef idx="0"/>
+    <cs:fillRef idx="0"/>
+    <cs:effectRef idx="0"/>
+    <cs:fontRef idx="minor">
+      <a:schemeClr val="tx1"/>
+    </cs:fontRef>
+    <cs:spPr>
+      <a:ln w="9525" cap="flat" cmpd="sng" algn="ctr">
+        <a:solidFill>
+          <a:schemeClr val="tx1">
+            <a:lumMod val="35000"/>
+            <a:lumOff val="65000"/>
+          </a:schemeClr>
+        </a:solidFill>
+        <a:round/>
+      </a:ln>
+    </cs:spPr>
+  </cs:leaderLine>
+  <cs:legend>
+    <cs:lnRef idx="0"/>
+    <cs:fillRef idx="0"/>
+    <cs:effectRef idx="0"/>
+    <cs:fontRef idx="minor">
+      <a:schemeClr val="tx1">
+        <a:lumMod val="65000"/>
+        <a:lumOff val="35000"/>
+      </a:schemeClr>
+    </cs:fontRef>
+    <cs:defRPr sz="900" kern="1200"/>
+  </cs:legend>
+  <cs:plotArea mods="allowNoFillOverride allowNoLineOverride">
+    <cs:lnRef idx="0"/>
+    <cs:fillRef idx="0"/>
+    <cs:effectRef idx="0"/>
+    <cs:fontRef idx="minor">
+      <a:schemeClr val="tx1"/>
+    </cs:fontRef>
+  </cs:plotArea>
+  <cs:plotArea3D mods="allowNoFillOverride allowNoLineOverride">
+    <cs:lnRef idx="0"/>
+    <cs:fillRef idx="0"/>
+    <cs:effectRef idx="0"/>
+    <cs:fontRef idx="minor">
+      <a:schemeClr val="tx1"/>
+    </cs:fontRef>
+  </cs:plotArea3D>
+  <cs:seriesAxis>
+    <cs:lnRef idx="0"/>
+    <cs:fillRef idx="0"/>
+    <cs:effectRef idx="0"/>
+    <cs:fontRef idx="minor">
+      <a:schemeClr val="tx1">
+        <a:lumMod val="65000"/>
+        <a:lumOff val="35000"/>
+      </a:schemeClr>
+    </cs:fontRef>
+    <cs:defRPr sz="900" kern="1200"/>
+  </cs:seriesAxis>
+  <cs:seriesLine>
+    <cs:lnRef idx="0"/>
+    <cs:fillRef idx="0"/>
+    <cs:effectRef idx="0"/>
+    <cs:fontRef idx="minor">
+      <a:schemeClr val="tx1"/>
+    </cs:fontRef>
+    <cs:spPr>
+      <a:ln w="9525" cap="flat" cmpd="sng" algn="ctr">
+        <a:solidFill>
+          <a:schemeClr val="tx1">
+            <a:lumMod val="35000"/>
+            <a:lumOff val="65000"/>
+          </a:schemeClr>
+        </a:solidFill>
+        <a:round/>
+      </a:ln>
+    </cs:spPr>
+  </cs:seriesLine>
+  <cs:title>
+    <cs:lnRef idx="0"/>
+    <cs:fillRef idx="0"/>
+    <cs:effectRef idx="0"/>
+    <cs:fontRef idx="minor">
+      <a:schemeClr val="tx1">
+        <a:lumMod val="65000"/>
+        <a:lumOff val="35000"/>
+      </a:schemeClr>
+    </cs:fontRef>
+    <cs:defRPr sz="1400" b="0" kern="1200" spc="0" baseline="0"/>
+  </cs:title>
+  <cs:trendline>
+    <cs:lnRef idx="0">
+      <cs:styleClr val="auto"/>
+    </cs:lnRef>
+    <cs:fillRef idx="0"/>
+    <cs:effectRef idx="0"/>
+    <cs:fontRef idx="minor">
+      <a:schemeClr val="tx1"/>
+    </cs:fontRef>
+    <cs:spPr>
+      <a:ln w="19050" cap="rnd">
+        <a:solidFill>
+          <a:schemeClr val="phClr"/>
+        </a:solidFill>
+        <a:prstDash val="sysDot"/>
+      </a:ln>
+    </cs:spPr>
+  </cs:trendline>
+  <cs:trendlineLabel>
+    <cs:lnRef idx="0"/>
+    <cs:fillRef idx="0"/>
+    <cs:effectRef idx="0"/>
+    <cs:fontRef idx="minor">
+      <a:schemeClr val="tx1">
+        <a:lumMod val="65000"/>
+        <a:lumOff val="35000"/>
+      </a:schemeClr>
+    </cs:fontRef>
+    <cs:defRPr sz="900" kern="1200"/>
+  </cs:trendlineLabel>
+  <cs:upBar>
+    <cs:lnRef idx="0"/>
+    <cs:fillRef idx="0"/>
+    <cs:effectRef idx="0"/>
+    <cs:fontRef idx="minor">
+      <a:schemeClr val="tx1"/>
+    </cs:fontRef>
+    <cs:spPr>
+      <a:solidFill>
+        <a:schemeClr val="lt1"/>
+      </a:solidFill>
+      <a:ln w="9525" cap="flat" cmpd="sng" algn="ctr">
+        <a:solidFill>
+          <a:schemeClr val="tx1">
+            <a:lumMod val="65000"/>
+            <a:lumOff val="35000"/>
+          </a:schemeClr>
+        </a:solidFill>
+        <a:round/>
+      </a:ln>
+    </cs:spPr>
+  </cs:upBar>
+  <cs:valueAxis>
+    <cs:lnRef idx="0"/>
+    <cs:fillRef idx="0"/>
+    <cs:effectRef idx="0"/>
+    <cs:fontRef idx="minor">
+      <a:schemeClr val="tx1">
+        <a:lumMod val="65000"/>
+        <a:lumOff val="35000"/>
+      </a:schemeClr>
+    </cs:fontRef>
+    <cs:spPr>
+      <a:ln w="9525" cap="flat" cmpd="sng" algn="ctr">
+        <a:solidFill>
+          <a:schemeClr val="tx1">
+            <a:lumMod val="25000"/>
+            <a:lumOff val="75000"/>
+          </a:schemeClr>
+        </a:solidFill>
+        <a:round/>
+      </a:ln>
+    </cs:spPr>
+    <cs:defRPr sz="900" kern="1200"/>
+  </cs:valueAxis>
+  <cs:wall>
+    <cs:lnRef idx="0"/>
+    <cs:fillRef idx="0"/>
+    <cs:effectRef idx="0"/>
+    <cs:fontRef idx="minor">
+      <a:schemeClr val="tx1"/>
+    </cs:fontRef>
+    <cs:spPr>
+      <a:noFill/>
+      <a:ln>
+        <a:noFill/>
+      </a:ln>
+    </cs:spPr>
+  </cs:wall>
+</cs:chartStyle>
+</file>
+
+<file path=ppt/charts/style5.xml><?xml version="1.0" encoding="utf-8"?>
+<cs:chartStyle xmlns:cs="http://schemas.microsoft.com/office/drawing/2012/chartStyle" xmlns:a="http://schemas.openxmlformats.org/drawingml/2006/main" id="240">
+  <cs:axisTitle>
+    <cs:lnRef idx="0"/>
+    <cs:fillRef idx="0"/>
+    <cs:effectRef idx="0"/>
+    <cs:fontRef idx="minor">
+      <a:schemeClr val="tx1">
+        <a:lumMod val="65000"/>
+        <a:lumOff val="35000"/>
+      </a:schemeClr>
+    </cs:fontRef>
+    <cs:defRPr sz="1000" kern="1200"/>
+  </cs:axisTitle>
+  <cs:categoryAxis>
+    <cs:lnRef idx="0"/>
+    <cs:fillRef idx="0"/>
+    <cs:effectRef idx="0"/>
+    <cs:fontRef idx="minor">
+      <a:schemeClr val="tx1">
+        <a:lumMod val="65000"/>
+        <a:lumOff val="35000"/>
+      </a:schemeClr>
+    </cs:fontRef>
+    <cs:spPr>
+      <a:ln w="9525" cap="flat" cmpd="sng" algn="ctr">
+        <a:solidFill>
+          <a:schemeClr val="tx1">
+            <a:lumMod val="25000"/>
+            <a:lumOff val="75000"/>
+          </a:schemeClr>
+        </a:solidFill>
+        <a:round/>
+      </a:ln>
+    </cs:spPr>
+    <cs:defRPr sz="900" kern="1200"/>
+  </cs:categoryAxis>
+  <cs:chartArea mods="allowNoFillOverride allowNoLineOverride">
+    <cs:lnRef idx="0"/>
+    <cs:fillRef idx="0"/>
+    <cs:effectRef idx="0"/>
+    <cs:fontRef idx="minor">
+      <a:schemeClr val="tx1"/>
+    </cs:fontRef>
+    <cs:spPr>
+      <a:solidFill>
+        <a:schemeClr val="bg1"/>
+      </a:solidFill>
+      <a:ln w="9525" cap="flat" cmpd="sng" algn="ctr">
+        <a:solidFill>
+          <a:schemeClr val="tx1">
+            <a:lumMod val="15000"/>
+            <a:lumOff val="85000"/>
+          </a:schemeClr>
+        </a:solidFill>
+        <a:round/>
+      </a:ln>
+    </cs:spPr>
+    <cs:defRPr sz="1000" kern="1200"/>
+  </cs:chartArea>
+  <cs:dataLabel>
+    <cs:lnRef idx="0"/>
+    <cs:fillRef idx="0"/>
+    <cs:effectRef idx="0"/>
+    <cs:fontRef idx="minor">
+      <a:schemeClr val="tx1">
+        <a:lumMod val="75000"/>
+        <a:lumOff val="25000"/>
+      </a:schemeClr>
+    </cs:fontRef>
+    <cs:defRPr sz="900" kern="1200"/>
+  </cs:dataLabel>
+  <cs:dataLabelCallout>
+    <cs:lnRef idx="0"/>
+    <cs:fillRef idx="0"/>
+    <cs:effectRef idx="0"/>
+    <cs:fontRef idx="minor">
+      <a:schemeClr val="dk1">
+        <a:lumMod val="65000"/>
+        <a:lumOff val="35000"/>
+      </a:schemeClr>
+    </cs:fontRef>
+    <cs:spPr>
+      <a:solidFill>
+        <a:schemeClr val="lt1"/>
+      </a:solidFill>
+      <a:ln>
+        <a:solidFill>
+          <a:schemeClr val="dk1">
+            <a:lumMod val="25000"/>
+            <a:lumOff val="75000"/>
+          </a:schemeClr>
+        </a:solidFill>
+      </a:ln>
+    </cs:spPr>
+    <cs:defRPr sz="900" kern="1200"/>
+    <cs:bodyPr rot="0" spcFirstLastPara="1" vertOverflow="clip" horzOverflow="clip" vert="horz" wrap="square" lIns="36576" tIns="18288" rIns="36576" bIns="18288" anchor="ctr" anchorCtr="1">
+      <a:spAutoFit/>
+    </cs:bodyPr>
+  </cs:dataLabelCallout>
+  <cs:dataPoint>
+    <cs:lnRef idx="0"/>
+    <cs:fillRef idx="1">
+      <cs:styleClr val="auto"/>
+    </cs:fillRef>
+    <cs:effectRef idx="0"/>
+    <cs:fontRef idx="minor">
+      <a:schemeClr val="tx1"/>
+    </cs:fontRef>
+  </cs:dataPoint>
+  <cs:dataPoint3D>
+    <cs:lnRef idx="0"/>
+    <cs:fillRef idx="1">
+      <cs:styleClr val="auto"/>
+    </cs:fillRef>
+    <cs:effectRef idx="0"/>
+    <cs:fontRef idx="minor">
+      <a:schemeClr val="tx1"/>
+    </cs:fontRef>
+  </cs:dataPoint3D>
+  <cs:dataPointLine>
+    <cs:lnRef idx="0">
+      <cs:styleClr val="auto"/>
+    </cs:lnRef>
+    <cs:fillRef idx="1"/>
+    <cs:effectRef idx="0"/>
+    <cs:fontRef idx="minor">
+      <a:schemeClr val="tx1"/>
+    </cs:fontRef>
+    <cs:spPr>
+      <a:ln w="19050" cap="rnd">
+        <a:solidFill>
+          <a:schemeClr val="phClr"/>
+        </a:solidFill>
+        <a:round/>
+      </a:ln>
+    </cs:spPr>
+  </cs:dataPointLine>
+  <cs:dataPointMarker>
+    <cs:lnRef idx="0">
+      <cs:styleClr val="auto"/>
+    </cs:lnRef>
+    <cs:fillRef idx="1">
+      <cs:styleClr val="auto"/>
+    </cs:fillRef>
+    <cs:effectRef idx="0"/>
+    <cs:fontRef idx="minor">
+      <a:schemeClr val="tx1"/>
+    </cs:fontRef>
+    <cs:spPr>
+      <a:ln w="9525">
+        <a:solidFill>
+          <a:schemeClr val="phClr"/>
+        </a:solidFill>
+      </a:ln>
+    </cs:spPr>
+  </cs:dataPointMarker>
+  <cs:dataPointMarkerLayout symbol="circle" size="5"/>
+  <cs:dataPointWireframe>
+    <cs:lnRef idx="0">
+      <cs:styleClr val="auto"/>
+    </cs:lnRef>
+    <cs:fillRef idx="0"/>
+    <cs:effectRef idx="0"/>
+    <cs:fontRef idx="minor">
+      <a:schemeClr val="dk1"/>
+    </cs:fontRef>
+    <cs:spPr>
+      <a:ln w="9525" cap="rnd">
+        <a:solidFill>
+          <a:schemeClr val="phClr"/>
+        </a:solidFill>
+        <a:round/>
+      </a:ln>
+    </cs:spPr>
+  </cs:dataPointWireframe>
+  <cs:dataTable>
+    <cs:lnRef idx="0"/>
+    <cs:fillRef idx="0"/>
+    <cs:effectRef idx="0"/>
+    <cs:fontRef idx="minor">
+      <a:schemeClr val="tx1">
+        <a:lumMod val="65000"/>
+        <a:lumOff val="35000"/>
+      </a:schemeClr>
+    </cs:fontRef>
+    <cs:spPr>
+      <a:noFill/>
+      <a:ln w="9525" cap="flat" cmpd="sng" algn="ctr">
+        <a:solidFill>
+          <a:schemeClr val="tx1">
+            <a:lumMod val="15000"/>
+            <a:lumOff val="85000"/>
+          </a:schemeClr>
+        </a:solidFill>
+        <a:round/>
+      </a:ln>
+    </cs:spPr>
+    <cs:defRPr sz="900" kern="1200"/>
+  </cs:dataTable>
+  <cs:downBar>
+    <cs:lnRef idx="0"/>
+    <cs:fillRef idx="0"/>
+    <cs:effectRef idx="0"/>
+    <cs:fontRef idx="minor">
+      <a:schemeClr val="tx1"/>
+    </cs:fontRef>
+    <cs:spPr>
+      <a:solidFill>
+        <a:schemeClr val="dk1">
+          <a:lumMod val="75000"/>
+          <a:lumOff val="25000"/>
+        </a:schemeClr>
+      </a:solidFill>
+      <a:ln w="9525" cap="flat" cmpd="sng" algn="ctr">
+        <a:solidFill>
+          <a:schemeClr val="tx1">
+            <a:lumMod val="65000"/>
+            <a:lumOff val="35000"/>
+          </a:schemeClr>
+        </a:solidFill>
+        <a:round/>
+      </a:ln>
+    </cs:spPr>
+  </cs:downBar>
+  <cs:dropLine>
+    <cs:lnRef idx="0"/>
+    <cs:fillRef idx="0"/>
+    <cs:effectRef idx="0"/>
+    <cs:fontRef idx="minor">
+      <a:schemeClr val="tx1"/>
+    </cs:fontRef>
+    <cs:spPr>
+      <a:ln w="9525" cap="flat" cmpd="sng" algn="ctr">
+        <a:solidFill>
+          <a:schemeClr val="tx1">
+            <a:lumMod val="35000"/>
+            <a:lumOff val="65000"/>
+          </a:schemeClr>
+        </a:solidFill>
+        <a:round/>
+      </a:ln>
+    </cs:spPr>
+  </cs:dropLine>
+  <cs:errorBar>
+    <cs:lnRef idx="0"/>
+    <cs:fillRef idx="0"/>
+    <cs:effectRef idx="0"/>
+    <cs:fontRef idx="minor">
+      <a:schemeClr val="tx1"/>
+    </cs:fontRef>
+    <cs:spPr>
+      <a:ln w="9525" cap="flat" cmpd="sng" algn="ctr">
+        <a:solidFill>
+          <a:schemeClr val="tx1">
+            <a:lumMod val="65000"/>
+            <a:lumOff val="35000"/>
+          </a:schemeClr>
+        </a:solidFill>
+        <a:round/>
+      </a:ln>
+    </cs:spPr>
+  </cs:errorBar>
+  <cs:floor>
+    <cs:lnRef idx="0"/>
+    <cs:fillRef idx="0"/>
+    <cs:effectRef idx="0"/>
+    <cs:fontRef idx="minor">
+      <a:schemeClr val="tx1"/>
+    </cs:fontRef>
+    <cs:spPr>
+      <a:noFill/>
+      <a:ln>
+        <a:noFill/>
+      </a:ln>
+    </cs:spPr>
+  </cs:floor>
+  <cs:gridlineMajor>
+    <cs:lnRef idx="0"/>
+    <cs:fillRef idx="0"/>
+    <cs:effectRef idx="0"/>
+    <cs:fontRef idx="minor">
+      <a:schemeClr val="tx1"/>
+    </cs:fontRef>
+    <cs:spPr>
+      <a:ln w="9525" cap="flat" cmpd="sng" algn="ctr">
+        <a:solidFill>
+          <a:schemeClr val="tx1">
+            <a:lumMod val="15000"/>
+            <a:lumOff val="85000"/>
+          </a:schemeClr>
+        </a:solidFill>
+        <a:round/>
+      </a:ln>
+    </cs:spPr>
+  </cs:gridlineMajor>
+  <cs:gridlineMinor>
+    <cs:lnRef idx="0"/>
+    <cs:fillRef idx="0"/>
+    <cs:effectRef idx="0"/>
+    <cs:fontRef idx="minor">
+      <a:schemeClr val="tx1"/>
+    </cs:fontRef>
+    <cs:spPr>
+      <a:ln w="9525" cap="flat" cmpd="sng" algn="ctr">
+        <a:solidFill>
+          <a:schemeClr val="tx1">
+            <a:lumMod val="5000"/>
+            <a:lumOff val="95000"/>
+          </a:schemeClr>
+        </a:solidFill>
+        <a:round/>
+      </a:ln>
+    </cs:spPr>
+  </cs:gridlineMinor>
+  <cs:hiLoLine>
+    <cs:lnRef idx="0"/>
+    <cs:fillRef idx="0"/>
+    <cs:effectRef idx="0"/>
+    <cs:fontRef idx="minor">
+      <a:schemeClr val="tx1"/>
+    </cs:fontRef>
+    <cs:spPr>
+      <a:ln w="9525" cap="flat" cmpd="sng" algn="ctr">
+        <a:solidFill>
+          <a:schemeClr val="tx1">
+            <a:lumMod val="50000"/>
+            <a:lumOff val="50000"/>
+          </a:schemeClr>
+        </a:solidFill>
+        <a:round/>
+      </a:ln>
+    </cs:spPr>
+  </cs:hiLoLine>
+  <cs:leaderLine>
+    <cs:lnRef idx="0"/>
+    <cs:fillRef idx="0"/>
+    <cs:effectRef idx="0"/>
+    <cs:fontRef idx="minor">
+      <a:schemeClr val="tx1"/>
+    </cs:fontRef>
+    <cs:spPr>
+      <a:ln w="9525" cap="flat" cmpd="sng" algn="ctr">
+        <a:solidFill>
+          <a:schemeClr val="tx1">
+            <a:lumMod val="35000"/>
+            <a:lumOff val="65000"/>
+          </a:schemeClr>
+        </a:solidFill>
+        <a:round/>
+      </a:ln>
+    </cs:spPr>
+  </cs:leaderLine>
+  <cs:legend>
+    <cs:lnRef idx="0"/>
+    <cs:fillRef idx="0"/>
+    <cs:effectRef idx="0"/>
+    <cs:fontRef idx="minor">
+      <a:schemeClr val="tx1">
+        <a:lumMod val="65000"/>
+        <a:lumOff val="35000"/>
+      </a:schemeClr>
+    </cs:fontRef>
+    <cs:defRPr sz="900" kern="1200"/>
+  </cs:legend>
+  <cs:plotArea mods="allowNoFillOverride allowNoLineOverride">
+    <cs:lnRef idx="0"/>
+    <cs:fillRef idx="0"/>
+    <cs:effectRef idx="0"/>
+    <cs:fontRef idx="minor">
+      <a:schemeClr val="tx1"/>
+    </cs:fontRef>
+  </cs:plotArea>
+  <cs:plotArea3D mods="allowNoFillOverride allowNoLineOverride">
+    <cs:lnRef idx="0"/>
+    <cs:fillRef idx="0"/>
+    <cs:effectRef idx="0"/>
+    <cs:fontRef idx="minor">
+      <a:schemeClr val="tx1"/>
+    </cs:fontRef>
+  </cs:plotArea3D>
+  <cs:seriesAxis>
+    <cs:lnRef idx="0"/>
+    <cs:fillRef idx="0"/>
+    <cs:effectRef idx="0"/>
+    <cs:fontRef idx="minor">
+      <a:schemeClr val="tx1">
+        <a:lumMod val="65000"/>
+        <a:lumOff val="35000"/>
+      </a:schemeClr>
+    </cs:fontRef>
+    <cs:defRPr sz="900" kern="1200"/>
+  </cs:seriesAxis>
+  <cs:seriesLine>
+    <cs:lnRef idx="0"/>
+    <cs:fillRef idx="0"/>
+    <cs:effectRef idx="0"/>
+    <cs:fontRef idx="minor">
+      <a:schemeClr val="tx1"/>
+    </cs:fontRef>
+    <cs:spPr>
+      <a:ln w="9525" cap="flat" cmpd="sng" algn="ctr">
+        <a:solidFill>
+          <a:schemeClr val="tx1">
+            <a:lumMod val="35000"/>
+            <a:lumOff val="65000"/>
+          </a:schemeClr>
+        </a:solidFill>
+        <a:round/>
+      </a:ln>
+    </cs:spPr>
+  </cs:seriesLine>
+  <cs:title>
+    <cs:lnRef idx="0"/>
+    <cs:fillRef idx="0"/>
+    <cs:effectRef idx="0"/>
+    <cs:fontRef idx="minor">
+      <a:schemeClr val="tx1">
+        <a:lumMod val="65000"/>
+        <a:lumOff val="35000"/>
+      </a:schemeClr>
+    </cs:fontRef>
+    <cs:defRPr sz="1400" b="0" kern="1200" spc="0" baseline="0"/>
+  </cs:title>
+  <cs:trendline>
+    <cs:lnRef idx="0">
+      <cs:styleClr val="auto"/>
+    </cs:lnRef>
+    <cs:fillRef idx="0"/>
+    <cs:effectRef idx="0"/>
+    <cs:fontRef idx="minor">
+      <a:schemeClr val="tx1"/>
+    </cs:fontRef>
+    <cs:spPr>
+      <a:ln w="19050" cap="rnd">
+        <a:solidFill>
+          <a:schemeClr val="phClr"/>
+        </a:solidFill>
+        <a:prstDash val="sysDot"/>
+      </a:ln>
+    </cs:spPr>
+  </cs:trendline>
+  <cs:trendlineLabel>
+    <cs:lnRef idx="0"/>
+    <cs:fillRef idx="0"/>
+    <cs:effectRef idx="0"/>
+    <cs:fontRef idx="minor">
+      <a:schemeClr val="tx1">
+        <a:lumMod val="65000"/>
+        <a:lumOff val="35000"/>
+      </a:schemeClr>
+    </cs:fontRef>
+    <cs:defRPr sz="900" kern="1200"/>
+  </cs:trendlineLabel>
+  <cs:upBar>
+    <cs:lnRef idx="0"/>
+    <cs:fillRef idx="0"/>
+    <cs:effectRef idx="0"/>
+    <cs:fontRef idx="minor">
+      <a:schemeClr val="tx1"/>
+    </cs:fontRef>
+    <cs:spPr>
+      <a:solidFill>
+        <a:schemeClr val="lt1"/>
+      </a:solidFill>
+      <a:ln w="9525" cap="flat" cmpd="sng" algn="ctr">
+        <a:solidFill>
+          <a:schemeClr val="tx1">
+            <a:lumMod val="65000"/>
+            <a:lumOff val="35000"/>
+          </a:schemeClr>
+        </a:solidFill>
+        <a:round/>
+      </a:ln>
+    </cs:spPr>
+  </cs:upBar>
+  <cs:valueAxis>
+    <cs:lnRef idx="0"/>
+    <cs:fillRef idx="0"/>
+    <cs:effectRef idx="0"/>
+    <cs:fontRef idx="minor">
+      <a:schemeClr val="tx1">
+        <a:lumMod val="65000"/>
+        <a:lumOff val="35000"/>
+      </a:schemeClr>
+    </cs:fontRef>
+    <cs:spPr>
+      <a:ln w="9525" cap="flat" cmpd="sng" algn="ctr">
+        <a:solidFill>
+          <a:schemeClr val="tx1">
+            <a:lumMod val="25000"/>
+            <a:lumOff val="75000"/>
+          </a:schemeClr>
+        </a:solidFill>
+        <a:round/>
+      </a:ln>
+    </cs:spPr>
+    <cs:defRPr sz="900" kern="1200"/>
+  </cs:valueAxis>
+  <cs:wall>
+    <cs:lnRef idx="0"/>
+    <cs:fillRef idx="0"/>
+    <cs:effectRef idx="0"/>
+    <cs:fontRef idx="minor">
+      <a:schemeClr val="tx1"/>
+    </cs:fontRef>
+    <cs:spPr>
+      <a:noFill/>
+      <a:ln>
+        <a:noFill/>
+      </a:ln>
+    </cs:spPr>
+  </cs:wall>
+</cs:chartStyle>
+</file>
+
+<file path=ppt/charts/style6.xml><?xml version="1.0" encoding="utf-8"?>
+<cs:chartStyle xmlns:cs="http://schemas.microsoft.com/office/drawing/2012/chartStyle" xmlns:a="http://schemas.openxmlformats.org/drawingml/2006/main" id="240">
+  <cs:axisTitle>
+    <cs:lnRef idx="0"/>
+    <cs:fillRef idx="0"/>
+    <cs:effectRef idx="0"/>
+    <cs:fontRef idx="minor">
+      <a:schemeClr val="tx1">
+        <a:lumMod val="65000"/>
+        <a:lumOff val="35000"/>
+      </a:schemeClr>
+    </cs:fontRef>
+    <cs:defRPr sz="1000" kern="1200"/>
+  </cs:axisTitle>
+  <cs:categoryAxis>
+    <cs:lnRef idx="0"/>
+    <cs:fillRef idx="0"/>
+    <cs:effectRef idx="0"/>
+    <cs:fontRef idx="minor">
+      <a:schemeClr val="tx1">
+        <a:lumMod val="65000"/>
+        <a:lumOff val="35000"/>
+      </a:schemeClr>
+    </cs:fontRef>
+    <cs:spPr>
+      <a:ln w="9525" cap="flat" cmpd="sng" algn="ctr">
+        <a:solidFill>
+          <a:schemeClr val="tx1">
+            <a:lumMod val="25000"/>
+            <a:lumOff val="75000"/>
+          </a:schemeClr>
+        </a:solidFill>
+        <a:round/>
+      </a:ln>
+    </cs:spPr>
+    <cs:defRPr sz="900" kern="1200"/>
+  </cs:categoryAxis>
+  <cs:chartArea mods="allowNoFillOverride allowNoLineOverride">
+    <cs:lnRef idx="0"/>
+    <cs:fillRef idx="0"/>
+    <cs:effectRef idx="0"/>
+    <cs:fontRef idx="minor">
+      <a:schemeClr val="tx1"/>
+    </cs:fontRef>
+    <cs:spPr>
+      <a:solidFill>
+        <a:schemeClr val="bg1"/>
+      </a:solidFill>
+      <a:ln w="9525" cap="flat" cmpd="sng" algn="ctr">
+        <a:solidFill>
+          <a:schemeClr val="tx1">
+            <a:lumMod val="15000"/>
+            <a:lumOff val="85000"/>
+          </a:schemeClr>
+        </a:solidFill>
+        <a:round/>
+      </a:ln>
+    </cs:spPr>
+    <cs:defRPr sz="1000" kern="1200"/>
+  </cs:chartArea>
+  <cs:dataLabel>
+    <cs:lnRef idx="0"/>
+    <cs:fillRef idx="0"/>
+    <cs:effectRef idx="0"/>
+    <cs:fontRef idx="minor">
+      <a:schemeClr val="tx1">
+        <a:lumMod val="75000"/>
+        <a:lumOff val="25000"/>
+      </a:schemeClr>
+    </cs:fontRef>
+    <cs:defRPr sz="900" kern="1200"/>
+  </cs:dataLabel>
+  <cs:dataLabelCallout>
+    <cs:lnRef idx="0"/>
+    <cs:fillRef idx="0"/>
+    <cs:effectRef idx="0"/>
+    <cs:fontRef idx="minor">
+      <a:schemeClr val="dk1">
+        <a:lumMod val="65000"/>
+        <a:lumOff val="35000"/>
+      </a:schemeClr>
+    </cs:fontRef>
+    <cs:spPr>
+      <a:solidFill>
+        <a:schemeClr val="lt1"/>
+      </a:solidFill>
+      <a:ln>
+        <a:solidFill>
+          <a:schemeClr val="dk1">
+            <a:lumMod val="25000"/>
+            <a:lumOff val="75000"/>
+          </a:schemeClr>
+        </a:solidFill>
+      </a:ln>
+    </cs:spPr>
+    <cs:defRPr sz="900" kern="1200"/>
+    <cs:bodyPr rot="0" spcFirstLastPara="1" vertOverflow="clip" horzOverflow="clip" vert="horz" wrap="square" lIns="36576" tIns="18288" rIns="36576" bIns="18288" anchor="ctr" anchorCtr="1">
+      <a:spAutoFit/>
+    </cs:bodyPr>
+  </cs:dataLabelCallout>
+  <cs:dataPoint>
+    <cs:lnRef idx="0"/>
+    <cs:fillRef idx="1">
+      <cs:styleClr val="auto"/>
+    </cs:fillRef>
+    <cs:effectRef idx="0"/>
+    <cs:fontRef idx="minor">
+      <a:schemeClr val="tx1"/>
+    </cs:fontRef>
+  </cs:dataPoint>
+  <cs:dataPoint3D>
+    <cs:lnRef idx="0"/>
+    <cs:fillRef idx="1">
+      <cs:styleClr val="auto"/>
+    </cs:fillRef>
+    <cs:effectRef idx="0"/>
+    <cs:fontRef idx="minor">
+      <a:schemeClr val="tx1"/>
+    </cs:fontRef>
+  </cs:dataPoint3D>
+  <cs:dataPointLine>
+    <cs:lnRef idx="0">
+      <cs:styleClr val="auto"/>
+    </cs:lnRef>
+    <cs:fillRef idx="1"/>
+    <cs:effectRef idx="0"/>
+    <cs:fontRef idx="minor">
+      <a:schemeClr val="tx1"/>
+    </cs:fontRef>
+    <cs:spPr>
+      <a:ln w="19050" cap="rnd">
+        <a:solidFill>
+          <a:schemeClr val="phClr"/>
+        </a:solidFill>
+        <a:round/>
+      </a:ln>
+    </cs:spPr>
+  </cs:dataPointLine>
+  <cs:dataPointMarker>
+    <cs:lnRef idx="0">
+      <cs:styleClr val="auto"/>
+    </cs:lnRef>
+    <cs:fillRef idx="1">
+      <cs:styleClr val="auto"/>
+    </cs:fillRef>
+    <cs:effectRef idx="0"/>
+    <cs:fontRef idx="minor">
+      <a:schemeClr val="tx1"/>
+    </cs:fontRef>
+    <cs:spPr>
+      <a:ln w="9525">
+        <a:solidFill>
+          <a:schemeClr val="phClr"/>
+        </a:solidFill>
+      </a:ln>
+    </cs:spPr>
+  </cs:dataPointMarker>
+  <cs:dataPointMarkerLayout symbol="circle" size="5"/>
+  <cs:dataPointWireframe>
+    <cs:lnRef idx="0">
+      <cs:styleClr val="auto"/>
+    </cs:lnRef>
+    <cs:fillRef idx="0"/>
+    <cs:effectRef idx="0"/>
+    <cs:fontRef idx="minor">
+      <a:schemeClr val="dk1"/>
+    </cs:fontRef>
+    <cs:spPr>
+      <a:ln w="9525" cap="rnd">
+        <a:solidFill>
+          <a:schemeClr val="phClr"/>
+        </a:solidFill>
+        <a:round/>
+      </a:ln>
+    </cs:spPr>
+  </cs:dataPointWireframe>
+  <cs:dataTable>
+    <cs:lnRef idx="0"/>
+    <cs:fillRef idx="0"/>
+    <cs:effectRef idx="0"/>
+    <cs:fontRef idx="minor">
+      <a:schemeClr val="tx1">
+        <a:lumMod val="65000"/>
+        <a:lumOff val="35000"/>
+      </a:schemeClr>
+    </cs:fontRef>
+    <cs:spPr>
+      <a:noFill/>
+      <a:ln w="9525" cap="flat" cmpd="sng" algn="ctr">
+        <a:solidFill>
+          <a:schemeClr val="tx1">
+            <a:lumMod val="15000"/>
+            <a:lumOff val="85000"/>
+          </a:schemeClr>
+        </a:solidFill>
+        <a:round/>
+      </a:ln>
+    </cs:spPr>
+    <cs:defRPr sz="900" kern="1200"/>
+  </cs:dataTable>
+  <cs:downBar>
+    <cs:lnRef idx="0"/>
+    <cs:fillRef idx="0"/>
+    <cs:effectRef idx="0"/>
+    <cs:fontRef idx="minor">
+      <a:schemeClr val="tx1"/>
+    </cs:fontRef>
+    <cs:spPr>
+      <a:solidFill>
+        <a:schemeClr val="dk1">
+          <a:lumMod val="75000"/>
+          <a:lumOff val="25000"/>
+        </a:schemeClr>
+      </a:solidFill>
+      <a:ln w="9525" cap="flat" cmpd="sng" algn="ctr">
+        <a:solidFill>
+          <a:schemeClr val="tx1">
+            <a:lumMod val="65000"/>
+            <a:lumOff val="35000"/>
+          </a:schemeClr>
+        </a:solidFill>
+        <a:round/>
+      </a:ln>
+    </cs:spPr>
+  </cs:downBar>
+  <cs:dropLine>
+    <cs:lnRef idx="0"/>
+    <cs:fillRef idx="0"/>
+    <cs:effectRef idx="0"/>
+    <cs:fontRef idx="minor">
+      <a:schemeClr val="tx1"/>
+    </cs:fontRef>
+    <cs:spPr>
+      <a:ln w="9525" cap="flat" cmpd="sng" algn="ctr">
+        <a:solidFill>
+          <a:schemeClr val="tx1">
+            <a:lumMod val="35000"/>
+            <a:lumOff val="65000"/>
+          </a:schemeClr>
+        </a:solidFill>
+        <a:round/>
+      </a:ln>
+    </cs:spPr>
+  </cs:dropLine>
+  <cs:errorBar>
+    <cs:lnRef idx="0"/>
+    <cs:fillRef idx="0"/>
+    <cs:effectRef idx="0"/>
+    <cs:fontRef idx="minor">
+      <a:schemeClr val="tx1"/>
+    </cs:fontRef>
+    <cs:spPr>
+      <a:ln w="9525" cap="flat" cmpd="sng" algn="ctr">
+        <a:solidFill>
+          <a:schemeClr val="tx1">
+            <a:lumMod val="65000"/>
+            <a:lumOff val="35000"/>
+          </a:schemeClr>
+        </a:solidFill>
+        <a:round/>
+      </a:ln>
+    </cs:spPr>
+  </cs:errorBar>
+  <cs:floor>
+    <cs:lnRef idx="0"/>
+    <cs:fillRef idx="0"/>
+    <cs:effectRef idx="0"/>
+    <cs:fontRef idx="minor">
+      <a:schemeClr val="tx1"/>
+    </cs:fontRef>
+    <cs:spPr>
+      <a:noFill/>
+      <a:ln>
+        <a:noFill/>
+      </a:ln>
+    </cs:spPr>
+  </cs:floor>
+  <cs:gridlineMajor>
+    <cs:lnRef idx="0"/>
+    <cs:fillRef idx="0"/>
+    <cs:effectRef idx="0"/>
+    <cs:fontRef idx="minor">
+      <a:schemeClr val="tx1"/>
+    </cs:fontRef>
+    <cs:spPr>
+      <a:ln w="9525" cap="flat" cmpd="sng" algn="ctr">
+        <a:solidFill>
+          <a:schemeClr val="tx1">
+            <a:lumMod val="15000"/>
+            <a:lumOff val="85000"/>
+          </a:schemeClr>
+        </a:solidFill>
+        <a:round/>
+      </a:ln>
+    </cs:spPr>
+  </cs:gridlineMajor>
+  <cs:gridlineMinor>
+    <cs:lnRef idx="0"/>
+    <cs:fillRef idx="0"/>
+    <cs:effectRef idx="0"/>
+    <cs:fontRef idx="minor">
+      <a:schemeClr val="tx1"/>
+    </cs:fontRef>
+    <cs:spPr>
+      <a:ln w="9525" cap="flat" cmpd="sng" algn="ctr">
+        <a:solidFill>
+          <a:schemeClr val="tx1">
+            <a:lumMod val="5000"/>
+            <a:lumOff val="95000"/>
+          </a:schemeClr>
+        </a:solidFill>
+        <a:round/>
+      </a:ln>
+    </cs:spPr>
+  </cs:gridlineMinor>
+  <cs:hiLoLine>
+    <cs:lnRef idx="0"/>
+    <cs:fillRef idx="0"/>
+    <cs:effectRef idx="0"/>
+    <cs:fontRef idx="minor">
+      <a:schemeClr val="tx1"/>
+    </cs:fontRef>
+    <cs:spPr>
+      <a:ln w="9525" cap="flat" cmpd="sng" algn="ctr">
+        <a:solidFill>
+          <a:schemeClr val="tx1">
+            <a:lumMod val="50000"/>
+            <a:lumOff val="50000"/>
+          </a:schemeClr>
+        </a:solidFill>
+        <a:round/>
+      </a:ln>
+    </cs:spPr>
+  </cs:hiLoLine>
+  <cs:leaderLine>
+    <cs:lnRef idx="0"/>
+    <cs:fillRef idx="0"/>
+    <cs:effectRef idx="0"/>
+    <cs:fontRef idx="minor">
+      <a:schemeClr val="tx1"/>
+    </cs:fontRef>
+    <cs:spPr>
+      <a:ln w="9525" cap="flat" cmpd="sng" algn="ctr">
+        <a:solidFill>
+          <a:schemeClr val="tx1">
+            <a:lumMod val="35000"/>
+            <a:lumOff val="65000"/>
+          </a:schemeClr>
+        </a:solidFill>
+        <a:round/>
+      </a:ln>
+    </cs:spPr>
+  </cs:leaderLine>
+  <cs:legend>
+    <cs:lnRef idx="0"/>
+    <cs:fillRef idx="0"/>
+    <cs:effectRef idx="0"/>
+    <cs:fontRef idx="minor">
+      <a:schemeClr val="tx1">
+        <a:lumMod val="65000"/>
+        <a:lumOff val="35000"/>
+      </a:schemeClr>
+    </cs:fontRef>
+    <cs:defRPr sz="900" kern="1200"/>
+  </cs:legend>
+  <cs:plotArea mods="allowNoFillOverride allowNoLineOverride">
+    <cs:lnRef idx="0"/>
+    <cs:fillRef idx="0"/>
+    <cs:effectRef idx="0"/>
+    <cs:fontRef idx="minor">
+      <a:schemeClr val="tx1"/>
+    </cs:fontRef>
+  </cs:plotArea>
+  <cs:plotArea3D mods="allowNoFillOverride allowNoLineOverride">
+    <cs:lnRef idx="0"/>
+    <cs:fillRef idx="0"/>
+    <cs:effectRef idx="0"/>
+    <cs:fontRef idx="minor">
+      <a:schemeClr val="tx1"/>
+    </cs:fontRef>
+  </cs:plotArea3D>
+  <cs:seriesAxis>
+    <cs:lnRef idx="0"/>
+    <cs:fillRef idx="0"/>
+    <cs:effectRef idx="0"/>
+    <cs:fontRef idx="minor">
+      <a:schemeClr val="tx1">
+        <a:lumMod val="65000"/>
+        <a:lumOff val="35000"/>
+      </a:schemeClr>
+    </cs:fontRef>
+    <cs:defRPr sz="900" kern="1200"/>
+  </cs:seriesAxis>
+  <cs:seriesLine>
+    <cs:lnRef idx="0"/>
+    <cs:fillRef idx="0"/>
+    <cs:effectRef idx="0"/>
+    <cs:fontRef idx="minor">
+      <a:schemeClr val="tx1"/>
+    </cs:fontRef>
+    <cs:spPr>
+      <a:ln w="9525" cap="flat" cmpd="sng" algn="ctr">
+        <a:solidFill>
+          <a:schemeClr val="tx1">
+            <a:lumMod val="35000"/>
+            <a:lumOff val="65000"/>
+          </a:schemeClr>
+        </a:solidFill>
+        <a:round/>
+      </a:ln>
+    </cs:spPr>
+  </cs:seriesLine>
+  <cs:title>
+    <cs:lnRef idx="0"/>
+    <cs:fillRef idx="0"/>
+    <cs:effectRef idx="0"/>
+    <cs:fontRef idx="minor">
+      <a:schemeClr val="tx1">
+        <a:lumMod val="65000"/>
+        <a:lumOff val="35000"/>
+      </a:schemeClr>
+    </cs:fontRef>
+    <cs:defRPr sz="1400" b="0" kern="1200" spc="0" baseline="0"/>
+  </cs:title>
+  <cs:trendline>
+    <cs:lnRef idx="0">
+      <cs:styleClr val="auto"/>
+    </cs:lnRef>
+    <cs:fillRef idx="0"/>
+    <cs:effectRef idx="0"/>
+    <cs:fontRef idx="minor">
+      <a:schemeClr val="tx1"/>
+    </cs:fontRef>
+    <cs:spPr>
+      <a:ln w="19050" cap="rnd">
+        <a:solidFill>
+          <a:schemeClr val="phClr"/>
+        </a:solidFill>
+        <a:prstDash val="sysDot"/>
+      </a:ln>
+    </cs:spPr>
+  </cs:trendline>
+  <cs:trendlineLabel>
+    <cs:lnRef idx="0"/>
+    <cs:fillRef idx="0"/>
+    <cs:effectRef idx="0"/>
+    <cs:fontRef idx="minor">
+      <a:schemeClr val="tx1">
+        <a:lumMod val="65000"/>
+        <a:lumOff val="35000"/>
+      </a:schemeClr>
+    </cs:fontRef>
+    <cs:defRPr sz="900" kern="1200"/>
+  </cs:trendlineLabel>
+  <cs:upBar>
+    <cs:lnRef idx="0"/>
+    <cs:fillRef idx="0"/>
+    <cs:effectRef idx="0"/>
+    <cs:fontRef idx="minor">
+      <a:schemeClr val="tx1"/>
+    </cs:fontRef>
+    <cs:spPr>
+      <a:solidFill>
+        <a:schemeClr val="lt1"/>
+      </a:solidFill>
+      <a:ln w="9525" cap="flat" cmpd="sng" algn="ctr">
+        <a:solidFill>
+          <a:schemeClr val="tx1">
+            <a:lumMod val="65000"/>
+            <a:lumOff val="35000"/>
+          </a:schemeClr>
+        </a:solidFill>
+        <a:round/>
+      </a:ln>
+    </cs:spPr>
+  </cs:upBar>
+  <cs:valueAxis>
+    <cs:lnRef idx="0"/>
+    <cs:fillRef idx="0"/>
+    <cs:effectRef idx="0"/>
+    <cs:fontRef idx="minor">
+      <a:schemeClr val="tx1">
+        <a:lumMod val="65000"/>
+        <a:lumOff val="35000"/>
+      </a:schemeClr>
+    </cs:fontRef>
+    <cs:spPr>
+      <a:ln w="9525" cap="flat" cmpd="sng" algn="ctr">
+        <a:solidFill>
+          <a:schemeClr val="tx1">
+            <a:lumMod val="25000"/>
+            <a:lumOff val="75000"/>
+          </a:schemeClr>
+        </a:solidFill>
+        <a:round/>
+      </a:ln>
+    </cs:spPr>
+    <cs:defRPr sz="900" kern="1200"/>
+  </cs:valueAxis>
+  <cs:wall>
+    <cs:lnRef idx="0"/>
+    <cs:fillRef idx="0"/>
+    <cs:effectRef idx="0"/>
+    <cs:fontRef idx="minor">
+      <a:schemeClr val="tx1"/>
+    </cs:fontRef>
+    <cs:spPr>
+      <a:noFill/>
+      <a:ln>
+        <a:noFill/>
+      </a:ln>
+    </cs:spPr>
+  </cs:wall>
+</cs:chartStyle>
+</file>
+
+<file path=ppt/charts/style7.xml><?xml version="1.0" encoding="utf-8"?>
+<cs:chartStyle xmlns:cs="http://schemas.microsoft.com/office/drawing/2012/chartStyle" xmlns:a="http://schemas.openxmlformats.org/drawingml/2006/main" id="240">
+  <cs:axisTitle>
+    <cs:lnRef idx="0"/>
+    <cs:fillRef idx="0"/>
+    <cs:effectRef idx="0"/>
+    <cs:fontRef idx="minor">
+      <a:schemeClr val="tx1">
+        <a:lumMod val="65000"/>
+        <a:lumOff val="35000"/>
+      </a:schemeClr>
+    </cs:fontRef>
+    <cs:defRPr sz="1000" kern="1200"/>
+  </cs:axisTitle>
+  <cs:categoryAxis>
+    <cs:lnRef idx="0"/>
+    <cs:fillRef idx="0"/>
+    <cs:effectRef idx="0"/>
+    <cs:fontRef idx="minor">
+      <a:schemeClr val="tx1">
+        <a:lumMod val="65000"/>
+        <a:lumOff val="35000"/>
+      </a:schemeClr>
+    </cs:fontRef>
+    <cs:spPr>
+      <a:ln w="9525" cap="flat" cmpd="sng" algn="ctr">
+        <a:solidFill>
+          <a:schemeClr val="tx1">
+            <a:lumMod val="25000"/>
+            <a:lumOff val="75000"/>
+          </a:schemeClr>
+        </a:solidFill>
+        <a:round/>
+      </a:ln>
+    </cs:spPr>
+    <cs:defRPr sz="900" kern="1200"/>
+  </cs:categoryAxis>
+  <cs:chartArea mods="allowNoFillOverride allowNoLineOverride">
+    <cs:lnRef idx="0"/>
+    <cs:fillRef idx="0"/>
+    <cs:effectRef idx="0"/>
+    <cs:fontRef idx="minor">
+      <a:schemeClr val="tx1"/>
+    </cs:fontRef>
+    <cs:spPr>
+      <a:solidFill>
+        <a:schemeClr val="bg1"/>
+      </a:solidFill>
+      <a:ln w="9525" cap="flat" cmpd="sng" algn="ctr">
+        <a:solidFill>
+          <a:schemeClr val="tx1">
+            <a:lumMod val="15000"/>
+            <a:lumOff val="85000"/>
+          </a:schemeClr>
+        </a:solidFill>
+        <a:round/>
+      </a:ln>
+    </cs:spPr>
+    <cs:defRPr sz="1000" kern="1200"/>
+  </cs:chartArea>
+  <cs:dataLabel>
+    <cs:lnRef idx="0"/>
+    <cs:fillRef idx="0"/>
+    <cs:effectRef idx="0"/>
+    <cs:fontRef idx="minor">
+      <a:schemeClr val="tx1">
+        <a:lumMod val="75000"/>
+        <a:lumOff val="25000"/>
+      </a:schemeClr>
+    </cs:fontRef>
+    <cs:defRPr sz="900" kern="1200"/>
+  </cs:dataLabel>
+  <cs:dataLabelCallout>
+    <cs:lnRef idx="0"/>
+    <cs:fillRef idx="0"/>
+    <cs:effectRef idx="0"/>
+    <cs:fontRef idx="minor">
+      <a:schemeClr val="dk1">
+        <a:lumMod val="65000"/>
+        <a:lumOff val="35000"/>
+      </a:schemeClr>
+    </cs:fontRef>
+    <cs:spPr>
+      <a:solidFill>
+        <a:schemeClr val="lt1"/>
+      </a:solidFill>
+      <a:ln>
+        <a:solidFill>
+          <a:schemeClr val="dk1">
+            <a:lumMod val="25000"/>
+            <a:lumOff val="75000"/>
+          </a:schemeClr>
+        </a:solidFill>
+      </a:ln>
+    </cs:spPr>
+    <cs:defRPr sz="900" kern="1200"/>
+    <cs:bodyPr rot="0" spcFirstLastPara="1" vertOverflow="clip" horzOverflow="clip" vert="horz" wrap="square" lIns="36576" tIns="18288" rIns="36576" bIns="18288" anchor="ctr" anchorCtr="1">
+      <a:spAutoFit/>
+    </cs:bodyPr>
+  </cs:dataLabelCallout>
+  <cs:dataPoint>
+    <cs:lnRef idx="0"/>
+    <cs:fillRef idx="1">
+      <cs:styleClr val="auto"/>
+    </cs:fillRef>
+    <cs:effectRef idx="0"/>
+    <cs:fontRef idx="minor">
+      <a:schemeClr val="tx1"/>
+    </cs:fontRef>
+  </cs:dataPoint>
+  <cs:dataPoint3D>
+    <cs:lnRef idx="0"/>
+    <cs:fillRef idx="1">
+      <cs:styleClr val="auto"/>
+    </cs:fillRef>
+    <cs:effectRef idx="0"/>
+    <cs:fontRef idx="minor">
+      <a:schemeClr val="tx1"/>
+    </cs:fontRef>
+  </cs:dataPoint3D>
+  <cs:dataPointLine>
+    <cs:lnRef idx="0">
+      <cs:styleClr val="auto"/>
+    </cs:lnRef>
+    <cs:fillRef idx="1"/>
+    <cs:effectRef idx="0"/>
+    <cs:fontRef idx="minor">
+      <a:schemeClr val="tx1"/>
+    </cs:fontRef>
+    <cs:spPr>
+      <a:ln w="19050" cap="rnd">
+        <a:solidFill>
+          <a:schemeClr val="phClr"/>
+        </a:solidFill>
+        <a:round/>
+      </a:ln>
+    </cs:spPr>
+  </cs:dataPointLine>
+  <cs:dataPointMarker>
+    <cs:lnRef idx="0">
+      <cs:styleClr val="auto"/>
+    </cs:lnRef>
+    <cs:fillRef idx="1">
+      <cs:styleClr val="auto"/>
+    </cs:fillRef>
+    <cs:effectRef idx="0"/>
+    <cs:fontRef idx="minor">
+      <a:schemeClr val="tx1"/>
+    </cs:fontRef>
+    <cs:spPr>
+      <a:ln w="9525">
+        <a:solidFill>
+          <a:schemeClr val="phClr"/>
+        </a:solidFill>
+      </a:ln>
+    </cs:spPr>
+  </cs:dataPointMarker>
+  <cs:dataPointMarkerLayout symbol="circle" size="5"/>
+  <cs:dataPointWireframe>
+    <cs:lnRef idx="0">
+      <cs:styleClr val="auto"/>
+    </cs:lnRef>
+    <cs:fillRef idx="0"/>
+    <cs:effectRef idx="0"/>
+    <cs:fontRef idx="minor">
+      <a:schemeClr val="dk1"/>
+    </cs:fontRef>
+    <cs:spPr>
+      <a:ln w="9525" cap="rnd">
+        <a:solidFill>
+          <a:schemeClr val="phClr"/>
+        </a:solidFill>
+        <a:round/>
+      </a:ln>
+    </cs:spPr>
+  </cs:dataPointWireframe>
+  <cs:dataTable>
+    <cs:lnRef idx="0"/>
+    <cs:fillRef idx="0"/>
+    <cs:effectRef idx="0"/>
+    <cs:fontRef idx="minor">
+      <a:schemeClr val="tx1">
+        <a:lumMod val="65000"/>
+        <a:lumOff val="35000"/>
+      </a:schemeClr>
+    </cs:fontRef>
+    <cs:spPr>
+      <a:noFill/>
+      <a:ln w="9525" cap="flat" cmpd="sng" algn="ctr">
+        <a:solidFill>
+          <a:schemeClr val="tx1">
+            <a:lumMod val="15000"/>
+            <a:lumOff val="85000"/>
+          </a:schemeClr>
+        </a:solidFill>
+        <a:round/>
+      </a:ln>
+    </cs:spPr>
+    <cs:defRPr sz="900" kern="1200"/>
+  </cs:dataTable>
+  <cs:downBar>
+    <cs:lnRef idx="0"/>
+    <cs:fillRef idx="0"/>
+    <cs:effectRef idx="0"/>
+    <cs:fontRef idx="minor">
+      <a:schemeClr val="tx1"/>
+    </cs:fontRef>
+    <cs:spPr>
+      <a:solidFill>
+        <a:schemeClr val="dk1">
+          <a:lumMod val="75000"/>
+          <a:lumOff val="25000"/>
+        </a:schemeClr>
+      </a:solidFill>
+      <a:ln w="9525" cap="flat" cmpd="sng" algn="ctr">
+        <a:solidFill>
+          <a:schemeClr val="tx1">
+            <a:lumMod val="65000"/>
+            <a:lumOff val="35000"/>
+          </a:schemeClr>
+        </a:solidFill>
+        <a:round/>
+      </a:ln>
+    </cs:spPr>
+  </cs:downBar>
+  <cs:dropLine>
+    <cs:lnRef idx="0"/>
+    <cs:fillRef idx="0"/>
+    <cs:effectRef idx="0"/>
+    <cs:fontRef idx="minor">
+      <a:schemeClr val="tx1"/>
+    </cs:fontRef>
+    <cs:spPr>
+      <a:ln w="9525" cap="flat" cmpd="sng" algn="ctr">
+        <a:solidFill>
+          <a:schemeClr val="tx1">
+            <a:lumMod val="35000"/>
+            <a:lumOff val="65000"/>
+          </a:schemeClr>
+        </a:solidFill>
+        <a:round/>
+      </a:ln>
+    </cs:spPr>
+  </cs:dropLine>
+  <cs:errorBar>
+    <cs:lnRef idx="0"/>
+    <cs:fillRef idx="0"/>
+    <cs:effectRef idx="0"/>
+    <cs:fontRef idx="minor">
+      <a:schemeClr val="tx1"/>
+    </cs:fontRef>
+    <cs:spPr>
+      <a:ln w="9525" cap="flat" cmpd="sng" algn="ctr">
+        <a:solidFill>
+          <a:schemeClr val="tx1">
+            <a:lumMod val="65000"/>
+            <a:lumOff val="35000"/>
+          </a:schemeClr>
+        </a:solidFill>
+        <a:round/>
+      </a:ln>
+    </cs:spPr>
+  </cs:errorBar>
+  <cs:floor>
+    <cs:lnRef idx="0"/>
+    <cs:fillRef idx="0"/>
+    <cs:effectRef idx="0"/>
+    <cs:fontRef idx="minor">
+      <a:schemeClr val="tx1"/>
+    </cs:fontRef>
+    <cs:spPr>
+      <a:noFill/>
+      <a:ln>
+        <a:noFill/>
+      </a:ln>
+    </cs:spPr>
+  </cs:floor>
+  <cs:gridlineMajor>
+    <cs:lnRef idx="0"/>
+    <cs:fillRef idx="0"/>
+    <cs:effectRef idx="0"/>
+    <cs:fontRef idx="minor">
+      <a:schemeClr val="tx1"/>
+    </cs:fontRef>
+    <cs:spPr>
+      <a:ln w="9525" cap="flat" cmpd="sng" algn="ctr">
+        <a:solidFill>
+          <a:schemeClr val="tx1">
+            <a:lumMod val="15000"/>
+            <a:lumOff val="85000"/>
+          </a:schemeClr>
+        </a:solidFill>
+        <a:round/>
+      </a:ln>
+    </cs:spPr>
+  </cs:gridlineMajor>
+  <cs:gridlineMinor>
+    <cs:lnRef idx="0"/>
+    <cs:fillRef idx="0"/>
+    <cs:effectRef idx="0"/>
+    <cs:fontRef idx="minor">
+      <a:schemeClr val="tx1"/>
+    </cs:fontRef>
+    <cs:spPr>
+      <a:ln w="9525" cap="flat" cmpd="sng" algn="ctr">
+        <a:solidFill>
+          <a:schemeClr val="tx1">
+            <a:lumMod val="5000"/>
+            <a:lumOff val="95000"/>
+          </a:schemeClr>
+        </a:solidFill>
+        <a:round/>
+      </a:ln>
+    </cs:spPr>
+  </cs:gridlineMinor>
+  <cs:hiLoLine>
+    <cs:lnRef idx="0"/>
+    <cs:fillRef idx="0"/>
+    <cs:effectRef idx="0"/>
+    <cs:fontRef idx="minor">
+      <a:schemeClr val="tx1"/>
+    </cs:fontRef>
+    <cs:spPr>
+      <a:ln w="9525" cap="flat" cmpd="sng" algn="ctr">
+        <a:solidFill>
+          <a:schemeClr val="tx1">
+            <a:lumMod val="50000"/>
+            <a:lumOff val="50000"/>
+          </a:schemeClr>
+        </a:solidFill>
+        <a:round/>
+      </a:ln>
+    </cs:spPr>
+  </cs:hiLoLine>
+  <cs:leaderLine>
+    <cs:lnRef idx="0"/>
+    <cs:fillRef idx="0"/>
+    <cs:effectRef idx="0"/>
+    <cs:fontRef idx="minor">
+      <a:schemeClr val="tx1"/>
+    </cs:fontRef>
+    <cs:spPr>
+      <a:ln w="9525" cap="flat" cmpd="sng" algn="ctr">
+        <a:solidFill>
+          <a:schemeClr val="tx1">
+            <a:lumMod val="35000"/>
+            <a:lumOff val="65000"/>
+          </a:schemeClr>
+        </a:solidFill>
+        <a:round/>
+      </a:ln>
+    </cs:spPr>
+  </cs:leaderLine>
+  <cs:legend>
+    <cs:lnRef idx="0"/>
+    <cs:fillRef idx="0"/>
+    <cs:effectRef idx="0"/>
+    <cs:fontRef idx="minor">
+      <a:schemeClr val="tx1">
+        <a:lumMod val="65000"/>
+        <a:lumOff val="35000"/>
+      </a:schemeClr>
+    </cs:fontRef>
+    <cs:defRPr sz="900" kern="1200"/>
+  </cs:legend>
+  <cs:plotArea mods="allowNoFillOverride allowNoLineOverride">
+    <cs:lnRef idx="0"/>
+    <cs:fillRef idx="0"/>
+    <cs:effectRef idx="0"/>
+    <cs:fontRef idx="minor">
+      <a:schemeClr val="tx1"/>
+    </cs:fontRef>
+  </cs:plotArea>
+  <cs:plotArea3D mods="allowNoFillOverride allowNoLineOverride">
+    <cs:lnRef idx="0"/>
+    <cs:fillRef idx="0"/>
+    <cs:effectRef idx="0"/>
+    <cs:fontRef idx="minor">
+      <a:schemeClr val="tx1"/>
+    </cs:fontRef>
+  </cs:plotArea3D>
+  <cs:seriesAxis>
+    <cs:lnRef idx="0"/>
+    <cs:fillRef idx="0"/>
+    <cs:effectRef idx="0"/>
+    <cs:fontRef idx="minor">
+      <a:schemeClr val="tx1">
+        <a:lumMod val="65000"/>
+        <a:lumOff val="35000"/>
+      </a:schemeClr>
+    </cs:fontRef>
+    <cs:defRPr sz="900" kern="1200"/>
+  </cs:seriesAxis>
+  <cs:seriesLine>
+    <cs:lnRef idx="0"/>
+    <cs:fillRef idx="0"/>
+    <cs:effectRef idx="0"/>
+    <cs:fontRef idx="minor">
+      <a:schemeClr val="tx1"/>
+    </cs:fontRef>
+    <cs:spPr>
+      <a:ln w="9525" cap="flat" cmpd="sng" algn="ctr">
+        <a:solidFill>
+          <a:schemeClr val="tx1">
+            <a:lumMod val="35000"/>
+            <a:lumOff val="65000"/>
+          </a:schemeClr>
+        </a:solidFill>
+        <a:round/>
+      </a:ln>
+    </cs:spPr>
+  </cs:seriesLine>
+  <cs:title>
+    <cs:lnRef idx="0"/>
+    <cs:fillRef idx="0"/>
+    <cs:effectRef idx="0"/>
+    <cs:fontRef idx="minor">
+      <a:schemeClr val="tx1">
+        <a:lumMod val="65000"/>
+        <a:lumOff val="35000"/>
+      </a:schemeClr>
+    </cs:fontRef>
+    <cs:defRPr sz="1400" b="0" kern="1200" spc="0" baseline="0"/>
+  </cs:title>
+  <cs:trendline>
+    <cs:lnRef idx="0">
+      <cs:styleClr val="auto"/>
+    </cs:lnRef>
+    <cs:fillRef idx="0"/>
+    <cs:effectRef idx="0"/>
+    <cs:fontRef idx="minor">
+      <a:schemeClr val="tx1"/>
+    </cs:fontRef>
+    <cs:spPr>
+      <a:ln w="19050" cap="rnd">
+        <a:solidFill>
+          <a:schemeClr val="phClr"/>
+        </a:solidFill>
+        <a:prstDash val="sysDot"/>
+      </a:ln>
+    </cs:spPr>
+  </cs:trendline>
+  <cs:trendlineLabel>
+    <cs:lnRef idx="0"/>
+    <cs:fillRef idx="0"/>
+    <cs:effectRef idx="0"/>
+    <cs:fontRef idx="minor">
+      <a:schemeClr val="tx1">
+        <a:lumMod val="65000"/>
+        <a:lumOff val="35000"/>
+      </a:schemeClr>
+    </cs:fontRef>
+    <cs:defRPr sz="900" kern="1200"/>
+  </cs:trendlineLabel>
+  <cs:upBar>
+    <cs:lnRef idx="0"/>
+    <cs:fillRef idx="0"/>
+    <cs:effectRef idx="0"/>
+    <cs:fontRef idx="minor">
+      <a:schemeClr val="tx1"/>
+    </cs:fontRef>
+    <cs:spPr>
+      <a:solidFill>
+        <a:schemeClr val="lt1"/>
+      </a:solidFill>
+      <a:ln w="9525" cap="flat" cmpd="sng" algn="ctr">
+        <a:solidFill>
+          <a:schemeClr val="tx1">
+            <a:lumMod val="65000"/>
+            <a:lumOff val="35000"/>
+          </a:schemeClr>
+        </a:solidFill>
+        <a:round/>
+      </a:ln>
+    </cs:spPr>
+  </cs:upBar>
+  <cs:valueAxis>
+    <cs:lnRef idx="0"/>
+    <cs:fillRef idx="0"/>
+    <cs:effectRef idx="0"/>
+    <cs:fontRef idx="minor">
+      <a:schemeClr val="tx1">
+        <a:lumMod val="65000"/>
+        <a:lumOff val="35000"/>
+      </a:schemeClr>
+    </cs:fontRef>
+    <cs:spPr>
+      <a:ln w="9525" cap="flat" cmpd="sng" algn="ctr">
+        <a:solidFill>
+          <a:schemeClr val="tx1">
+            <a:lumMod val="25000"/>
+            <a:lumOff val="75000"/>
+          </a:schemeClr>
+        </a:solidFill>
+        <a:round/>
+      </a:ln>
+    </cs:spPr>
+    <cs:defRPr sz="900" kern="1200"/>
+  </cs:valueAxis>
+  <cs:wall>
+    <cs:lnRef idx="0"/>
+    <cs:fillRef idx="0"/>
+    <cs:effectRef idx="0"/>
+    <cs:fontRef idx="minor">
+      <a:schemeClr val="tx1"/>
+    </cs:fontRef>
+    <cs:spPr>
+      <a:noFill/>
+      <a:ln>
+        <a:noFill/>
+      </a:ln>
+    </cs:spPr>
+  </cs:wall>
+</cs:chartStyle>
+</file>
+
+<file path=ppt/charts/style8.xml><?xml version="1.0" encoding="utf-8"?>
+<cs:chartStyle xmlns:cs="http://schemas.microsoft.com/office/drawing/2012/chartStyle" xmlns:a="http://schemas.openxmlformats.org/drawingml/2006/main" id="240">
+  <cs:axisTitle>
+    <cs:lnRef idx="0"/>
+    <cs:fillRef idx="0"/>
+    <cs:effectRef idx="0"/>
+    <cs:fontRef idx="minor">
+      <a:schemeClr val="tx1">
+        <a:lumMod val="65000"/>
+        <a:lumOff val="35000"/>
+      </a:schemeClr>
+    </cs:fontRef>
+    <cs:defRPr sz="1000" kern="1200"/>
+  </cs:axisTitle>
+  <cs:categoryAxis>
+    <cs:lnRef idx="0"/>
+    <cs:fillRef idx="0"/>
+    <cs:effectRef idx="0"/>
+    <cs:fontRef idx="minor">
+      <a:schemeClr val="tx1">
+        <a:lumMod val="65000"/>
+        <a:lumOff val="35000"/>
+      </a:schemeClr>
+    </cs:fontRef>
+    <cs:spPr>
+      <a:ln w="9525" cap="flat" cmpd="sng" algn="ctr">
+        <a:solidFill>
+          <a:schemeClr val="tx1">
+            <a:lumMod val="25000"/>
+            <a:lumOff val="75000"/>
+          </a:schemeClr>
+        </a:solidFill>
+        <a:round/>
+      </a:ln>
+    </cs:spPr>
+    <cs:defRPr sz="900" kern="1200"/>
+  </cs:categoryAxis>
+  <cs:chartArea mods="allowNoFillOverride allowNoLineOverride">
+    <cs:lnRef idx="0"/>
+    <cs:fillRef idx="0"/>
+    <cs:effectRef idx="0"/>
+    <cs:fontRef idx="minor">
+      <a:schemeClr val="tx1"/>
+    </cs:fontRef>
+    <cs:spPr>
+      <a:solidFill>
+        <a:schemeClr val="bg1"/>
+      </a:solidFill>
+      <a:ln w="9525" cap="flat" cmpd="sng" algn="ctr">
+        <a:solidFill>
+          <a:schemeClr val="tx1">
+            <a:lumMod val="15000"/>
+            <a:lumOff val="85000"/>
+          </a:schemeClr>
+        </a:solidFill>
+        <a:round/>
+      </a:ln>
+    </cs:spPr>
+    <cs:defRPr sz="1000" kern="1200"/>
+  </cs:chartArea>
+  <cs:dataLabel>
+    <cs:lnRef idx="0"/>
+    <cs:fillRef idx="0"/>
+    <cs:effectRef idx="0"/>
+    <cs:fontRef idx="minor">
+      <a:schemeClr val="tx1">
+        <a:lumMod val="75000"/>
+        <a:lumOff val="25000"/>
+      </a:schemeClr>
+    </cs:fontRef>
+    <cs:defRPr sz="900" kern="1200"/>
+  </cs:dataLabel>
+  <cs:dataLabelCallout>
+    <cs:lnRef idx="0"/>
+    <cs:fillRef idx="0"/>
+    <cs:effectRef idx="0"/>
+    <cs:fontRef idx="minor">
+      <a:schemeClr val="dk1">
+        <a:lumMod val="65000"/>
+        <a:lumOff val="35000"/>
+      </a:schemeClr>
+    </cs:fontRef>
+    <cs:spPr>
+      <a:solidFill>
+        <a:schemeClr val="lt1"/>
+      </a:solidFill>
+      <a:ln>
+        <a:solidFill>
+          <a:schemeClr val="dk1">
+            <a:lumMod val="25000"/>
+            <a:lumOff val="75000"/>
+          </a:schemeClr>
+        </a:solidFill>
+      </a:ln>
+    </cs:spPr>
+    <cs:defRPr sz="900" kern="1200"/>
+    <cs:bodyPr rot="0" spcFirstLastPara="1" vertOverflow="clip" horzOverflow="clip" vert="horz" wrap="square" lIns="36576" tIns="18288" rIns="36576" bIns="18288" anchor="ctr" anchorCtr="1">
+      <a:spAutoFit/>
+    </cs:bodyPr>
+  </cs:dataLabelCallout>
+  <cs:dataPoint>
+    <cs:lnRef idx="0"/>
+    <cs:fillRef idx="1">
+      <cs:styleClr val="auto"/>
+    </cs:fillRef>
+    <cs:effectRef idx="0"/>
+    <cs:fontRef idx="minor">
+      <a:schemeClr val="tx1"/>
+    </cs:fontRef>
+  </cs:dataPoint>
+  <cs:dataPoint3D>
+    <cs:lnRef idx="0"/>
+    <cs:fillRef idx="1">
+      <cs:styleClr val="auto"/>
+    </cs:fillRef>
+    <cs:effectRef idx="0"/>
+    <cs:fontRef idx="minor">
+      <a:schemeClr val="tx1"/>
+    </cs:fontRef>
+  </cs:dataPoint3D>
+  <cs:dataPointLine>
+    <cs:lnRef idx="0">
+      <cs:styleClr val="auto"/>
+    </cs:lnRef>
+    <cs:fillRef idx="1"/>
+    <cs:effectRef idx="0"/>
+    <cs:fontRef idx="minor">
+      <a:schemeClr val="tx1"/>
+    </cs:fontRef>
+    <cs:spPr>
+      <a:ln w="19050" cap="rnd">
+        <a:solidFill>
+          <a:schemeClr val="phClr"/>
+        </a:solidFill>
+        <a:round/>
+      </a:ln>
+    </cs:spPr>
+  </cs:dataPointLine>
+  <cs:dataPointMarker>
+    <cs:lnRef idx="0">
+      <cs:styleClr val="auto"/>
+    </cs:lnRef>
+    <cs:fillRef idx="1">
+      <cs:styleClr val="auto"/>
+    </cs:fillRef>
+    <cs:effectRef idx="0"/>
+    <cs:fontRef idx="minor">
+      <a:schemeClr val="tx1"/>
+    </cs:fontRef>
+    <cs:spPr>
+      <a:ln w="9525">
+        <a:solidFill>
+          <a:schemeClr val="phClr"/>
+        </a:solidFill>
+      </a:ln>
+    </cs:spPr>
+  </cs:dataPointMarker>
+  <cs:dataPointMarkerLayout symbol="circle" size="5"/>
+  <cs:dataPointWireframe>
+    <cs:lnRef idx="0">
+      <cs:styleClr val="auto"/>
+    </cs:lnRef>
+    <cs:fillRef idx="0"/>
+    <cs:effectRef idx="0"/>
+    <cs:fontRef idx="minor">
+      <a:schemeClr val="dk1"/>
+    </cs:fontRef>
+    <cs:spPr>
+      <a:ln w="9525" cap="rnd">
+        <a:solidFill>
+          <a:schemeClr val="phClr"/>
+        </a:solidFill>
+        <a:round/>
+      </a:ln>
+    </cs:spPr>
+  </cs:dataPointWireframe>
+  <cs:dataTable>
+    <cs:lnRef idx="0"/>
+    <cs:fillRef idx="0"/>
+    <cs:effectRef idx="0"/>
+    <cs:fontRef idx="minor">
+      <a:schemeClr val="tx1">
+        <a:lumMod val="65000"/>
+        <a:lumOff val="35000"/>
+      </a:schemeClr>
+    </cs:fontRef>
+    <cs:spPr>
+      <a:noFill/>
+      <a:ln w="9525" cap="flat" cmpd="sng" algn="ctr">
+        <a:solidFill>
+          <a:schemeClr val="tx1">
+            <a:lumMod val="15000"/>
+            <a:lumOff val="85000"/>
+          </a:schemeClr>
+        </a:solidFill>
+        <a:round/>
+      </a:ln>
+    </cs:spPr>
+    <cs:defRPr sz="900" kern="1200"/>
+  </cs:dataTable>
+  <cs:downBar>
+    <cs:lnRef idx="0"/>
+    <cs:fillRef idx="0"/>
+    <cs:effectRef idx="0"/>
+    <cs:fontRef idx="minor">
+      <a:schemeClr val="tx1"/>
+    </cs:fontRef>
+    <cs:spPr>
+      <a:solidFill>
+        <a:schemeClr val="dk1">
+          <a:lumMod val="75000"/>
+          <a:lumOff val="25000"/>
+        </a:schemeClr>
+      </a:solidFill>
+      <a:ln w="9525" cap="flat" cmpd="sng" algn="ctr">
+        <a:solidFill>
+          <a:schemeClr val="tx1">
+            <a:lumMod val="65000"/>
+            <a:lumOff val="35000"/>
+          </a:schemeClr>
+        </a:solidFill>
+        <a:round/>
+      </a:ln>
+    </cs:spPr>
+  </cs:downBar>
+  <cs:dropLine>
+    <cs:lnRef idx="0"/>
+    <cs:fillRef idx="0"/>
+    <cs:effectRef idx="0"/>
+    <cs:fontRef idx="minor">
+      <a:schemeClr val="tx1"/>
+    </cs:fontRef>
+    <cs:spPr>
+      <a:ln w="9525" cap="flat" cmpd="sng" algn="ctr">
+        <a:solidFill>
+          <a:schemeClr val="tx1">
+            <a:lumMod val="35000"/>
+            <a:lumOff val="65000"/>
+          </a:schemeClr>
+        </a:solidFill>
+        <a:round/>
+      </a:ln>
+    </cs:spPr>
+  </cs:dropLine>
+  <cs:errorBar>
+    <cs:lnRef idx="0"/>
+    <cs:fillRef idx="0"/>
+    <cs:effectRef idx="0"/>
+    <cs:fontRef idx="minor">
+      <a:schemeClr val="tx1"/>
+    </cs:fontRef>
+    <cs:spPr>
+      <a:ln w="9525" cap="flat" cmpd="sng" algn="ctr">
+        <a:solidFill>
+          <a:schemeClr val="tx1">
+            <a:lumMod val="65000"/>
+            <a:lumOff val="35000"/>
+          </a:schemeClr>
+        </a:solidFill>
+        <a:round/>
+      </a:ln>
+    </cs:spPr>
+  </cs:errorBar>
+  <cs:floor>
+    <cs:lnRef idx="0"/>
+    <cs:fillRef idx="0"/>
+    <cs:effectRef idx="0"/>
+    <cs:fontRef idx="minor">
+      <a:schemeClr val="tx1"/>
+    </cs:fontRef>
+    <cs:spPr>
+      <a:noFill/>
+      <a:ln>
+        <a:noFill/>
+      </a:ln>
+    </cs:spPr>
+  </cs:floor>
+  <cs:gridlineMajor>
+    <cs:lnRef idx="0"/>
+    <cs:fillRef idx="0"/>
+    <cs:effectRef idx="0"/>
+    <cs:fontRef idx="minor">
+      <a:schemeClr val="tx1"/>
+    </cs:fontRef>
+    <cs:spPr>
+      <a:ln w="9525" cap="flat" cmpd="sng" algn="ctr">
+        <a:solidFill>
+          <a:schemeClr val="tx1">
+            <a:lumMod val="15000"/>
+            <a:lumOff val="85000"/>
+          </a:schemeClr>
+        </a:solidFill>
+        <a:round/>
+      </a:ln>
+    </cs:spPr>
+  </cs:gridlineMajor>
+  <cs:gridlineMinor>
+    <cs:lnRef idx="0"/>
+    <cs:fillRef idx="0"/>
+    <cs:effectRef idx="0"/>
+    <cs:fontRef idx="minor">
+      <a:schemeClr val="tx1"/>
+    </cs:fontRef>
+    <cs:spPr>
+      <a:ln w="9525" cap="flat" cmpd="sng" algn="ctr">
+        <a:solidFill>
+          <a:schemeClr val="tx1">
+            <a:lumMod val="5000"/>
+            <a:lumOff val="95000"/>
+          </a:schemeClr>
+        </a:solidFill>
+        <a:round/>
+      </a:ln>
+    </cs:spPr>
+  </cs:gridlineMinor>
+  <cs:hiLoLine>
+    <cs:lnRef idx="0"/>
+    <cs:fillRef idx="0"/>
+    <cs:effectRef idx="0"/>
+    <cs:fontRef idx="minor">
+      <a:schemeClr val="tx1"/>
+    </cs:fontRef>
+    <cs:spPr>
+      <a:ln w="9525" cap="flat" cmpd="sng" algn="ctr">
+        <a:solidFill>
+          <a:schemeClr val="tx1">
+            <a:lumMod val="50000"/>
+            <a:lumOff val="50000"/>
+          </a:schemeClr>
+        </a:solidFill>
+        <a:round/>
+      </a:ln>
+    </cs:spPr>
+  </cs:hiLoLine>
+  <cs:leaderLine>
+    <cs:lnRef idx="0"/>
+    <cs:fillRef idx="0"/>
+    <cs:effectRef idx="0"/>
+    <cs:fontRef idx="minor">
+      <a:schemeClr val="tx1"/>
+    </cs:fontRef>
+    <cs:spPr>
+      <a:ln w="9525" cap="flat" cmpd="sng" algn="ctr">
+        <a:solidFill>
+          <a:schemeClr val="tx1">
+            <a:lumMod val="35000"/>
+            <a:lumOff val="65000"/>
+          </a:schemeClr>
+        </a:solidFill>
+        <a:round/>
+      </a:ln>
+    </cs:spPr>
+  </cs:leaderLine>
+  <cs:legend>
+    <cs:lnRef idx="0"/>
+    <cs:fillRef idx="0"/>
+    <cs:effectRef idx="0"/>
+    <cs:fontRef idx="minor">
+      <a:schemeClr val="tx1">
+        <a:lumMod val="65000"/>
+        <a:lumOff val="35000"/>
+      </a:schemeClr>
+    </cs:fontRef>
+    <cs:defRPr sz="900" kern="1200"/>
+  </cs:legend>
+  <cs:plotArea mods="allowNoFillOverride allowNoLineOverride">
+    <cs:lnRef idx="0"/>
+    <cs:fillRef idx="0"/>
+    <cs:effectRef idx="0"/>
+    <cs:fontRef idx="minor">
+      <a:schemeClr val="tx1"/>
+    </cs:fontRef>
+  </cs:plotArea>
+  <cs:plotArea3D mods="allowNoFillOverride allowNoLineOverride">
+    <cs:lnRef idx="0"/>
+    <cs:fillRef idx="0"/>
+    <cs:effectRef idx="0"/>
+    <cs:fontRef idx="minor">
+      <a:schemeClr val="tx1"/>
+    </cs:fontRef>
+  </cs:plotArea3D>
+  <cs:seriesAxis>
+    <cs:lnRef idx="0"/>
+    <cs:fillRef idx="0"/>
+    <cs:effectRef idx="0"/>
+    <cs:fontRef idx="minor">
+      <a:schemeClr val="tx1">
+        <a:lumMod val="65000"/>
+        <a:lumOff val="35000"/>
+      </a:schemeClr>
+    </cs:fontRef>
+    <cs:defRPr sz="900" kern="1200"/>
+  </cs:seriesAxis>
+  <cs:seriesLine>
+    <cs:lnRef idx="0"/>
+    <cs:fillRef idx="0"/>
+    <cs:effectRef idx="0"/>
+    <cs:fontRef idx="minor">
+      <a:schemeClr val="tx1"/>
+    </cs:fontRef>
+    <cs:spPr>
+      <a:ln w="9525" cap="flat" cmpd="sng" algn="ctr">
+        <a:solidFill>
+          <a:schemeClr val="tx1">
+            <a:lumMod val="35000"/>
+            <a:lumOff val="65000"/>
+          </a:schemeClr>
+        </a:solidFill>
+        <a:round/>
+      </a:ln>
+    </cs:spPr>
+  </cs:seriesLine>
+  <cs:title>
+    <cs:lnRef idx="0"/>
+    <cs:fillRef idx="0"/>
+    <cs:effectRef idx="0"/>
+    <cs:fontRef idx="minor">
+      <a:schemeClr val="tx1">
+        <a:lumMod val="65000"/>
+        <a:lumOff val="35000"/>
+      </a:schemeClr>
+    </cs:fontRef>
+    <cs:defRPr sz="1400" b="0" kern="1200" spc="0" baseline="0"/>
+  </cs:title>
+  <cs:trendline>
+    <cs:lnRef idx="0">
+      <cs:styleClr val="auto"/>
+    </cs:lnRef>
+    <cs:fillRef idx="0"/>
+    <cs:effectRef idx="0"/>
+    <cs:fontRef idx="minor">
+      <a:schemeClr val="tx1"/>
+    </cs:fontRef>
+    <cs:spPr>
+      <a:ln w="19050" cap="rnd">
+        <a:solidFill>
+          <a:schemeClr val="phClr"/>
+        </a:solidFill>
+        <a:prstDash val="sysDot"/>
+      </a:ln>
+    </cs:spPr>
+  </cs:trendline>
+  <cs:trendlineLabel>
+    <cs:lnRef idx="0"/>
+    <cs:fillRef idx="0"/>
+    <cs:effectRef idx="0"/>
+    <cs:fontRef idx="minor">
+      <a:schemeClr val="tx1">
+        <a:lumMod val="65000"/>
+        <a:lumOff val="35000"/>
+      </a:schemeClr>
+    </cs:fontRef>
+    <cs:defRPr sz="900" kern="1200"/>
+  </cs:trendlineLabel>
+  <cs:upBar>
+    <cs:lnRef idx="0"/>
+    <cs:fillRef idx="0"/>
+    <cs:effectRef idx="0"/>
+    <cs:fontRef idx="minor">
+      <a:schemeClr val="tx1"/>
+    </cs:fontRef>
+    <cs:spPr>
+      <a:solidFill>
+        <a:schemeClr val="lt1"/>
+      </a:solidFill>
+      <a:ln w="9525" cap="flat" cmpd="sng" algn="ctr">
+        <a:solidFill>
+          <a:schemeClr val="tx1">
+            <a:lumMod val="65000"/>
+            <a:lumOff val="35000"/>
+          </a:schemeClr>
+        </a:solidFill>
+        <a:round/>
+      </a:ln>
+    </cs:spPr>
+  </cs:upBar>
+  <cs:valueAxis>
+    <cs:lnRef idx="0"/>
+    <cs:fillRef idx="0"/>
+    <cs:effectRef idx="0"/>
+    <cs:fontRef idx="minor">
+      <a:schemeClr val="tx1">
+        <a:lumMod val="65000"/>
+        <a:lumOff val="35000"/>
+      </a:schemeClr>
+    </cs:fontRef>
+    <cs:spPr>
+      <a:ln w="9525" cap="flat" cmpd="sng" algn="ctr">
+        <a:solidFill>
+          <a:schemeClr val="tx1">
+            <a:lumMod val="25000"/>
+            <a:lumOff val="75000"/>
+          </a:schemeClr>
+        </a:solidFill>
+        <a:round/>
+      </a:ln>
+    </cs:spPr>
+    <cs:defRPr sz="900" kern="1200"/>
+  </cs:valueAxis>
+  <cs:wall>
+    <cs:lnRef idx="0"/>
+    <cs:fillRef idx="0"/>
+    <cs:effectRef idx="0"/>
+    <cs:fontRef idx="minor">
+      <a:schemeClr val="tx1"/>
+    </cs:fontRef>
+    <cs:spPr>
+      <a:noFill/>
+      <a:ln>
+        <a:noFill/>
+      </a:ln>
+    </cs:spPr>
+  </cs:wall>
+</cs:chartStyle>
+</file>
+
+<file path=ppt/notesMasters/notesMaster1.xml><?xml version="1.0" encoding="utf-8"?>
+<p:notesMaster xmlns:a="http://schemas.openxmlformats.org/drawingml/2006/main" xmlns:r="http://schemas.openxmlformats.org/officeDocument/2006/relationships" xmlns:p="http://schemas.openxmlformats.org/presentationml/2006/main">
+  <p:cSld>
+    <p:bg>
+      <p:bgRef idx="1001">
+        <a:schemeClr val="bg1"/>
+      </p:bgRef>
+    </p:bg>
+    <p:spTree>
+      <p:nvGrpSpPr>
+        <p:cNvPr id="1" name=""/>
+        <p:cNvGrpSpPr/>
+        <p:nvPr/>
+      </p:nvGrpSpPr>
+      <p:grpSpPr>
+        <a:xfrm>
+          <a:off x="0" y="0"/>
+          <a:ext cx="0" cy="0"/>
+          <a:chOff x="0" y="0"/>
+          <a:chExt cx="0" cy="0"/>
+        </a:xfrm>
+      </p:grpSpPr>
+      <p:sp>
+        <p:nvSpPr>
+          <p:cNvPr id="2" name="Header Placeholder 1"/>
+          <p:cNvSpPr>
+            <a:spLocks noGrp="1"/>
+          </p:cNvSpPr>
+          <p:nvPr>
+            <p:ph type="hdr" sz="quarter"/>
+          </p:nvPr>
+        </p:nvSpPr>
+        <p:spPr>
+          <a:xfrm>
+            <a:off x="0" y="0"/>
+            <a:ext cx="2971800" cy="458788"/>
+          </a:xfrm>
+          <a:prstGeom prst="rect">
+            <a:avLst/>
+          </a:prstGeom>
+        </p:spPr>
+        <p:txBody>
+          <a:bodyPr vert="horz" lIns="91440" tIns="45720" rIns="91440" bIns="45720" rtlCol="0"/>
+          <a:lstStyle>
+            <a:lvl1pPr algn="l">
+              <a:defRPr sz="1200"/>
+            </a:lvl1pPr>
+          </a:lstStyle>
+          <a:p>
+            <a:endParaRPr lang="en-US"/>
+          </a:p>
+        </p:txBody>
+      </p:sp>
+      <p:sp>
+        <p:nvSpPr>
+          <p:cNvPr id="3" name="Date Placeholder 2"/>
+          <p:cNvSpPr>
+            <a:spLocks noGrp="1"/>
+          </p:cNvSpPr>
+          <p:nvPr>
+            <p:ph type="dt" idx="1"/>
+          </p:nvPr>
+        </p:nvSpPr>
+        <p:spPr>
+          <a:xfrm>
+            <a:off x="3884613" y="0"/>
+            <a:ext cx="2971800" cy="458788"/>
+          </a:xfrm>
+          <a:prstGeom prst="rect">
+            <a:avLst/>
+          </a:prstGeom>
+        </p:spPr>
+        <p:txBody>
+          <a:bodyPr vert="horz" lIns="91440" tIns="45720" rIns="91440" bIns="45720" rtlCol="0"/>
+          <a:lstStyle>
+            <a:lvl1pPr algn="r">
+              <a:defRPr sz="1200"/>
+            </a:lvl1pPr>
+          </a:lstStyle>
+          <a:p>
+            <a:fld id="{7632A2B4-7209-462E-905F-37D9BF206B00}" type="datetimeFigureOut">
+              <a:rPr lang="en-US" smtClean="0"/>
+              <a:t>12/7/2016</a:t>
+            </a:fld>
+            <a:endParaRPr lang="en-US"/>
+          </a:p>
+        </p:txBody>
+      </p:sp>
+      <p:sp>
+        <p:nvSpPr>
+          <p:cNvPr id="4" name="Slide Image Placeholder 3"/>
+          <p:cNvSpPr>
+            <a:spLocks noGrp="1" noRot="1" noChangeAspect="1"/>
+          </p:cNvSpPr>
+          <p:nvPr>
+            <p:ph type="sldImg" idx="2"/>
+          </p:nvPr>
+        </p:nvSpPr>
+        <p:spPr>
+          <a:xfrm>
+            <a:off x="685800" y="1143000"/>
+            <a:ext cx="5486400" cy="3086100"/>
+          </a:xfrm>
+          <a:prstGeom prst="rect">
+            <a:avLst/>
+          </a:prstGeom>
+          <a:noFill/>
+          <a:ln w="12700">
+            <a:solidFill>
+              <a:prstClr val="black"/>
+            </a:solidFill>
+          </a:ln>
+        </p:spPr>
+        <p:txBody>
+          <a:bodyPr vert="horz" lIns="91440" tIns="45720" rIns="91440" bIns="45720" rtlCol="0" anchor="ctr"/>
+          <a:lstStyle/>
+          <a:p>
+            <a:endParaRPr lang="en-US"/>
+          </a:p>
+        </p:txBody>
+      </p:sp>
+      <p:sp>
+        <p:nvSpPr>
+          <p:cNvPr id="5" name="Notes Placeholder 4"/>
+          <p:cNvSpPr>
+            <a:spLocks noGrp="1"/>
+          </p:cNvSpPr>
+          <p:nvPr>
+            <p:ph type="body" sz="quarter" idx="3"/>
+          </p:nvPr>
+        </p:nvSpPr>
+        <p:spPr>
+          <a:xfrm>
+            <a:off x="685800" y="4400550"/>
+            <a:ext cx="5486400" cy="3600450"/>
+          </a:xfrm>
+          <a:prstGeom prst="rect">
+            <a:avLst/>
+          </a:prstGeom>
+        </p:spPr>
+        <p:txBody>
+          <a:bodyPr vert="horz" lIns="91440" tIns="45720" rIns="91440" bIns="45720" rtlCol="0"/>
+          <a:lstStyle/>
+          <a:p>
+            <a:pPr lvl="0"/>
+            <a:r>
+              <a:rPr lang="en-US" smtClean="0"/>
+              <a:t>Click to edit Master text styles</a:t>
+            </a:r>
+          </a:p>
+          <a:p>
+            <a:pPr lvl="1"/>
+            <a:r>
+              <a:rPr lang="en-US" smtClean="0"/>
+              <a:t>Second level</a:t>
+            </a:r>
+          </a:p>
+          <a:p>
+            <a:pPr lvl="2"/>
+            <a:r>
+              <a:rPr lang="en-US" smtClean="0"/>
+              <a:t>Third level</a:t>
+            </a:r>
+          </a:p>
+          <a:p>
+            <a:pPr lvl="3"/>
+            <a:r>
+              <a:rPr lang="en-US" smtClean="0"/>
+              <a:t>Fourth level</a:t>
+            </a:r>
+          </a:p>
+          <a:p>
+            <a:pPr lvl="4"/>
+            <a:r>
+              <a:rPr lang="en-US" smtClean="0"/>
+              <a:t>Fifth level</a:t>
+            </a:r>
+            <a:endParaRPr lang="en-US"/>
+          </a:p>
+        </p:txBody>
+      </p:sp>
+      <p:sp>
+        <p:nvSpPr>
+          <p:cNvPr id="6" name="Footer Placeholder 5"/>
+          <p:cNvSpPr>
+            <a:spLocks noGrp="1"/>
+          </p:cNvSpPr>
+          <p:nvPr>
+            <p:ph type="ftr" sz="quarter" idx="4"/>
+          </p:nvPr>
+        </p:nvSpPr>
+        <p:spPr>
+          <a:xfrm>
+            <a:off x="0" y="8685213"/>
+            <a:ext cx="2971800" cy="458787"/>
+          </a:xfrm>
+          <a:prstGeom prst="rect">
+            <a:avLst/>
+          </a:prstGeom>
+        </p:spPr>
+        <p:txBody>
+          <a:bodyPr vert="horz" lIns="91440" tIns="45720" rIns="91440" bIns="45720" rtlCol="0" anchor="b"/>
+          <a:lstStyle>
+            <a:lvl1pPr algn="l">
+              <a:defRPr sz="1200"/>
+            </a:lvl1pPr>
+          </a:lstStyle>
+          <a:p>
+            <a:endParaRPr lang="en-US"/>
+          </a:p>
+        </p:txBody>
+      </p:sp>
+      <p:sp>
+        <p:nvSpPr>
+          <p:cNvPr id="7" name="Slide Number Placeholder 6"/>
+          <p:cNvSpPr>
+            <a:spLocks noGrp="1"/>
+          </p:cNvSpPr>
+          <p:nvPr>
+            <p:ph type="sldNum" sz="quarter" idx="5"/>
+          </p:nvPr>
+        </p:nvSpPr>
+        <p:spPr>
+          <a:xfrm>
+            <a:off x="3884613" y="8685213"/>
+            <a:ext cx="2971800" cy="458787"/>
+          </a:xfrm>
+          <a:prstGeom prst="rect">
+            <a:avLst/>
+          </a:prstGeom>
+        </p:spPr>
+        <p:txBody>
+          <a:bodyPr vert="horz" lIns="91440" tIns="45720" rIns="91440" bIns="45720" rtlCol="0" anchor="b"/>
+          <a:lstStyle>
+            <a:lvl1pPr algn="r">
+              <a:defRPr sz="1200"/>
+            </a:lvl1pPr>
+          </a:lstStyle>
+          <a:p>
+            <a:fld id="{F28DDB9E-394F-4BD5-8C7D-D3D6F66BFC62}" type="slidenum">
+              <a:rPr lang="en-US" smtClean="0"/>
+              <a:t>‹#›</a:t>
+            </a:fld>
+            <a:endParaRPr lang="en-US"/>
+          </a:p>
+        </p:txBody>
+      </p:sp>
+    </p:spTree>
+    <p:extLst>
+      <p:ext uri="{BB962C8B-B14F-4D97-AF65-F5344CB8AC3E}">
+        <p14:creationId xmlns:p14="http://schemas.microsoft.com/office/powerpoint/2010/main" val="3869569454"/>
+      </p:ext>
+    </p:extLst>
+  </p:cSld>
+  <p:clrMap bg1="lt1" tx1="dk1" bg2="lt2" tx2="dk2" accent1="accent1" accent2="accent2" accent3="accent3" accent4="accent4" accent5="accent5" accent6="accent6" hlink="hlink" folHlink="folHlink"/>
+  <p:notesStyle>
+    <a:lvl1pPr marL="0" algn="l" defTabSz="914400" rtl="0" eaLnBrk="1" latinLnBrk="0" hangingPunct="1">
+      <a:defRPr sz="1200" kern="1200">
+        <a:solidFill>
+          <a:schemeClr val="tx1"/>
+        </a:solidFill>
+        <a:latin typeface="+mn-lt"/>
+        <a:ea typeface="+mn-ea"/>
+        <a:cs typeface="+mn-cs"/>
+      </a:defRPr>
+    </a:lvl1pPr>
+    <a:lvl2pPr marL="457200" algn="l" defTabSz="914400" rtl="0" eaLnBrk="1" latinLnBrk="0" hangingPunct="1">
+      <a:defRPr sz="1200" kern="1200">
+        <a:solidFill>
+          <a:schemeClr val="tx1"/>
+        </a:solidFill>
+        <a:latin typeface="+mn-lt"/>
+        <a:ea typeface="+mn-ea"/>
+        <a:cs typeface="+mn-cs"/>
+      </a:defRPr>
+    </a:lvl2pPr>
+    <a:lvl3pPr marL="914400" algn="l" defTabSz="914400" rtl="0" eaLnBrk="1" latinLnBrk="0" hangingPunct="1">
+      <a:defRPr sz="1200" kern="1200">
+        <a:solidFill>
+          <a:schemeClr val="tx1"/>
+        </a:solidFill>
+        <a:latin typeface="+mn-lt"/>
+        <a:ea typeface="+mn-ea"/>
+        <a:cs typeface="+mn-cs"/>
+      </a:defRPr>
+    </a:lvl3pPr>
+    <a:lvl4pPr marL="1371600" algn="l" defTabSz="914400" rtl="0" eaLnBrk="1" latinLnBrk="0" hangingPunct="1">
+      <a:defRPr sz="1200" kern="1200">
+        <a:solidFill>
+          <a:schemeClr val="tx1"/>
+        </a:solidFill>
+        <a:latin typeface="+mn-lt"/>
+        <a:ea typeface="+mn-ea"/>
+        <a:cs typeface="+mn-cs"/>
+      </a:defRPr>
+    </a:lvl4pPr>
+    <a:lvl5pPr marL="1828800" algn="l" defTabSz="914400" rtl="0" eaLnBrk="1" latinLnBrk="0" hangingPunct="1">
+      <a:defRPr sz="1200" kern="1200">
+        <a:solidFill>
+          <a:schemeClr val="tx1"/>
+        </a:solidFill>
+        <a:latin typeface="+mn-lt"/>
+        <a:ea typeface="+mn-ea"/>
+        <a:cs typeface="+mn-cs"/>
+      </a:defRPr>
+    </a:lvl5pPr>
+    <a:lvl6pPr marL="2286000" algn="l" defTabSz="914400" rtl="0" eaLnBrk="1" latinLnBrk="0" hangingPunct="1">
+      <a:defRPr sz="1200" kern="1200">
+        <a:solidFill>
+          <a:schemeClr val="tx1"/>
+        </a:solidFill>
+        <a:latin typeface="+mn-lt"/>
+        <a:ea typeface="+mn-ea"/>
+        <a:cs typeface="+mn-cs"/>
+      </a:defRPr>
+    </a:lvl6pPr>
+    <a:lvl7pPr marL="2743200" algn="l" defTabSz="914400" rtl="0" eaLnBrk="1" latinLnBrk="0" hangingPunct="1">
+      <a:defRPr sz="1200" kern="1200">
+        <a:solidFill>
+          <a:schemeClr val="tx1"/>
+        </a:solidFill>
+        <a:latin typeface="+mn-lt"/>
+        <a:ea typeface="+mn-ea"/>
+        <a:cs typeface="+mn-cs"/>
+      </a:defRPr>
+    </a:lvl7pPr>
+    <a:lvl8pPr marL="3200400" algn="l" defTabSz="914400" rtl="0" eaLnBrk="1" latinLnBrk="0" hangingPunct="1">
+      <a:defRPr sz="1200" kern="1200">
+        <a:solidFill>
+          <a:schemeClr val="tx1"/>
+        </a:solidFill>
+        <a:latin typeface="+mn-lt"/>
+        <a:ea typeface="+mn-ea"/>
+        <a:cs typeface="+mn-cs"/>
+      </a:defRPr>
+    </a:lvl8pPr>
+    <a:lvl9pPr marL="3657600" algn="l" defTabSz="914400" rtl="0" eaLnBrk="1" latinLnBrk="0" hangingPunct="1">
+      <a:defRPr sz="1200" kern="1200">
+        <a:solidFill>
+          <a:schemeClr val="tx1"/>
+        </a:solidFill>
+        <a:latin typeface="+mn-lt"/>
+        <a:ea typeface="+mn-ea"/>
+        <a:cs typeface="+mn-cs"/>
+      </a:defRPr>
+    </a:lvl9pPr>
+  </p:notesStyle>
+</p:notesMaster>
+</file>
+
+<file path=ppt/notesSlides/notesSlide1.xml><?xml version="1.0" encoding="utf-8"?>
+<p:notes xmlns:a="http://schemas.openxmlformats.org/drawingml/2006/main" xmlns:r="http://schemas.openxmlformats.org/officeDocument/2006/relationships" xmlns:p="http://schemas.openxmlformats.org/presentationml/2006/main">
+  <p:cSld>
+    <p:spTree>
+      <p:nvGrpSpPr>
+        <p:cNvPr id="1" name=""/>
+        <p:cNvGrpSpPr/>
+        <p:nvPr/>
+      </p:nvGrpSpPr>
+      <p:grpSpPr>
+        <a:xfrm>
+          <a:off x="0" y="0"/>
+          <a:ext cx="0" cy="0"/>
+          <a:chOff x="0" y="0"/>
+          <a:chExt cx="0" cy="0"/>
+        </a:xfrm>
+      </p:grpSpPr>
+      <p:sp>
+        <p:nvSpPr>
+          <p:cNvPr id="2" name="Slide Image Placeholder 1"/>
+          <p:cNvSpPr>
+            <a:spLocks noGrp="1" noRot="1" noChangeAspect="1"/>
+          </p:cNvSpPr>
+          <p:nvPr>
+            <p:ph type="sldImg"/>
+          </p:nvPr>
+        </p:nvSpPr>
+        <p:spPr/>
+      </p:sp>
+      <p:sp>
+        <p:nvSpPr>
+          <p:cNvPr id="3" name="Notes Placeholder 2"/>
+          <p:cNvSpPr>
+            <a:spLocks noGrp="1"/>
+          </p:cNvSpPr>
+          <p:nvPr>
+            <p:ph type="body" idx="1"/>
+          </p:nvPr>
+        </p:nvSpPr>
+        <p:spPr/>
+        <p:txBody>
+          <a:bodyPr/>
+          <a:lstStyle/>
+          <a:p>
+            <a:endParaRPr lang="en-US" dirty="0"/>
+          </a:p>
+        </p:txBody>
+      </p:sp>
+      <p:sp>
+        <p:nvSpPr>
+          <p:cNvPr id="4" name="Slide Number Placeholder 3"/>
+          <p:cNvSpPr>
+            <a:spLocks noGrp="1"/>
+          </p:cNvSpPr>
+          <p:nvPr>
+            <p:ph type="sldNum" sz="quarter" idx="10"/>
+          </p:nvPr>
+        </p:nvSpPr>
+        <p:spPr/>
+        <p:txBody>
+          <a:bodyPr/>
+          <a:lstStyle/>
+          <a:p>
+            <a:fld id="{F28DDB9E-394F-4BD5-8C7D-D3D6F66BFC62}" type="slidenum">
+              <a:rPr lang="en-US" smtClean="0"/>
+              <a:t>1</a:t>
+            </a:fld>
+            <a:endParaRPr lang="en-US"/>
+          </a:p>
+        </p:txBody>
+      </p:sp>
+    </p:spTree>
+    <p:extLst>
+      <p:ext uri="{BB962C8B-B14F-4D97-AF65-F5344CB8AC3E}">
+        <p14:creationId xmlns:p14="http://schemas.microsoft.com/office/powerpoint/2010/main" val="2419910247"/>
+      </p:ext>
+    </p:extLst>
+  </p:cSld>
+  <p:clrMapOvr>
+    <a:masterClrMapping/>
+  </p:clrMapOvr>
+</p:notes>
+</file>
+
+<file path=ppt/notesSlides/notesSlide2.xml><?xml version="1.0" encoding="utf-8"?>
+<p:notes xmlns:a="http://schemas.openxmlformats.org/drawingml/2006/main" xmlns:r="http://schemas.openxmlformats.org/officeDocument/2006/relationships" xmlns:p="http://schemas.openxmlformats.org/presentationml/2006/main">
+  <p:cSld>
+    <p:spTree>
+      <p:nvGrpSpPr>
+        <p:cNvPr id="1" name=""/>
+        <p:cNvGrpSpPr/>
+        <p:nvPr/>
+      </p:nvGrpSpPr>
+      <p:grpSpPr>
+        <a:xfrm>
+          <a:off x="0" y="0"/>
+          <a:ext cx="0" cy="0"/>
+          <a:chOff x="0" y="0"/>
+          <a:chExt cx="0" cy="0"/>
+        </a:xfrm>
+      </p:grpSpPr>
+      <p:sp>
+        <p:nvSpPr>
+          <p:cNvPr id="2" name="Slide Image Placeholder 1"/>
+          <p:cNvSpPr>
+            <a:spLocks noGrp="1" noRot="1" noChangeAspect="1"/>
+          </p:cNvSpPr>
+          <p:nvPr>
+            <p:ph type="sldImg"/>
+          </p:nvPr>
+        </p:nvSpPr>
+        <p:spPr/>
+      </p:sp>
+      <p:sp>
+        <p:nvSpPr>
+          <p:cNvPr id="3" name="Notes Placeholder 2"/>
+          <p:cNvSpPr>
+            <a:spLocks noGrp="1"/>
+          </p:cNvSpPr>
+          <p:nvPr>
+            <p:ph type="body" idx="1"/>
+          </p:nvPr>
+        </p:nvSpPr>
+        <p:spPr/>
+        <p:txBody>
+          <a:bodyPr/>
+          <a:lstStyle/>
+          <a:p>
+            <a:r>
+              <a:rPr lang="en-US" dirty="0" smtClean="0"/>
+              <a:t>p=</a:t>
+            </a:r>
+            <a:r>
+              <a:rPr lang="en-US" sz="1200" b="0" i="0" kern="1200" dirty="0" smtClean="0">
+                <a:solidFill>
+                  <a:schemeClr val="tx1"/>
+                </a:solidFill>
+                <a:effectLst/>
+                <a:latin typeface="+mn-lt"/>
+                <a:ea typeface="+mn-ea"/>
+                <a:cs typeface="+mn-cs"/>
+              </a:rPr>
+              <a:t>0.098044,  0.08878</a:t>
+            </a:r>
+            <a:endParaRPr lang="en-US" dirty="0"/>
+          </a:p>
+        </p:txBody>
+      </p:sp>
+      <p:sp>
+        <p:nvSpPr>
+          <p:cNvPr id="4" name="Slide Number Placeholder 3"/>
+          <p:cNvSpPr>
+            <a:spLocks noGrp="1"/>
+          </p:cNvSpPr>
+          <p:nvPr>
+            <p:ph type="sldNum" sz="quarter" idx="10"/>
+          </p:nvPr>
+        </p:nvSpPr>
+        <p:spPr/>
+        <p:txBody>
+          <a:bodyPr/>
+          <a:lstStyle/>
+          <a:p>
+            <a:fld id="{F28DDB9E-394F-4BD5-8C7D-D3D6F66BFC62}" type="slidenum">
+              <a:rPr lang="en-US" smtClean="0"/>
+              <a:t>3</a:t>
+            </a:fld>
+            <a:endParaRPr lang="en-US"/>
+          </a:p>
+        </p:txBody>
+      </p:sp>
+    </p:spTree>
+    <p:extLst>
+      <p:ext uri="{BB962C8B-B14F-4D97-AF65-F5344CB8AC3E}">
+        <p14:creationId xmlns:p14="http://schemas.microsoft.com/office/powerpoint/2010/main" val="3793203845"/>
+      </p:ext>
+    </p:extLst>
+  </p:cSld>
+  <p:clrMapOvr>
+    <a:masterClrMapping/>
+  </p:clrMapOvr>
+</p:notes>
+</file>
+
+<file path=ppt/notesSlides/notesSlide3.xml><?xml version="1.0" encoding="utf-8"?>
+<p:notes xmlns:a="http://schemas.openxmlformats.org/drawingml/2006/main" xmlns:r="http://schemas.openxmlformats.org/officeDocument/2006/relationships" xmlns:p="http://schemas.openxmlformats.org/presentationml/2006/main">
+  <p:cSld>
+    <p:spTree>
+      <p:nvGrpSpPr>
+        <p:cNvPr id="1" name=""/>
+        <p:cNvGrpSpPr/>
+        <p:nvPr/>
+      </p:nvGrpSpPr>
+      <p:grpSpPr>
+        <a:xfrm>
+          <a:off x="0" y="0"/>
+          <a:ext cx="0" cy="0"/>
+          <a:chOff x="0" y="0"/>
+          <a:chExt cx="0" cy="0"/>
+        </a:xfrm>
+      </p:grpSpPr>
+      <p:sp>
+        <p:nvSpPr>
+          <p:cNvPr id="2" name="Slide Image Placeholder 1"/>
+          <p:cNvSpPr>
+            <a:spLocks noGrp="1" noRot="1" noChangeAspect="1"/>
+          </p:cNvSpPr>
+          <p:nvPr>
+            <p:ph type="sldImg"/>
+          </p:nvPr>
+        </p:nvSpPr>
+        <p:spPr/>
+      </p:sp>
+      <p:sp>
+        <p:nvSpPr>
+          <p:cNvPr id="3" name="Notes Placeholder 2"/>
+          <p:cNvSpPr>
+            <a:spLocks noGrp="1"/>
+          </p:cNvSpPr>
+          <p:nvPr>
+            <p:ph type="body" idx="1"/>
+          </p:nvPr>
+        </p:nvSpPr>
+        <p:spPr/>
+        <p:txBody>
+          <a:bodyPr/>
+          <a:lstStyle/>
+          <a:p>
+            <a:r>
+              <a:rPr lang="en-US" dirty="0" smtClean="0"/>
+              <a:t>p=0.0046, </a:t>
+            </a:r>
+            <a:r>
+              <a:rPr lang="en-US" sz="1200" b="0" i="0" kern="1200" dirty="0" smtClean="0">
+                <a:solidFill>
+                  <a:schemeClr val="tx1"/>
+                </a:solidFill>
+                <a:effectLst/>
+                <a:latin typeface="+mn-lt"/>
+                <a:ea typeface="+mn-ea"/>
+                <a:cs typeface="+mn-cs"/>
+              </a:rPr>
+              <a:t>0.067033, 0.05, 0.047</a:t>
+            </a:r>
+            <a:endParaRPr lang="en-US" dirty="0"/>
+          </a:p>
+        </p:txBody>
+      </p:sp>
+      <p:sp>
+        <p:nvSpPr>
+          <p:cNvPr id="4" name="Slide Number Placeholder 3"/>
+          <p:cNvSpPr>
+            <a:spLocks noGrp="1"/>
+          </p:cNvSpPr>
+          <p:nvPr>
+            <p:ph type="sldNum" sz="quarter" idx="10"/>
+          </p:nvPr>
+        </p:nvSpPr>
+        <p:spPr/>
+        <p:txBody>
+          <a:bodyPr/>
+          <a:lstStyle/>
+          <a:p>
+            <a:fld id="{F28DDB9E-394F-4BD5-8C7D-D3D6F66BFC62}" type="slidenum">
+              <a:rPr lang="en-US" smtClean="0"/>
+              <a:t>4</a:t>
+            </a:fld>
+            <a:endParaRPr lang="en-US"/>
+          </a:p>
+        </p:txBody>
+      </p:sp>
+    </p:spTree>
+    <p:extLst>
+      <p:ext uri="{BB962C8B-B14F-4D97-AF65-F5344CB8AC3E}">
+        <p14:creationId xmlns:p14="http://schemas.microsoft.com/office/powerpoint/2010/main" val="1052493230"/>
+      </p:ext>
+    </p:extLst>
+  </p:cSld>
+  <p:clrMapOvr>
+    <a:masterClrMapping/>
+  </p:clrMapOvr>
+</p:notes>
+</file>
+
+<file path=ppt/notesSlides/notesSlide4.xml><?xml version="1.0" encoding="utf-8"?>
+<p:notes xmlns:a="http://schemas.openxmlformats.org/drawingml/2006/main" xmlns:r="http://schemas.openxmlformats.org/officeDocument/2006/relationships" xmlns:p="http://schemas.openxmlformats.org/presentationml/2006/main">
+  <p:cSld>
+    <p:spTree>
+      <p:nvGrpSpPr>
+        <p:cNvPr id="1" name=""/>
+        <p:cNvGrpSpPr/>
+        <p:nvPr/>
+      </p:nvGrpSpPr>
+      <p:grpSpPr>
+        <a:xfrm>
+          <a:off x="0" y="0"/>
+          <a:ext cx="0" cy="0"/>
+          <a:chOff x="0" y="0"/>
+          <a:chExt cx="0" cy="0"/>
+        </a:xfrm>
+      </p:grpSpPr>
+      <p:sp>
+        <p:nvSpPr>
+          <p:cNvPr id="2" name="Slide Image Placeholder 1"/>
+          <p:cNvSpPr>
+            <a:spLocks noGrp="1" noRot="1" noChangeAspect="1"/>
+          </p:cNvSpPr>
+          <p:nvPr>
+            <p:ph type="sldImg"/>
+          </p:nvPr>
+        </p:nvSpPr>
+        <p:spPr/>
+      </p:sp>
+      <p:sp>
+        <p:nvSpPr>
+          <p:cNvPr id="3" name="Notes Placeholder 2"/>
+          <p:cNvSpPr>
+            <a:spLocks noGrp="1"/>
+          </p:cNvSpPr>
+          <p:nvPr>
+            <p:ph type="body" idx="1"/>
+          </p:nvPr>
+        </p:nvSpPr>
+        <p:spPr/>
+        <p:txBody>
+          <a:bodyPr/>
+          <a:lstStyle/>
+          <a:p>
+            <a:r>
+              <a:rPr lang="en-US" dirty="0" smtClean="0"/>
+              <a:t>p=0.03, 0.033</a:t>
+            </a:r>
+            <a:endParaRPr lang="en-US" dirty="0"/>
+          </a:p>
+        </p:txBody>
+      </p:sp>
+      <p:sp>
+        <p:nvSpPr>
+          <p:cNvPr id="4" name="Slide Number Placeholder 3"/>
+          <p:cNvSpPr>
+            <a:spLocks noGrp="1"/>
+          </p:cNvSpPr>
+          <p:nvPr>
+            <p:ph type="sldNum" sz="quarter" idx="10"/>
+          </p:nvPr>
+        </p:nvSpPr>
+        <p:spPr/>
+        <p:txBody>
+          <a:bodyPr/>
+          <a:lstStyle/>
+          <a:p>
+            <a:fld id="{F28DDB9E-394F-4BD5-8C7D-D3D6F66BFC62}" type="slidenum">
+              <a:rPr lang="en-US" smtClean="0"/>
+              <a:t>5</a:t>
+            </a:fld>
+            <a:endParaRPr lang="en-US"/>
+          </a:p>
+        </p:txBody>
+      </p:sp>
+    </p:spTree>
+    <p:extLst>
+      <p:ext uri="{BB962C8B-B14F-4D97-AF65-F5344CB8AC3E}">
+        <p14:creationId xmlns:p14="http://schemas.microsoft.com/office/powerpoint/2010/main" val="3216221450"/>
+      </p:ext>
+    </p:extLst>
+  </p:cSld>
+  <p:clrMapOvr>
+    <a:masterClrMapping/>
+  </p:clrMapOvr>
+</p:notes>
 </file>
 
 <file path=ppt/slideLayouts/slideLayout1.xml><?xml version="1.0" encoding="utf-8"?>
@@ -3239,7 +9038,7 @@
           <a:p>
             <a:fld id="{6F81013B-5B06-4D28-96F1-D627B35C6F6A}" type="datetimeFigureOut">
               <a:rPr lang="en-US" smtClean="0"/>
-              <a:t>11/8/2016</a:t>
+              <a:t>12/7/2016</a:t>
             </a:fld>
             <a:endParaRPr lang="en-US"/>
           </a:p>
@@ -3409,7 +9208,7 @@
           <a:p>
             <a:fld id="{6F81013B-5B06-4D28-96F1-D627B35C6F6A}" type="datetimeFigureOut">
               <a:rPr lang="en-US" smtClean="0"/>
-              <a:t>11/8/2016</a:t>
+              <a:t>12/7/2016</a:t>
             </a:fld>
             <a:endParaRPr lang="en-US"/>
           </a:p>
@@ -3589,7 +9388,7 @@
           <a:p>
             <a:fld id="{6F81013B-5B06-4D28-96F1-D627B35C6F6A}" type="datetimeFigureOut">
               <a:rPr lang="en-US" smtClean="0"/>
-              <a:t>11/8/2016</a:t>
+              <a:t>12/7/2016</a:t>
             </a:fld>
             <a:endParaRPr lang="en-US"/>
           </a:p>
@@ -3759,7 +9558,7 @@
           <a:p>
             <a:fld id="{6F81013B-5B06-4D28-96F1-D627B35C6F6A}" type="datetimeFigureOut">
               <a:rPr lang="en-US" smtClean="0"/>
-              <a:t>11/8/2016</a:t>
+              <a:t>12/7/2016</a:t>
             </a:fld>
             <a:endParaRPr lang="en-US"/>
           </a:p>
@@ -4005,7 +9804,7 @@
           <a:p>
             <a:fld id="{6F81013B-5B06-4D28-96F1-D627B35C6F6A}" type="datetimeFigureOut">
               <a:rPr lang="en-US" smtClean="0"/>
-              <a:t>11/8/2016</a:t>
+              <a:t>12/7/2016</a:t>
             </a:fld>
             <a:endParaRPr lang="en-US"/>
           </a:p>
@@ -4237,7 +10036,7 @@
           <a:p>
             <a:fld id="{6F81013B-5B06-4D28-96F1-D627B35C6F6A}" type="datetimeFigureOut">
               <a:rPr lang="en-US" smtClean="0"/>
-              <a:t>11/8/2016</a:t>
+              <a:t>12/7/2016</a:t>
             </a:fld>
             <a:endParaRPr lang="en-US"/>
           </a:p>
@@ -4604,7 +10403,7 @@
           <a:p>
             <a:fld id="{6F81013B-5B06-4D28-96F1-D627B35C6F6A}" type="datetimeFigureOut">
               <a:rPr lang="en-US" smtClean="0"/>
-              <a:t>11/8/2016</a:t>
+              <a:t>12/7/2016</a:t>
             </a:fld>
             <a:endParaRPr lang="en-US"/>
           </a:p>
@@ -4722,7 +10521,7 @@
           <a:p>
             <a:fld id="{6F81013B-5B06-4D28-96F1-D627B35C6F6A}" type="datetimeFigureOut">
               <a:rPr lang="en-US" smtClean="0"/>
-              <a:t>11/8/2016</a:t>
+              <a:t>12/7/2016</a:t>
             </a:fld>
             <a:endParaRPr lang="en-US"/>
           </a:p>
@@ -4817,7 +10616,7 @@
           <a:p>
             <a:fld id="{6F81013B-5B06-4D28-96F1-D627B35C6F6A}" type="datetimeFigureOut">
               <a:rPr lang="en-US" smtClean="0"/>
-              <a:t>11/8/2016</a:t>
+              <a:t>12/7/2016</a:t>
             </a:fld>
             <a:endParaRPr lang="en-US"/>
           </a:p>
@@ -5094,7 +10893,7 @@
           <a:p>
             <a:fld id="{6F81013B-5B06-4D28-96F1-D627B35C6F6A}" type="datetimeFigureOut">
               <a:rPr lang="en-US" smtClean="0"/>
-              <a:t>11/8/2016</a:t>
+              <a:t>12/7/2016</a:t>
             </a:fld>
             <a:endParaRPr lang="en-US"/>
           </a:p>
@@ -5347,7 +11146,7 @@
           <a:p>
             <a:fld id="{6F81013B-5B06-4D28-96F1-D627B35C6F6A}" type="datetimeFigureOut">
               <a:rPr lang="en-US" smtClean="0"/>
-              <a:t>11/8/2016</a:t>
+              <a:t>12/7/2016</a:t>
             </a:fld>
             <a:endParaRPr lang="en-US"/>
           </a:p>
@@ -5560,7 +11359,7 @@
           <a:p>
             <a:fld id="{6F81013B-5B06-4D28-96F1-D627B35C6F6A}" type="datetimeFigureOut">
               <a:rPr lang="en-US" smtClean="0"/>
-              <a:t>11/8/2016</a:t>
+              <a:t>12/7/2016</a:t>
             </a:fld>
             <a:endParaRPr lang="en-US"/>
           </a:p>
@@ -5965,30 +11764,268 @@
           <a:chExt cx="0" cy="0"/>
         </a:xfrm>
       </p:grpSpPr>
-      <p:graphicFrame>
-        <p:nvGraphicFramePr>
-          <p:cNvPr id="4" name="Chart 3"/>
-          <p:cNvGraphicFramePr>
-            <a:graphicFrameLocks/>
-          </p:cNvGraphicFramePr>
-          <p:nvPr>
-            <p:extLst>
-              <p:ext uri="{D42A27DB-BD31-4B8C-83A1-F6EECF244321}">
-                <p14:modId xmlns:p14="http://schemas.microsoft.com/office/powerpoint/2010/main" val="1540415448"/>
-              </p:ext>
-            </p:extLst>
-          </p:nvPr>
-        </p:nvGraphicFramePr>
-        <p:xfrm>
-          <a:off x="1775243" y="345057"/>
-          <a:ext cx="7549911" cy="5201728"/>
-        </p:xfrm>
-        <a:graphic>
-          <a:graphicData uri="http://schemas.openxmlformats.org/drawingml/2006/chart">
-            <c:chart xmlns:c="http://schemas.openxmlformats.org/drawingml/2006/chart" xmlns:r="http://schemas.openxmlformats.org/officeDocument/2006/relationships" r:id="rId2"/>
-          </a:graphicData>
-        </a:graphic>
-      </p:graphicFrame>
+      <p:sp>
+        <p:nvSpPr>
+          <p:cNvPr id="2" name="TextBox 1"/>
+          <p:cNvSpPr txBox="1"/>
+          <p:nvPr/>
+        </p:nvSpPr>
+        <p:spPr>
+          <a:xfrm>
+            <a:off x="2173704" y="200526"/>
+            <a:ext cx="8579272" cy="646331"/>
+          </a:xfrm>
+          <a:prstGeom prst="rect">
+            <a:avLst/>
+          </a:prstGeom>
+          <a:noFill/>
+        </p:spPr>
+        <p:txBody>
+          <a:bodyPr wrap="none" rtlCol="0">
+            <a:spAutoFit/>
+          </a:bodyPr>
+          <a:lstStyle/>
+          <a:p>
+            <a:r>
+              <a:rPr lang="en-US" sz="3600" dirty="0" smtClean="0"/>
+              <a:t>Resting Alpha state activity related to SNR 50</a:t>
+            </a:r>
+            <a:endParaRPr lang="en-US" sz="3600" dirty="0"/>
+          </a:p>
+        </p:txBody>
+      </p:sp>
+      <p:sp>
+        <p:nvSpPr>
+          <p:cNvPr id="3" name="TextBox 2"/>
+          <p:cNvSpPr txBox="1"/>
+          <p:nvPr/>
+        </p:nvSpPr>
+        <p:spPr>
+          <a:xfrm>
+            <a:off x="537411" y="1090863"/>
+            <a:ext cx="10948736" cy="5632311"/>
+          </a:xfrm>
+          <a:prstGeom prst="rect">
+            <a:avLst/>
+          </a:prstGeom>
+          <a:noFill/>
+        </p:spPr>
+        <p:txBody>
+          <a:bodyPr wrap="square" rtlCol="0">
+            <a:spAutoFit/>
+          </a:bodyPr>
+          <a:lstStyle/>
+          <a:p>
+            <a:r>
+              <a:rPr lang="en-US" b="1" u="sng" dirty="0" smtClean="0"/>
+              <a:t>Methods</a:t>
+            </a:r>
+          </a:p>
+          <a:p>
+            <a:r>
+              <a:rPr lang="en-US" dirty="0" smtClean="0"/>
+              <a:t>Participants: Age&gt;50 with mild to moderate hearing loss</a:t>
+            </a:r>
+          </a:p>
+          <a:p>
+            <a:r>
+              <a:rPr lang="en-US" dirty="0" smtClean="0"/>
+              <a:t>Measures: </a:t>
+            </a:r>
+          </a:p>
+          <a:p>
+            <a:pPr marL="285750" indent="-285750">
+              <a:buFont typeface="Arial" panose="020B0604020202020204" pitchFamily="34" charset="0"/>
+              <a:buChar char="•"/>
+            </a:pPr>
+            <a:r>
+              <a:rPr lang="en-US" dirty="0" smtClean="0"/>
+              <a:t>Alpha power (7.5-12.5 </a:t>
+            </a:r>
+            <a:r>
+              <a:rPr lang="en-US" dirty="0" err="1" smtClean="0"/>
+              <a:t>hz</a:t>
+            </a:r>
+            <a:r>
+              <a:rPr lang="en-US" dirty="0" smtClean="0"/>
+              <a:t>) in occipital brain regions</a:t>
+            </a:r>
+          </a:p>
+          <a:p>
+            <a:pPr marL="285750" indent="-285750">
+              <a:buFont typeface="Arial" panose="020B0604020202020204" pitchFamily="34" charset="0"/>
+              <a:buChar char="•"/>
+            </a:pPr>
+            <a:r>
+              <a:rPr lang="en-US" dirty="0" smtClean="0"/>
+              <a:t>Signal to noise ratio (SNR) threshold at 50% correct (SNR-50)</a:t>
+            </a:r>
+          </a:p>
+          <a:p>
+            <a:pPr marL="285750" indent="-285750">
+              <a:buFont typeface="Arial" panose="020B0604020202020204" pitchFamily="34" charset="0"/>
+              <a:buChar char="•"/>
+            </a:pPr>
+            <a:r>
+              <a:rPr lang="en-US" dirty="0" smtClean="0"/>
+              <a:t>Subjective measures of hearing loss</a:t>
+            </a:r>
+          </a:p>
+          <a:p>
+            <a:endParaRPr lang="en-US" dirty="0" smtClean="0"/>
+          </a:p>
+          <a:p>
+            <a:r>
+              <a:rPr lang="en-US" dirty="0" smtClean="0"/>
+              <a:t>EEG</a:t>
+            </a:r>
+          </a:p>
+          <a:p>
+            <a:pPr marL="285750" indent="-285750">
+              <a:buFont typeface="Arial" panose="020B0604020202020204" pitchFamily="34" charset="0"/>
+              <a:buChar char="•"/>
+            </a:pPr>
+            <a:r>
+              <a:rPr lang="en-US" dirty="0" smtClean="0"/>
+              <a:t>64-channel EEG monitored using </a:t>
+            </a:r>
+            <a:r>
+              <a:rPr lang="en-US" dirty="0" err="1" smtClean="0"/>
+              <a:t>Neuroscan</a:t>
+            </a:r>
+            <a:endParaRPr lang="en-US" dirty="0" smtClean="0"/>
+          </a:p>
+          <a:p>
+            <a:pPr marL="285750" indent="-285750">
+              <a:buFont typeface="Arial" panose="020B0604020202020204" pitchFamily="34" charset="0"/>
+              <a:buChar char="•"/>
+            </a:pPr>
+            <a:r>
+              <a:rPr lang="en-US" dirty="0" smtClean="0"/>
+              <a:t>Reference – </a:t>
+            </a:r>
+            <a:r>
+              <a:rPr lang="en-US" dirty="0" err="1" smtClean="0"/>
+              <a:t>Cz</a:t>
+            </a:r>
+            <a:r>
+              <a:rPr lang="en-US" dirty="0"/>
+              <a:t>.</a:t>
+            </a:r>
+            <a:r>
+              <a:rPr lang="en-US" dirty="0" smtClean="0"/>
+              <a:t> Ground – </a:t>
+            </a:r>
+            <a:r>
+              <a:rPr lang="en-US" dirty="0" err="1" smtClean="0"/>
+              <a:t>Afz</a:t>
+            </a:r>
+            <a:endParaRPr lang="en-US" dirty="0" smtClean="0"/>
+          </a:p>
+          <a:p>
+            <a:pPr marL="285750" indent="-285750">
+              <a:buFont typeface="Arial" panose="020B0604020202020204" pitchFamily="34" charset="0"/>
+              <a:buChar char="•"/>
+            </a:pPr>
+            <a:r>
+              <a:rPr lang="en-US" dirty="0" smtClean="0"/>
+              <a:t>Eyes alternate between open and closed conditions lasting 2 minutes each. 3 trials. 12 minutes total</a:t>
+            </a:r>
+          </a:p>
+          <a:p>
+            <a:endParaRPr lang="en-US" dirty="0" smtClean="0"/>
+          </a:p>
+          <a:p>
+            <a:r>
+              <a:rPr lang="en-US" dirty="0" smtClean="0"/>
+              <a:t>EEG data analyzed in </a:t>
+            </a:r>
+            <a:r>
+              <a:rPr lang="en-US" dirty="0" err="1" smtClean="0"/>
+              <a:t>Matlab</a:t>
+            </a:r>
+            <a:r>
+              <a:rPr lang="en-US" dirty="0" smtClean="0"/>
+              <a:t> using Fieldtrip</a:t>
+            </a:r>
+          </a:p>
+          <a:p>
+            <a:pPr marL="285750" indent="-285750">
+              <a:buFont typeface="Arial" panose="020B0604020202020204" pitchFamily="34" charset="0"/>
+              <a:buChar char="•"/>
+            </a:pPr>
+            <a:r>
+              <a:rPr lang="en-US" dirty="0" smtClean="0"/>
+              <a:t>Data bandpass filtered between .5 and 50 </a:t>
+            </a:r>
+            <a:r>
+              <a:rPr lang="en-US" dirty="0" err="1" smtClean="0"/>
+              <a:t>hz</a:t>
+            </a:r>
+            <a:endParaRPr lang="en-US" dirty="0" smtClean="0"/>
+          </a:p>
+          <a:p>
+            <a:pPr marL="285750" indent="-285750">
+              <a:buFont typeface="Arial" panose="020B0604020202020204" pitchFamily="34" charset="0"/>
+              <a:buChar char="•"/>
+            </a:pPr>
+            <a:r>
+              <a:rPr lang="en-US" dirty="0" smtClean="0"/>
+              <a:t>Independent component analysis removed components related to signal, eye movement, and cardiac noise</a:t>
+            </a:r>
+          </a:p>
+          <a:p>
+            <a:pPr marL="285750" indent="-285750">
+              <a:buFont typeface="Arial" panose="020B0604020202020204" pitchFamily="34" charset="0"/>
+              <a:buChar char="•"/>
+            </a:pPr>
+            <a:r>
+              <a:rPr lang="en-US" dirty="0" smtClean="0"/>
+              <a:t>FFT analysis run using </a:t>
+            </a:r>
+            <a:r>
+              <a:rPr lang="en-US" dirty="0" err="1"/>
+              <a:t>H</a:t>
+            </a:r>
+            <a:r>
+              <a:rPr lang="en-US" dirty="0" err="1" smtClean="0"/>
+              <a:t>anning</a:t>
+            </a:r>
+            <a:r>
+              <a:rPr lang="en-US" dirty="0" smtClean="0"/>
+              <a:t> window</a:t>
+            </a:r>
+          </a:p>
+          <a:p>
+            <a:pPr marL="285750" indent="-285750">
+              <a:buFont typeface="Arial" panose="020B0604020202020204" pitchFamily="34" charset="0"/>
+              <a:buChar char="•"/>
+            </a:pPr>
+            <a:r>
+              <a:rPr lang="en-US" dirty="0" smtClean="0"/>
+              <a:t>Area under the curve calculated for power between 7.5-12.5 </a:t>
+            </a:r>
+            <a:r>
+              <a:rPr lang="en-US" dirty="0" err="1" smtClean="0"/>
+              <a:t>hz</a:t>
+            </a:r>
+            <a:endParaRPr lang="en-US" dirty="0" smtClean="0"/>
+          </a:p>
+          <a:p>
+            <a:pPr marL="285750" indent="-285750">
+              <a:buFont typeface="Arial" panose="020B0604020202020204" pitchFamily="34" charset="0"/>
+              <a:buChar char="•"/>
+            </a:pPr>
+            <a:endParaRPr lang="en-US" dirty="0" smtClean="0"/>
+          </a:p>
+          <a:p>
+            <a:endParaRPr lang="en-US" dirty="0" smtClean="0"/>
+          </a:p>
+          <a:p>
+            <a:endParaRPr lang="en-US" dirty="0"/>
+          </a:p>
+        </p:txBody>
+      </p:sp>
     </p:spTree>
     <p:extLst>
       <p:ext uri="{BB962C8B-B14F-4D97-AF65-F5344CB8AC3E}">
@@ -5999,6 +12036,13 @@
   <p:clrMapOvr>
     <a:masterClrMapping/>
   </p:clrMapOvr>
+  <p:timing>
+    <p:tnLst>
+      <p:par>
+        <p:cTn id="1" dur="indefinite" restart="never" nodeType="tmRoot"/>
+      </p:par>
+    </p:tnLst>
+  </p:timing>
 </p:sld>
 </file>
 
@@ -6019,30 +12063,270 @@
           <a:chExt cx="0" cy="0"/>
         </a:xfrm>
       </p:grpSpPr>
-      <p:graphicFrame>
-        <p:nvGraphicFramePr>
-          <p:cNvPr id="4" name="Chart 3"/>
-          <p:cNvGraphicFramePr>
-            <a:graphicFrameLocks/>
-          </p:cNvGraphicFramePr>
+      <p:sp>
+        <p:nvSpPr>
+          <p:cNvPr id="2" name="Title 1"/>
+          <p:cNvSpPr>
+            <a:spLocks noGrp="1"/>
+          </p:cNvSpPr>
           <p:nvPr>
-            <p:extLst>
-              <p:ext uri="{D42A27DB-BD31-4B8C-83A1-F6EECF244321}">
-                <p14:modId xmlns:p14="http://schemas.microsoft.com/office/powerpoint/2010/main" val="1297038872"/>
-              </p:ext>
-            </p:extLst>
+            <p:ph type="title"/>
           </p:nvPr>
-        </p:nvGraphicFramePr>
-        <p:xfrm>
-          <a:off x="91727" y="0"/>
-          <a:ext cx="6004560" cy="3737610"/>
-        </p:xfrm>
-        <a:graphic>
-          <a:graphicData uri="http://schemas.openxmlformats.org/drawingml/2006/chart">
-            <c:chart xmlns:c="http://schemas.openxmlformats.org/drawingml/2006/chart" xmlns:r="http://schemas.openxmlformats.org/officeDocument/2006/relationships" r:id="rId2"/>
-          </a:graphicData>
-        </a:graphic>
-      </p:graphicFrame>
+        </p:nvSpPr>
+        <p:spPr/>
+        <p:txBody>
+          <a:bodyPr/>
+          <a:lstStyle/>
+          <a:p>
+            <a:pPr algn="ctr"/>
+            <a:r>
+              <a:rPr lang="en-US" dirty="0" smtClean="0"/>
+              <a:t>Sample Spectral data from single subject</a:t>
+            </a:r>
+            <a:endParaRPr lang="en-US" dirty="0"/>
+          </a:p>
+        </p:txBody>
+      </p:sp>
+      <p:sp>
+        <p:nvSpPr>
+          <p:cNvPr id="6" name="TextBox 5"/>
+          <p:cNvSpPr txBox="1"/>
+          <p:nvPr/>
+        </p:nvSpPr>
+        <p:spPr>
+          <a:xfrm rot="16200000">
+            <a:off x="32084" y="3769895"/>
+            <a:ext cx="778226" cy="369332"/>
+          </a:xfrm>
+          <a:prstGeom prst="rect">
+            <a:avLst/>
+          </a:prstGeom>
+          <a:noFill/>
+        </p:spPr>
+        <p:txBody>
+          <a:bodyPr wrap="none" rtlCol="0">
+            <a:spAutoFit/>
+          </a:bodyPr>
+          <a:lstStyle/>
+          <a:p>
+            <a:r>
+              <a:rPr lang="en-US" dirty="0" smtClean="0"/>
+              <a:t>Power</a:t>
+            </a:r>
+            <a:endParaRPr lang="en-US" dirty="0"/>
+          </a:p>
+        </p:txBody>
+      </p:sp>
+      <p:sp>
+        <p:nvSpPr>
+          <p:cNvPr id="7" name="TextBox 6"/>
+          <p:cNvSpPr txBox="1"/>
+          <p:nvPr/>
+        </p:nvSpPr>
+        <p:spPr>
+          <a:xfrm>
+            <a:off x="2503079" y="6320407"/>
+            <a:ext cx="1595501" cy="369332"/>
+          </a:xfrm>
+          <a:prstGeom prst="rect">
+            <a:avLst/>
+          </a:prstGeom>
+          <a:noFill/>
+        </p:spPr>
+        <p:txBody>
+          <a:bodyPr wrap="none" rtlCol="0">
+            <a:spAutoFit/>
+          </a:bodyPr>
+          <a:lstStyle/>
+          <a:p>
+            <a:r>
+              <a:rPr lang="en-US" dirty="0" smtClean="0"/>
+              <a:t>Frequency (Hz)</a:t>
+            </a:r>
+            <a:endParaRPr lang="en-US" dirty="0"/>
+          </a:p>
+        </p:txBody>
+      </p:sp>
+      <p:pic>
+        <p:nvPicPr>
+          <p:cNvPr id="9" name="Picture 8"/>
+          <p:cNvPicPr>
+            <a:picLocks noChangeAspect="1"/>
+          </p:cNvPicPr>
+          <p:nvPr/>
+        </p:nvPicPr>
+        <p:blipFill>
+          <a:blip r:embed="rId2">
+            <a:extLst>
+              <a:ext uri="{28A0092B-C50C-407E-A947-70E740481C1C}">
+                <a14:useLocalDpi xmlns:a14="http://schemas.microsoft.com/office/drawing/2010/main" val="0"/>
+              </a:ext>
+            </a:extLst>
+          </a:blip>
+          <a:stretch>
+            <a:fillRect/>
+          </a:stretch>
+        </p:blipFill>
+        <p:spPr>
+          <a:xfrm>
+            <a:off x="838200" y="2285999"/>
+            <a:ext cx="4729413" cy="3547060"/>
+          </a:xfrm>
+          <a:prstGeom prst="rect">
+            <a:avLst/>
+          </a:prstGeom>
+        </p:spPr>
+      </p:pic>
+      <p:pic>
+        <p:nvPicPr>
+          <p:cNvPr id="10" name="Picture 9"/>
+          <p:cNvPicPr>
+            <a:picLocks noChangeAspect="1"/>
+          </p:cNvPicPr>
+          <p:nvPr/>
+        </p:nvPicPr>
+        <p:blipFill>
+          <a:blip r:embed="rId3">
+            <a:extLst>
+              <a:ext uri="{28A0092B-C50C-407E-A947-70E740481C1C}">
+                <a14:useLocalDpi xmlns:a14="http://schemas.microsoft.com/office/drawing/2010/main" val="0"/>
+              </a:ext>
+            </a:extLst>
+          </a:blip>
+          <a:stretch>
+            <a:fillRect/>
+          </a:stretch>
+        </p:blipFill>
+        <p:spPr>
+          <a:xfrm>
+            <a:off x="6564229" y="2213809"/>
+            <a:ext cx="4921918" cy="3691439"/>
+          </a:xfrm>
+          <a:prstGeom prst="rect">
+            <a:avLst/>
+          </a:prstGeom>
+        </p:spPr>
+      </p:pic>
+      <p:sp>
+        <p:nvSpPr>
+          <p:cNvPr id="11" name="TextBox 10"/>
+          <p:cNvSpPr txBox="1"/>
+          <p:nvPr/>
+        </p:nvSpPr>
+        <p:spPr>
+          <a:xfrm rot="16200000">
+            <a:off x="5766479" y="3769894"/>
+            <a:ext cx="1595501" cy="369332"/>
+          </a:xfrm>
+          <a:prstGeom prst="rect">
+            <a:avLst/>
+          </a:prstGeom>
+          <a:noFill/>
+        </p:spPr>
+        <p:txBody>
+          <a:bodyPr wrap="none" rtlCol="0">
+            <a:spAutoFit/>
+          </a:bodyPr>
+          <a:lstStyle/>
+          <a:p>
+            <a:r>
+              <a:rPr lang="en-US" dirty="0" smtClean="0"/>
+              <a:t>Frequency (Hz)</a:t>
+            </a:r>
+            <a:endParaRPr lang="en-US" dirty="0"/>
+          </a:p>
+        </p:txBody>
+      </p:sp>
+      <p:sp>
+        <p:nvSpPr>
+          <p:cNvPr id="12" name="TextBox 11"/>
+          <p:cNvSpPr txBox="1"/>
+          <p:nvPr/>
+        </p:nvSpPr>
+        <p:spPr>
+          <a:xfrm>
+            <a:off x="8225289" y="6243703"/>
+            <a:ext cx="1599797" cy="369332"/>
+          </a:xfrm>
+          <a:prstGeom prst="rect">
+            <a:avLst/>
+          </a:prstGeom>
+          <a:noFill/>
+        </p:spPr>
+        <p:txBody>
+          <a:bodyPr wrap="none" rtlCol="0">
+            <a:spAutoFit/>
+          </a:bodyPr>
+          <a:lstStyle/>
+          <a:p>
+            <a:r>
+              <a:rPr lang="en-US" dirty="0" smtClean="0"/>
+              <a:t>Time (seconds)</a:t>
+            </a:r>
+            <a:endParaRPr lang="en-US" dirty="0"/>
+          </a:p>
+        </p:txBody>
+      </p:sp>
+    </p:spTree>
+    <p:extLst>
+      <p:ext uri="{BB962C8B-B14F-4D97-AF65-F5344CB8AC3E}">
+        <p14:creationId xmlns:p14="http://schemas.microsoft.com/office/powerpoint/2010/main" val="2596213692"/>
+      </p:ext>
+    </p:extLst>
+  </p:cSld>
+  <p:clrMapOvr>
+    <a:masterClrMapping/>
+  </p:clrMapOvr>
+</p:sld>
+</file>
+
+<file path=ppt/slides/slide3.xml><?xml version="1.0" encoding="utf-8"?>
+<p:sld xmlns:a="http://schemas.openxmlformats.org/drawingml/2006/main" xmlns:r="http://schemas.openxmlformats.org/officeDocument/2006/relationships" xmlns:p="http://schemas.openxmlformats.org/presentationml/2006/main">
+  <p:cSld>
+    <p:spTree>
+      <p:nvGrpSpPr>
+        <p:cNvPr id="1" name=""/>
+        <p:cNvGrpSpPr/>
+        <p:nvPr/>
+      </p:nvGrpSpPr>
+      <p:grpSpPr>
+        <a:xfrm>
+          <a:off x="0" y="0"/>
+          <a:ext cx="0" cy="0"/>
+          <a:chOff x="0" y="0"/>
+          <a:chExt cx="0" cy="0"/>
+        </a:xfrm>
+      </p:grpSpPr>
+      <p:sp>
+        <p:nvSpPr>
+          <p:cNvPr id="2" name="TextBox 1"/>
+          <p:cNvSpPr txBox="1"/>
+          <p:nvPr/>
+        </p:nvSpPr>
+        <p:spPr>
+          <a:xfrm>
+            <a:off x="5504803" y="215206"/>
+            <a:ext cx="1225144" cy="523220"/>
+          </a:xfrm>
+          <a:prstGeom prst="rect">
+            <a:avLst/>
+          </a:prstGeom>
+          <a:noFill/>
+        </p:spPr>
+        <p:txBody>
+          <a:bodyPr wrap="none" rtlCol="0">
+            <a:spAutoFit/>
+          </a:bodyPr>
+          <a:lstStyle/>
+          <a:p>
+            <a:r>
+              <a:rPr lang="en-US" sz="2800" dirty="0" smtClean="0"/>
+              <a:t>Results</a:t>
+            </a:r>
+            <a:endParaRPr lang="en-US" sz="2800" dirty="0"/>
+          </a:p>
+        </p:txBody>
+      </p:sp>
       <p:graphicFrame>
         <p:nvGraphicFramePr>
           <p:cNvPr id="5" name="Chart 4"/>
@@ -6052,14 +12336,14 @@
           <p:nvPr>
             <p:extLst>
               <p:ext uri="{D42A27DB-BD31-4B8C-83A1-F6EECF244321}">
-                <p14:modId xmlns:p14="http://schemas.microsoft.com/office/powerpoint/2010/main" val="534182376"/>
+                <p14:modId xmlns:p14="http://schemas.microsoft.com/office/powerpoint/2010/main" val="65608735"/>
               </p:ext>
             </p:extLst>
           </p:nvPr>
         </p:nvGraphicFramePr>
         <p:xfrm>
-          <a:off x="6187440" y="0"/>
-          <a:ext cx="6004560" cy="3737610"/>
+          <a:off x="6215045" y="1754793"/>
+          <a:ext cx="4937760" cy="2830830"/>
         </p:xfrm>
         <a:graphic>
           <a:graphicData uri="http://schemas.openxmlformats.org/drawingml/2006/chart">
@@ -6067,10 +12351,312 @@
           </a:graphicData>
         </a:graphic>
       </p:graphicFrame>
+      <p:graphicFrame>
+        <p:nvGraphicFramePr>
+          <p:cNvPr id="6" name="Chart 5"/>
+          <p:cNvGraphicFramePr>
+            <a:graphicFrameLocks/>
+          </p:cNvGraphicFramePr>
+          <p:nvPr>
+            <p:extLst>
+              <p:ext uri="{D42A27DB-BD31-4B8C-83A1-F6EECF244321}">
+                <p14:modId xmlns:p14="http://schemas.microsoft.com/office/powerpoint/2010/main" val="3656131142"/>
+              </p:ext>
+            </p:extLst>
+          </p:nvPr>
+        </p:nvGraphicFramePr>
+        <p:xfrm>
+          <a:off x="937403" y="1798608"/>
+          <a:ext cx="4572000" cy="2743200"/>
+        </p:xfrm>
+        <a:graphic>
+          <a:graphicData uri="http://schemas.openxmlformats.org/drawingml/2006/chart">
+            <c:chart xmlns:c="http://schemas.openxmlformats.org/drawingml/2006/chart" xmlns:r="http://schemas.openxmlformats.org/officeDocument/2006/relationships" r:id="rId4"/>
+          </a:graphicData>
+        </a:graphic>
+      </p:graphicFrame>
     </p:spTree>
     <p:extLst>
       <p:ext uri="{BB962C8B-B14F-4D97-AF65-F5344CB8AC3E}">
         <p14:creationId xmlns:p14="http://schemas.microsoft.com/office/powerpoint/2010/main" val="734166362"/>
+      </p:ext>
+    </p:extLst>
+  </p:cSld>
+  <p:clrMapOvr>
+    <a:masterClrMapping/>
+  </p:clrMapOvr>
+  <p:timing>
+    <p:tnLst>
+      <p:par>
+        <p:cTn id="1" dur="indefinite" restart="never" nodeType="tmRoot"/>
+      </p:par>
+    </p:tnLst>
+  </p:timing>
+</p:sld>
+</file>
+
+<file path=ppt/slides/slide4.xml><?xml version="1.0" encoding="utf-8"?>
+<p:sld xmlns:a="http://schemas.openxmlformats.org/drawingml/2006/main" xmlns:r="http://schemas.openxmlformats.org/officeDocument/2006/relationships" xmlns:p="http://schemas.openxmlformats.org/presentationml/2006/main">
+  <p:cSld>
+    <p:spTree>
+      <p:nvGrpSpPr>
+        <p:cNvPr id="1" name=""/>
+        <p:cNvGrpSpPr/>
+        <p:nvPr/>
+      </p:nvGrpSpPr>
+      <p:grpSpPr>
+        <a:xfrm>
+          <a:off x="0" y="0"/>
+          <a:ext cx="0" cy="0"/>
+          <a:chOff x="0" y="0"/>
+          <a:chExt cx="0" cy="0"/>
+        </a:xfrm>
+      </p:grpSpPr>
+      <p:sp>
+        <p:nvSpPr>
+          <p:cNvPr id="5" name="TextBox 4"/>
+          <p:cNvSpPr txBox="1"/>
+          <p:nvPr/>
+        </p:nvSpPr>
+        <p:spPr>
+          <a:xfrm>
+            <a:off x="5895474" y="120316"/>
+            <a:ext cx="1225144" cy="523220"/>
+          </a:xfrm>
+          <a:prstGeom prst="rect">
+            <a:avLst/>
+          </a:prstGeom>
+          <a:noFill/>
+        </p:spPr>
+        <p:txBody>
+          <a:bodyPr wrap="none" rtlCol="0">
+            <a:spAutoFit/>
+          </a:bodyPr>
+          <a:lstStyle/>
+          <a:p>
+            <a:r>
+              <a:rPr lang="en-US" sz="2800" dirty="0" smtClean="0"/>
+              <a:t>Results</a:t>
+            </a:r>
+            <a:endParaRPr lang="en-US" sz="2800" dirty="0"/>
+          </a:p>
+        </p:txBody>
+      </p:sp>
+      <p:graphicFrame>
+        <p:nvGraphicFramePr>
+          <p:cNvPr id="8" name="Chart 7"/>
+          <p:cNvGraphicFramePr>
+            <a:graphicFrameLocks/>
+          </p:cNvGraphicFramePr>
+          <p:nvPr>
+            <p:extLst>
+              <p:ext uri="{D42A27DB-BD31-4B8C-83A1-F6EECF244321}">
+                <p14:modId xmlns:p14="http://schemas.microsoft.com/office/powerpoint/2010/main" val="407843401"/>
+              </p:ext>
+            </p:extLst>
+          </p:nvPr>
+        </p:nvGraphicFramePr>
+        <p:xfrm>
+          <a:off x="966216" y="2025396"/>
+          <a:ext cx="4572000" cy="2743200"/>
+        </p:xfrm>
+        <a:graphic>
+          <a:graphicData uri="http://schemas.openxmlformats.org/drawingml/2006/chart">
+            <c:chart xmlns:c="http://schemas.openxmlformats.org/drawingml/2006/chart" xmlns:r="http://schemas.openxmlformats.org/officeDocument/2006/relationships" r:id="rId3"/>
+          </a:graphicData>
+        </a:graphic>
+      </p:graphicFrame>
+      <p:graphicFrame>
+        <p:nvGraphicFramePr>
+          <p:cNvPr id="9" name="Chart 8"/>
+          <p:cNvGraphicFramePr>
+            <a:graphicFrameLocks/>
+          </p:cNvGraphicFramePr>
+          <p:nvPr>
+            <p:extLst>
+              <p:ext uri="{D42A27DB-BD31-4B8C-83A1-F6EECF244321}">
+                <p14:modId xmlns:p14="http://schemas.microsoft.com/office/powerpoint/2010/main" val="3377935824"/>
+              </p:ext>
+            </p:extLst>
+          </p:nvPr>
+        </p:nvGraphicFramePr>
+        <p:xfrm>
+          <a:off x="5707380" y="2025396"/>
+          <a:ext cx="4572000" cy="2743200"/>
+        </p:xfrm>
+        <a:graphic>
+          <a:graphicData uri="http://schemas.openxmlformats.org/drawingml/2006/chart">
+            <c:chart xmlns:c="http://schemas.openxmlformats.org/drawingml/2006/chart" xmlns:r="http://schemas.openxmlformats.org/officeDocument/2006/relationships" r:id="rId4"/>
+          </a:graphicData>
+        </a:graphic>
+      </p:graphicFrame>
+    </p:spTree>
+    <p:extLst>
+      <p:ext uri="{BB962C8B-B14F-4D97-AF65-F5344CB8AC3E}">
+        <p14:creationId xmlns:p14="http://schemas.microsoft.com/office/powerpoint/2010/main" val="1658600731"/>
+      </p:ext>
+    </p:extLst>
+  </p:cSld>
+  <p:clrMapOvr>
+    <a:masterClrMapping/>
+  </p:clrMapOvr>
+  <p:timing>
+    <p:tnLst>
+      <p:par>
+        <p:cTn id="1" dur="indefinite" restart="never" nodeType="tmRoot"/>
+      </p:par>
+    </p:tnLst>
+  </p:timing>
+</p:sld>
+</file>
+
+<file path=ppt/slides/slide5.xml><?xml version="1.0" encoding="utf-8"?>
+<p:sld xmlns:a="http://schemas.openxmlformats.org/drawingml/2006/main" xmlns:r="http://schemas.openxmlformats.org/officeDocument/2006/relationships" xmlns:p="http://schemas.openxmlformats.org/presentationml/2006/main">
+  <p:cSld>
+    <p:spTree>
+      <p:nvGrpSpPr>
+        <p:cNvPr id="1" name=""/>
+        <p:cNvGrpSpPr/>
+        <p:nvPr/>
+      </p:nvGrpSpPr>
+      <p:grpSpPr>
+        <a:xfrm>
+          <a:off x="0" y="0"/>
+          <a:ext cx="0" cy="0"/>
+          <a:chOff x="0" y="0"/>
+          <a:chExt cx="0" cy="0"/>
+        </a:xfrm>
+      </p:grpSpPr>
+      <p:graphicFrame>
+        <p:nvGraphicFramePr>
+          <p:cNvPr id="5" name="Chart 4"/>
+          <p:cNvGraphicFramePr>
+            <a:graphicFrameLocks/>
+          </p:cNvGraphicFramePr>
+          <p:nvPr>
+            <p:extLst>
+              <p:ext uri="{D42A27DB-BD31-4B8C-83A1-F6EECF244321}">
+                <p14:modId xmlns:p14="http://schemas.microsoft.com/office/powerpoint/2010/main" val="2969219146"/>
+              </p:ext>
+            </p:extLst>
+          </p:nvPr>
+        </p:nvGraphicFramePr>
+        <p:xfrm>
+          <a:off x="6553200" y="1211580"/>
+          <a:ext cx="4572000" cy="2743200"/>
+        </p:xfrm>
+        <a:graphic>
+          <a:graphicData uri="http://schemas.openxmlformats.org/drawingml/2006/chart">
+            <c:chart xmlns:c="http://schemas.openxmlformats.org/drawingml/2006/chart" xmlns:r="http://schemas.openxmlformats.org/officeDocument/2006/relationships" r:id="rId3"/>
+          </a:graphicData>
+        </a:graphic>
+      </p:graphicFrame>
+      <p:graphicFrame>
+        <p:nvGraphicFramePr>
+          <p:cNvPr id="6" name="Chart 5"/>
+          <p:cNvGraphicFramePr>
+            <a:graphicFrameLocks/>
+          </p:cNvGraphicFramePr>
+          <p:nvPr>
+            <p:extLst>
+              <p:ext uri="{D42A27DB-BD31-4B8C-83A1-F6EECF244321}">
+                <p14:modId xmlns:p14="http://schemas.microsoft.com/office/powerpoint/2010/main" val="3159027122"/>
+              </p:ext>
+            </p:extLst>
+          </p:nvPr>
+        </p:nvGraphicFramePr>
+        <p:xfrm>
+          <a:off x="864080" y="1108063"/>
+          <a:ext cx="4572000" cy="2743200"/>
+        </p:xfrm>
+        <a:graphic>
+          <a:graphicData uri="http://schemas.openxmlformats.org/drawingml/2006/chart">
+            <c:chart xmlns:c="http://schemas.openxmlformats.org/drawingml/2006/chart" xmlns:r="http://schemas.openxmlformats.org/officeDocument/2006/relationships" r:id="rId4"/>
+          </a:graphicData>
+        </a:graphic>
+      </p:graphicFrame>
+      <p:sp>
+        <p:nvSpPr>
+          <p:cNvPr id="7" name="TextBox 6"/>
+          <p:cNvSpPr txBox="1"/>
+          <p:nvPr/>
+        </p:nvSpPr>
+        <p:spPr>
+          <a:xfrm>
+            <a:off x="5895474" y="120316"/>
+            <a:ext cx="1225144" cy="523220"/>
+          </a:xfrm>
+          <a:prstGeom prst="rect">
+            <a:avLst/>
+          </a:prstGeom>
+          <a:noFill/>
+        </p:spPr>
+        <p:txBody>
+          <a:bodyPr wrap="none" rtlCol="0">
+            <a:spAutoFit/>
+          </a:bodyPr>
+          <a:lstStyle/>
+          <a:p>
+            <a:r>
+              <a:rPr lang="en-US" sz="2800" dirty="0" smtClean="0"/>
+              <a:t>Results</a:t>
+            </a:r>
+            <a:endParaRPr lang="en-US" sz="2800" dirty="0"/>
+          </a:p>
+        </p:txBody>
+      </p:sp>
+      <p:graphicFrame>
+        <p:nvGraphicFramePr>
+          <p:cNvPr id="10" name="Chart 9"/>
+          <p:cNvGraphicFramePr>
+            <a:graphicFrameLocks/>
+          </p:cNvGraphicFramePr>
+          <p:nvPr>
+            <p:extLst>
+              <p:ext uri="{D42A27DB-BD31-4B8C-83A1-F6EECF244321}">
+                <p14:modId xmlns:p14="http://schemas.microsoft.com/office/powerpoint/2010/main" val="2331844487"/>
+              </p:ext>
+            </p:extLst>
+          </p:nvPr>
+        </p:nvGraphicFramePr>
+        <p:xfrm>
+          <a:off x="1578088" y="3954780"/>
+          <a:ext cx="4572000" cy="2743200"/>
+        </p:xfrm>
+        <a:graphic>
+          <a:graphicData uri="http://schemas.openxmlformats.org/drawingml/2006/chart">
+            <c:chart xmlns:c="http://schemas.openxmlformats.org/drawingml/2006/chart" xmlns:r="http://schemas.openxmlformats.org/officeDocument/2006/relationships" r:id="rId5"/>
+          </a:graphicData>
+        </a:graphic>
+      </p:graphicFrame>
+      <p:graphicFrame>
+        <p:nvGraphicFramePr>
+          <p:cNvPr id="11" name="Chart 10"/>
+          <p:cNvGraphicFramePr>
+            <a:graphicFrameLocks/>
+          </p:cNvGraphicFramePr>
+          <p:nvPr>
+            <p:extLst>
+              <p:ext uri="{D42A27DB-BD31-4B8C-83A1-F6EECF244321}">
+                <p14:modId xmlns:p14="http://schemas.microsoft.com/office/powerpoint/2010/main" val="714874316"/>
+              </p:ext>
+            </p:extLst>
+          </p:nvPr>
+        </p:nvGraphicFramePr>
+        <p:xfrm>
+          <a:off x="6296392" y="3954780"/>
+          <a:ext cx="4572000" cy="2743200"/>
+        </p:xfrm>
+        <a:graphic>
+          <a:graphicData uri="http://schemas.openxmlformats.org/drawingml/2006/chart">
+            <c:chart xmlns:c="http://schemas.openxmlformats.org/drawingml/2006/chart" xmlns:r="http://schemas.openxmlformats.org/officeDocument/2006/relationships" r:id="rId6"/>
+          </a:graphicData>
+        </a:graphic>
+      </p:graphicFrame>
+    </p:spTree>
+    <p:extLst>
+      <p:ext uri="{BB962C8B-B14F-4D97-AF65-F5344CB8AC3E}">
+        <p14:creationId xmlns:p14="http://schemas.microsoft.com/office/powerpoint/2010/main" val="2751300494"/>
       </p:ext>
     </p:extLst>
   </p:cSld>
@@ -6339,4 +12925,265 @@
     </a:ext>
   </a:extLst>
 </a:theme>
+</file>
+
+<file path=ppt/theme/theme2.xml><?xml version="1.0" encoding="utf-8"?>
+<a:theme xmlns:a="http://schemas.openxmlformats.org/drawingml/2006/main" name="Office Theme">
+  <a:themeElements>
+    <a:clrScheme name="Office">
+      <a:dk1>
+        <a:sysClr val="windowText" lastClr="000000"/>
+      </a:dk1>
+      <a:lt1>
+        <a:sysClr val="window" lastClr="FFFFFF"/>
+      </a:lt1>
+      <a:dk2>
+        <a:srgbClr val="44546A"/>
+      </a:dk2>
+      <a:lt2>
+        <a:srgbClr val="E7E6E6"/>
+      </a:lt2>
+      <a:accent1>
+        <a:srgbClr val="5B9BD5"/>
+      </a:accent1>
+      <a:accent2>
+        <a:srgbClr val="ED7D31"/>
+      </a:accent2>
+      <a:accent3>
+        <a:srgbClr val="A5A5A5"/>
+      </a:accent3>
+      <a:accent4>
+        <a:srgbClr val="FFC000"/>
+      </a:accent4>
+      <a:accent5>
+        <a:srgbClr val="4472C4"/>
+      </a:accent5>
+      <a:accent6>
+        <a:srgbClr val="70AD47"/>
+      </a:accent6>
+      <a:hlink>
+        <a:srgbClr val="0563C1"/>
+      </a:hlink>
+      <a:folHlink>
+        <a:srgbClr val="954F72"/>
+      </a:folHlink>
+    </a:clrScheme>
+    <a:fontScheme name="Office">
+      <a:majorFont>
+        <a:latin typeface="Calibri Light" panose="020F0302020204030204"/>
+        <a:ea typeface=""/>
+        <a:cs typeface=""/>
+        <a:font script="Jpan" typeface="ＭＳ Ｐゴシック"/>
+        <a:font script="Hang" typeface="맑은 고딕"/>
+        <a:font script="Hans" typeface="宋体"/>
+        <a:font script="Hant" typeface="新細明體"/>
+        <a:font script="Arab" typeface="Times New Roman"/>
+        <a:font script="Hebr" typeface="Times New Roman"/>
+        <a:font script="Thai" typeface="Angsana New"/>
+        <a:font script="Ethi" typeface="Nyala"/>
+        <a:font script="Beng" typeface="Vrinda"/>
+        <a:font script="Gujr" typeface="Shruti"/>
+        <a:font script="Khmr" typeface="MoolBoran"/>
+        <a:font script="Knda" typeface="Tunga"/>
+        <a:font script="Guru" typeface="Raavi"/>
+        <a:font script="Cans" typeface="Euphemia"/>
+        <a:font script="Cher" typeface="Plantagenet Cherokee"/>
+        <a:font script="Yiii" typeface="Microsoft Yi Baiti"/>
+        <a:font script="Tibt" typeface="Microsoft Himalaya"/>
+        <a:font script="Thaa" typeface="MV Boli"/>
+        <a:font script="Deva" typeface="Mangal"/>
+        <a:font script="Telu" typeface="Gautami"/>
+        <a:font script="Taml" typeface="Latha"/>
+        <a:font script="Syrc" typeface="Estrangelo Edessa"/>
+        <a:font script="Orya" typeface="Kalinga"/>
+        <a:font script="Mlym" typeface="Kartika"/>
+        <a:font script="Laoo" typeface="DokChampa"/>
+        <a:font script="Sinh" typeface="Iskoola Pota"/>
+        <a:font script="Mong" typeface="Mongolian Baiti"/>
+        <a:font script="Viet" typeface="Times New Roman"/>
+        <a:font script="Uigh" typeface="Microsoft Uighur"/>
+        <a:font script="Geor" typeface="Sylfaen"/>
+      </a:majorFont>
+      <a:minorFont>
+        <a:latin typeface="Calibri" panose="020F0502020204030204"/>
+        <a:ea typeface=""/>
+        <a:cs typeface=""/>
+        <a:font script="Jpan" typeface="ＭＳ Ｐゴシック"/>
+        <a:font script="Hang" typeface="맑은 고딕"/>
+        <a:font script="Hans" typeface="宋体"/>
+        <a:font script="Hant" typeface="新細明體"/>
+        <a:font script="Arab" typeface="Arial"/>
+        <a:font script="Hebr" typeface="Arial"/>
+        <a:font script="Thai" typeface="Cordia New"/>
+        <a:font script="Ethi" typeface="Nyala"/>
+        <a:font script="Beng" typeface="Vrinda"/>
+        <a:font script="Gujr" typeface="Shruti"/>
+        <a:font script="Khmr" typeface="DaunPenh"/>
+        <a:font script="Knda" typeface="Tunga"/>
+        <a:font script="Guru" typeface="Raavi"/>
+        <a:font script="Cans" typeface="Euphemia"/>
+        <a:font script="Cher" typeface="Plantagenet Cherokee"/>
+        <a:font script="Yiii" typeface="Microsoft Yi Baiti"/>
+        <a:font script="Tibt" typeface="Microsoft Himalaya"/>
+        <a:font script="Thaa" typeface="MV Boli"/>
+        <a:font script="Deva" typeface="Mangal"/>
+        <a:font script="Telu" typeface="Gautami"/>
+        <a:font script="Taml" typeface="Latha"/>
+        <a:font script="Syrc" typeface="Estrangelo Edessa"/>
+        <a:font script="Orya" typeface="Kalinga"/>
+        <a:font script="Mlym" typeface="Kartika"/>
+        <a:font script="Laoo" typeface="DokChampa"/>
+        <a:font script="Sinh" typeface="Iskoola Pota"/>
+        <a:font script="Mong" typeface="Mongolian Baiti"/>
+        <a:font script="Viet" typeface="Arial"/>
+        <a:font script="Uigh" typeface="Microsoft Uighur"/>
+        <a:font script="Geor" typeface="Sylfaen"/>
+      </a:minorFont>
+    </a:fontScheme>
+    <a:fmtScheme name="Office">
+      <a:fillStyleLst>
+        <a:solidFill>
+          <a:schemeClr val="phClr"/>
+        </a:solidFill>
+        <a:gradFill rotWithShape="1">
+          <a:gsLst>
+            <a:gs pos="0">
+              <a:schemeClr val="phClr">
+                <a:lumMod val="110000"/>
+                <a:satMod val="105000"/>
+                <a:tint val="67000"/>
+              </a:schemeClr>
+            </a:gs>
+            <a:gs pos="50000">
+              <a:schemeClr val="phClr">
+                <a:lumMod val="105000"/>
+                <a:satMod val="103000"/>
+                <a:tint val="73000"/>
+              </a:schemeClr>
+            </a:gs>
+            <a:gs pos="100000">
+              <a:schemeClr val="phClr">
+                <a:lumMod val="105000"/>
+                <a:satMod val="109000"/>
+                <a:tint val="81000"/>
+              </a:schemeClr>
+            </a:gs>
+          </a:gsLst>
+          <a:lin ang="5400000" scaled="0"/>
+        </a:gradFill>
+        <a:gradFill rotWithShape="1">
+          <a:gsLst>
+            <a:gs pos="0">
+              <a:schemeClr val="phClr">
+                <a:satMod val="103000"/>
+                <a:lumMod val="102000"/>
+                <a:tint val="94000"/>
+              </a:schemeClr>
+            </a:gs>
+            <a:gs pos="50000">
+              <a:schemeClr val="phClr">
+                <a:satMod val="110000"/>
+                <a:lumMod val="100000"/>
+                <a:shade val="100000"/>
+              </a:schemeClr>
+            </a:gs>
+            <a:gs pos="100000">
+              <a:schemeClr val="phClr">
+                <a:lumMod val="99000"/>
+                <a:satMod val="120000"/>
+                <a:shade val="78000"/>
+              </a:schemeClr>
+            </a:gs>
+          </a:gsLst>
+          <a:lin ang="5400000" scaled="0"/>
+        </a:gradFill>
+      </a:fillStyleLst>
+      <a:lnStyleLst>
+        <a:ln w="6350" cap="flat" cmpd="sng" algn="ctr">
+          <a:solidFill>
+            <a:schemeClr val="phClr"/>
+          </a:solidFill>
+          <a:prstDash val="solid"/>
+          <a:miter lim="800000"/>
+        </a:ln>
+        <a:ln w="12700" cap="flat" cmpd="sng" algn="ctr">
+          <a:solidFill>
+            <a:schemeClr val="phClr"/>
+          </a:solidFill>
+          <a:prstDash val="solid"/>
+          <a:miter lim="800000"/>
+        </a:ln>
+        <a:ln w="19050" cap="flat" cmpd="sng" algn="ctr">
+          <a:solidFill>
+            <a:schemeClr val="phClr"/>
+          </a:solidFill>
+          <a:prstDash val="solid"/>
+          <a:miter lim="800000"/>
+        </a:ln>
+      </a:lnStyleLst>
+      <a:effectStyleLst>
+        <a:effectStyle>
+          <a:effectLst/>
+        </a:effectStyle>
+        <a:effectStyle>
+          <a:effectLst/>
+        </a:effectStyle>
+        <a:effectStyle>
+          <a:effectLst>
+            <a:outerShdw blurRad="57150" dist="19050" dir="5400000" algn="ctr" rotWithShape="0">
+              <a:srgbClr val="000000">
+                <a:alpha val="63000"/>
+              </a:srgbClr>
+            </a:outerShdw>
+          </a:effectLst>
+        </a:effectStyle>
+      </a:effectStyleLst>
+      <a:bgFillStyleLst>
+        <a:solidFill>
+          <a:schemeClr val="phClr"/>
+        </a:solidFill>
+        <a:solidFill>
+          <a:schemeClr val="phClr">
+            <a:tint val="95000"/>
+            <a:satMod val="170000"/>
+          </a:schemeClr>
+        </a:solidFill>
+        <a:gradFill rotWithShape="1">
+          <a:gsLst>
+            <a:gs pos="0">
+              <a:schemeClr val="phClr">
+                <a:tint val="93000"/>
+                <a:satMod val="150000"/>
+                <a:shade val="98000"/>
+                <a:lumMod val="102000"/>
+              </a:schemeClr>
+            </a:gs>
+            <a:gs pos="50000">
+              <a:schemeClr val="phClr">
+                <a:tint val="98000"/>
+                <a:satMod val="130000"/>
+                <a:shade val="90000"/>
+                <a:lumMod val="103000"/>
+              </a:schemeClr>
+            </a:gs>
+            <a:gs pos="100000">
+              <a:schemeClr val="phClr">
+                <a:shade val="63000"/>
+                <a:satMod val="120000"/>
+              </a:schemeClr>
+            </a:gs>
+          </a:gsLst>
+          <a:lin ang="5400000" scaled="0"/>
+        </a:gradFill>
+      </a:bgFillStyleLst>
+    </a:fmtScheme>
+  </a:themeElements>
+  <a:objectDefaults/>
+  <a:extraClrSchemeLst/>
+  <a:extLst>
+    <a:ext uri="{05A4C25C-085E-4340-85A3-A5531E510DB2}">
+      <thm15:themeFamily xmlns:thm15="http://schemas.microsoft.com/office/thememl/2012/main" name="Office Theme" id="{62F939B6-93AF-4DB8-9C6B-D6C7DFDC589F}" vid="{4A3C46E8-61CC-4603-A589-7422A47A8E4A}"/>
+    </a:ext>
+  </a:extLst>
+</a:theme>
 </file>